--- a/docs/프론트_상세정보.pptx
+++ b/docs/프론트_상세정보.pptx
@@ -105,6 +105,11 @@
       </a:defRPr>
     </a:lvl9pPr>
   </p:defaultTextStyle>
+  <p:extLst>
+    <p:ext uri="{EFAFB233-063F-42B5-8137-9DF3F51BA10A}">
+      <p15:sldGuideLst xmlns:p15="http://schemas.microsoft.com/office/powerpoint/2012/main"/>
+    </p:ext>
+  </p:extLst>
 </p:presentation>
 </file>
 
@@ -150,7 +155,7 @@
           </a:lstStyle>
           <a:p>
             <a:r>
-              <a:rPr lang="ko-KR" altLang="en-US" smtClean="0"/>
+              <a:rPr lang="ko-KR" altLang="en-US"/>
               <a:t>마스터 제목 스타일 편집</a:t>
             </a:r>
             <a:endParaRPr lang="en-US" dirty="0"/>
@@ -215,7 +220,7 @@
           </a:lstStyle>
           <a:p>
             <a:r>
-              <a:rPr lang="ko-KR" altLang="en-US" smtClean="0"/>
+              <a:rPr lang="ko-KR" altLang="en-US"/>
               <a:t>클릭하여 마스터 부제목 스타일 편집</a:t>
             </a:r>
             <a:endParaRPr lang="en-US" dirty="0"/>
@@ -239,7 +244,7 @@
           <a:p>
             <a:fld id="{1B32A0D8-558A-43F9-BAEB-6BCCCC53F602}" type="datetimeFigureOut">
               <a:rPr lang="ko-KR" altLang="en-US" smtClean="0"/>
-              <a:t>2023-05-17</a:t>
+              <a:t>2023-05-25</a:t>
             </a:fld>
             <a:endParaRPr lang="ko-KR" altLang="en-US"/>
           </a:p>
@@ -333,7 +338,7 @@
           <a:lstStyle/>
           <a:p>
             <a:r>
-              <a:rPr lang="ko-KR" altLang="en-US" smtClean="0"/>
+              <a:rPr lang="ko-KR" altLang="en-US"/>
               <a:t>마스터 제목 스타일 편집</a:t>
             </a:r>
             <a:endParaRPr lang="en-US" dirty="0"/>
@@ -357,35 +362,35 @@
           <a:p>
             <a:pPr lvl="0"/>
             <a:r>
-              <a:rPr lang="ko-KR" altLang="en-US" smtClean="0"/>
+              <a:rPr lang="ko-KR" altLang="en-US"/>
               <a:t>마스터 텍스트 스타일 편집</a:t>
             </a:r>
           </a:p>
           <a:p>
             <a:pPr lvl="1"/>
             <a:r>
-              <a:rPr lang="ko-KR" altLang="en-US" smtClean="0"/>
+              <a:rPr lang="ko-KR" altLang="en-US"/>
               <a:t>둘째 수준</a:t>
             </a:r>
           </a:p>
           <a:p>
             <a:pPr lvl="2"/>
             <a:r>
-              <a:rPr lang="ko-KR" altLang="en-US" smtClean="0"/>
+              <a:rPr lang="ko-KR" altLang="en-US"/>
               <a:t>셋째 수준</a:t>
             </a:r>
           </a:p>
           <a:p>
             <a:pPr lvl="3"/>
             <a:r>
-              <a:rPr lang="ko-KR" altLang="en-US" smtClean="0"/>
+              <a:rPr lang="ko-KR" altLang="en-US"/>
               <a:t>넷째 수준</a:t>
             </a:r>
           </a:p>
           <a:p>
             <a:pPr lvl="4"/>
             <a:r>
-              <a:rPr lang="ko-KR" altLang="en-US" smtClean="0"/>
+              <a:rPr lang="ko-KR" altLang="en-US"/>
               <a:t>다섯째 수준</a:t>
             </a:r>
             <a:endParaRPr lang="en-US" dirty="0"/>
@@ -409,7 +414,7 @@
           <a:p>
             <a:fld id="{1B32A0D8-558A-43F9-BAEB-6BCCCC53F602}" type="datetimeFigureOut">
               <a:rPr lang="ko-KR" altLang="en-US" smtClean="0"/>
-              <a:t>2023-05-17</a:t>
+              <a:t>2023-05-25</a:t>
             </a:fld>
             <a:endParaRPr lang="ko-KR" altLang="en-US"/>
           </a:p>
@@ -508,7 +513,7 @@
           <a:lstStyle/>
           <a:p>
             <a:r>
-              <a:rPr lang="ko-KR" altLang="en-US" smtClean="0"/>
+              <a:rPr lang="ko-KR" altLang="en-US"/>
               <a:t>마스터 제목 스타일 편집</a:t>
             </a:r>
             <a:endParaRPr lang="en-US" dirty="0"/>
@@ -537,35 +542,35 @@
           <a:p>
             <a:pPr lvl="0"/>
             <a:r>
-              <a:rPr lang="ko-KR" altLang="en-US" smtClean="0"/>
+              <a:rPr lang="ko-KR" altLang="en-US"/>
               <a:t>마스터 텍스트 스타일 편집</a:t>
             </a:r>
           </a:p>
           <a:p>
             <a:pPr lvl="1"/>
             <a:r>
-              <a:rPr lang="ko-KR" altLang="en-US" smtClean="0"/>
+              <a:rPr lang="ko-KR" altLang="en-US"/>
               <a:t>둘째 수준</a:t>
             </a:r>
           </a:p>
           <a:p>
             <a:pPr lvl="2"/>
             <a:r>
-              <a:rPr lang="ko-KR" altLang="en-US" smtClean="0"/>
+              <a:rPr lang="ko-KR" altLang="en-US"/>
               <a:t>셋째 수준</a:t>
             </a:r>
           </a:p>
           <a:p>
             <a:pPr lvl="3"/>
             <a:r>
-              <a:rPr lang="ko-KR" altLang="en-US" smtClean="0"/>
+              <a:rPr lang="ko-KR" altLang="en-US"/>
               <a:t>넷째 수준</a:t>
             </a:r>
           </a:p>
           <a:p>
             <a:pPr lvl="4"/>
             <a:r>
-              <a:rPr lang="ko-KR" altLang="en-US" smtClean="0"/>
+              <a:rPr lang="ko-KR" altLang="en-US"/>
               <a:t>다섯째 수준</a:t>
             </a:r>
             <a:endParaRPr lang="en-US" dirty="0"/>
@@ -589,7 +594,7 @@
           <a:p>
             <a:fld id="{1B32A0D8-558A-43F9-BAEB-6BCCCC53F602}" type="datetimeFigureOut">
               <a:rPr lang="ko-KR" altLang="en-US" smtClean="0"/>
-              <a:t>2023-05-17</a:t>
+              <a:t>2023-05-25</a:t>
             </a:fld>
             <a:endParaRPr lang="ko-KR" altLang="en-US"/>
           </a:p>
@@ -683,7 +688,7 @@
           <a:lstStyle/>
           <a:p>
             <a:r>
-              <a:rPr lang="ko-KR" altLang="en-US" smtClean="0"/>
+              <a:rPr lang="ko-KR" altLang="en-US"/>
               <a:t>마스터 제목 스타일 편집</a:t>
             </a:r>
             <a:endParaRPr lang="en-US" dirty="0"/>
@@ -707,35 +712,35 @@
           <a:p>
             <a:pPr lvl="0"/>
             <a:r>
-              <a:rPr lang="ko-KR" altLang="en-US" smtClean="0"/>
+              <a:rPr lang="ko-KR" altLang="en-US"/>
               <a:t>마스터 텍스트 스타일 편집</a:t>
             </a:r>
           </a:p>
           <a:p>
             <a:pPr lvl="1"/>
             <a:r>
-              <a:rPr lang="ko-KR" altLang="en-US" smtClean="0"/>
+              <a:rPr lang="ko-KR" altLang="en-US"/>
               <a:t>둘째 수준</a:t>
             </a:r>
           </a:p>
           <a:p>
             <a:pPr lvl="2"/>
             <a:r>
-              <a:rPr lang="ko-KR" altLang="en-US" smtClean="0"/>
+              <a:rPr lang="ko-KR" altLang="en-US"/>
               <a:t>셋째 수준</a:t>
             </a:r>
           </a:p>
           <a:p>
             <a:pPr lvl="3"/>
             <a:r>
-              <a:rPr lang="ko-KR" altLang="en-US" smtClean="0"/>
+              <a:rPr lang="ko-KR" altLang="en-US"/>
               <a:t>넷째 수준</a:t>
             </a:r>
           </a:p>
           <a:p>
             <a:pPr lvl="4"/>
             <a:r>
-              <a:rPr lang="ko-KR" altLang="en-US" smtClean="0"/>
+              <a:rPr lang="ko-KR" altLang="en-US"/>
               <a:t>다섯째 수준</a:t>
             </a:r>
             <a:endParaRPr lang="en-US" dirty="0"/>
@@ -759,7 +764,7 @@
           <a:p>
             <a:fld id="{1B32A0D8-558A-43F9-BAEB-6BCCCC53F602}" type="datetimeFigureOut">
               <a:rPr lang="ko-KR" altLang="en-US" smtClean="0"/>
-              <a:t>2023-05-17</a:t>
+              <a:t>2023-05-25</a:t>
             </a:fld>
             <a:endParaRPr lang="ko-KR" altLang="en-US"/>
           </a:p>
@@ -862,7 +867,7 @@
           </a:lstStyle>
           <a:p>
             <a:r>
-              <a:rPr lang="ko-KR" altLang="en-US" smtClean="0"/>
+              <a:rPr lang="ko-KR" altLang="en-US"/>
               <a:t>마스터 제목 스타일 편집</a:t>
             </a:r>
             <a:endParaRPr lang="en-US" dirty="0"/>
@@ -980,7 +985,7 @@
           <a:p>
             <a:pPr lvl="0"/>
             <a:r>
-              <a:rPr lang="ko-KR" altLang="en-US" smtClean="0"/>
+              <a:rPr lang="ko-KR" altLang="en-US"/>
               <a:t>마스터 텍스트 스타일 편집</a:t>
             </a:r>
           </a:p>
@@ -1003,7 +1008,7 @@
           <a:p>
             <a:fld id="{1B32A0D8-558A-43F9-BAEB-6BCCCC53F602}" type="datetimeFigureOut">
               <a:rPr lang="ko-KR" altLang="en-US" smtClean="0"/>
-              <a:t>2023-05-17</a:t>
+              <a:t>2023-05-25</a:t>
             </a:fld>
             <a:endParaRPr lang="ko-KR" altLang="en-US"/>
           </a:p>
@@ -1097,7 +1102,7 @@
           <a:lstStyle/>
           <a:p>
             <a:r>
-              <a:rPr lang="ko-KR" altLang="en-US" smtClean="0"/>
+              <a:rPr lang="ko-KR" altLang="en-US"/>
               <a:t>마스터 제목 스타일 편집</a:t>
             </a:r>
             <a:endParaRPr lang="en-US" dirty="0"/>
@@ -1126,35 +1131,35 @@
           <a:p>
             <a:pPr lvl="0"/>
             <a:r>
-              <a:rPr lang="ko-KR" altLang="en-US" smtClean="0"/>
+              <a:rPr lang="ko-KR" altLang="en-US"/>
               <a:t>마스터 텍스트 스타일 편집</a:t>
             </a:r>
           </a:p>
           <a:p>
             <a:pPr lvl="1"/>
             <a:r>
-              <a:rPr lang="ko-KR" altLang="en-US" smtClean="0"/>
+              <a:rPr lang="ko-KR" altLang="en-US"/>
               <a:t>둘째 수준</a:t>
             </a:r>
           </a:p>
           <a:p>
             <a:pPr lvl="2"/>
             <a:r>
-              <a:rPr lang="ko-KR" altLang="en-US" smtClean="0"/>
+              <a:rPr lang="ko-KR" altLang="en-US"/>
               <a:t>셋째 수준</a:t>
             </a:r>
           </a:p>
           <a:p>
             <a:pPr lvl="3"/>
             <a:r>
-              <a:rPr lang="ko-KR" altLang="en-US" smtClean="0"/>
+              <a:rPr lang="ko-KR" altLang="en-US"/>
               <a:t>넷째 수준</a:t>
             </a:r>
           </a:p>
           <a:p>
             <a:pPr lvl="4"/>
             <a:r>
-              <a:rPr lang="ko-KR" altLang="en-US" smtClean="0"/>
+              <a:rPr lang="ko-KR" altLang="en-US"/>
               <a:t>다섯째 수준</a:t>
             </a:r>
             <a:endParaRPr lang="en-US" dirty="0"/>
@@ -1183,35 +1188,35 @@
           <a:p>
             <a:pPr lvl="0"/>
             <a:r>
-              <a:rPr lang="ko-KR" altLang="en-US" smtClean="0"/>
+              <a:rPr lang="ko-KR" altLang="en-US"/>
               <a:t>마스터 텍스트 스타일 편집</a:t>
             </a:r>
           </a:p>
           <a:p>
             <a:pPr lvl="1"/>
             <a:r>
-              <a:rPr lang="ko-KR" altLang="en-US" smtClean="0"/>
+              <a:rPr lang="ko-KR" altLang="en-US"/>
               <a:t>둘째 수준</a:t>
             </a:r>
           </a:p>
           <a:p>
             <a:pPr lvl="2"/>
             <a:r>
-              <a:rPr lang="ko-KR" altLang="en-US" smtClean="0"/>
+              <a:rPr lang="ko-KR" altLang="en-US"/>
               <a:t>셋째 수준</a:t>
             </a:r>
           </a:p>
           <a:p>
             <a:pPr lvl="3"/>
             <a:r>
-              <a:rPr lang="ko-KR" altLang="en-US" smtClean="0"/>
+              <a:rPr lang="ko-KR" altLang="en-US"/>
               <a:t>넷째 수준</a:t>
             </a:r>
           </a:p>
           <a:p>
             <a:pPr lvl="4"/>
             <a:r>
-              <a:rPr lang="ko-KR" altLang="en-US" smtClean="0"/>
+              <a:rPr lang="ko-KR" altLang="en-US"/>
               <a:t>다섯째 수준</a:t>
             </a:r>
             <a:endParaRPr lang="en-US" dirty="0"/>
@@ -1235,7 +1240,7 @@
           <a:p>
             <a:fld id="{1B32A0D8-558A-43F9-BAEB-6BCCCC53F602}" type="datetimeFigureOut">
               <a:rPr lang="ko-KR" altLang="en-US" smtClean="0"/>
-              <a:t>2023-05-17</a:t>
+              <a:t>2023-05-25</a:t>
             </a:fld>
             <a:endParaRPr lang="ko-KR" altLang="en-US"/>
           </a:p>
@@ -1334,7 +1339,7 @@
           <a:lstStyle/>
           <a:p>
             <a:r>
-              <a:rPr lang="ko-KR" altLang="en-US" smtClean="0"/>
+              <a:rPr lang="ko-KR" altLang="en-US"/>
               <a:t>마스터 제목 스타일 편집</a:t>
             </a:r>
             <a:endParaRPr lang="en-US" dirty="0"/>
@@ -1400,7 +1405,7 @@
           <a:p>
             <a:pPr lvl="0"/>
             <a:r>
-              <a:rPr lang="ko-KR" altLang="en-US" smtClean="0"/>
+              <a:rPr lang="ko-KR" altLang="en-US"/>
               <a:t>마스터 텍스트 스타일 편집</a:t>
             </a:r>
           </a:p>
@@ -1428,35 +1433,35 @@
           <a:p>
             <a:pPr lvl="0"/>
             <a:r>
-              <a:rPr lang="ko-KR" altLang="en-US" smtClean="0"/>
+              <a:rPr lang="ko-KR" altLang="en-US"/>
               <a:t>마스터 텍스트 스타일 편집</a:t>
             </a:r>
           </a:p>
           <a:p>
             <a:pPr lvl="1"/>
             <a:r>
-              <a:rPr lang="ko-KR" altLang="en-US" smtClean="0"/>
+              <a:rPr lang="ko-KR" altLang="en-US"/>
               <a:t>둘째 수준</a:t>
             </a:r>
           </a:p>
           <a:p>
             <a:pPr lvl="2"/>
             <a:r>
-              <a:rPr lang="ko-KR" altLang="en-US" smtClean="0"/>
+              <a:rPr lang="ko-KR" altLang="en-US"/>
               <a:t>셋째 수준</a:t>
             </a:r>
           </a:p>
           <a:p>
             <a:pPr lvl="3"/>
             <a:r>
-              <a:rPr lang="ko-KR" altLang="en-US" smtClean="0"/>
+              <a:rPr lang="ko-KR" altLang="en-US"/>
               <a:t>넷째 수준</a:t>
             </a:r>
           </a:p>
           <a:p>
             <a:pPr lvl="4"/>
             <a:r>
-              <a:rPr lang="ko-KR" altLang="en-US" smtClean="0"/>
+              <a:rPr lang="ko-KR" altLang="en-US"/>
               <a:t>다섯째 수준</a:t>
             </a:r>
             <a:endParaRPr lang="en-US" dirty="0"/>
@@ -1522,7 +1527,7 @@
           <a:p>
             <a:pPr lvl="0"/>
             <a:r>
-              <a:rPr lang="ko-KR" altLang="en-US" smtClean="0"/>
+              <a:rPr lang="ko-KR" altLang="en-US"/>
               <a:t>마스터 텍스트 스타일 편집</a:t>
             </a:r>
           </a:p>
@@ -1550,35 +1555,35 @@
           <a:p>
             <a:pPr lvl="0"/>
             <a:r>
-              <a:rPr lang="ko-KR" altLang="en-US" smtClean="0"/>
+              <a:rPr lang="ko-KR" altLang="en-US"/>
               <a:t>마스터 텍스트 스타일 편집</a:t>
             </a:r>
           </a:p>
           <a:p>
             <a:pPr lvl="1"/>
             <a:r>
-              <a:rPr lang="ko-KR" altLang="en-US" smtClean="0"/>
+              <a:rPr lang="ko-KR" altLang="en-US"/>
               <a:t>둘째 수준</a:t>
             </a:r>
           </a:p>
           <a:p>
             <a:pPr lvl="2"/>
             <a:r>
-              <a:rPr lang="ko-KR" altLang="en-US" smtClean="0"/>
+              <a:rPr lang="ko-KR" altLang="en-US"/>
               <a:t>셋째 수준</a:t>
             </a:r>
           </a:p>
           <a:p>
             <a:pPr lvl="3"/>
             <a:r>
-              <a:rPr lang="ko-KR" altLang="en-US" smtClean="0"/>
+              <a:rPr lang="ko-KR" altLang="en-US"/>
               <a:t>넷째 수준</a:t>
             </a:r>
           </a:p>
           <a:p>
             <a:pPr lvl="4"/>
             <a:r>
-              <a:rPr lang="ko-KR" altLang="en-US" smtClean="0"/>
+              <a:rPr lang="ko-KR" altLang="en-US"/>
               <a:t>다섯째 수준</a:t>
             </a:r>
             <a:endParaRPr lang="en-US" dirty="0"/>
@@ -1602,7 +1607,7 @@
           <a:p>
             <a:fld id="{1B32A0D8-558A-43F9-BAEB-6BCCCC53F602}" type="datetimeFigureOut">
               <a:rPr lang="ko-KR" altLang="en-US" smtClean="0"/>
-              <a:t>2023-05-17</a:t>
+              <a:t>2023-05-25</a:t>
             </a:fld>
             <a:endParaRPr lang="ko-KR" altLang="en-US"/>
           </a:p>
@@ -1696,7 +1701,7 @@
           <a:lstStyle/>
           <a:p>
             <a:r>
-              <a:rPr lang="ko-KR" altLang="en-US" smtClean="0"/>
+              <a:rPr lang="ko-KR" altLang="en-US"/>
               <a:t>마스터 제목 스타일 편집</a:t>
             </a:r>
             <a:endParaRPr lang="en-US" dirty="0"/>
@@ -1720,7 +1725,7 @@
           <a:p>
             <a:fld id="{1B32A0D8-558A-43F9-BAEB-6BCCCC53F602}" type="datetimeFigureOut">
               <a:rPr lang="ko-KR" altLang="en-US" smtClean="0"/>
-              <a:t>2023-05-17</a:t>
+              <a:t>2023-05-25</a:t>
             </a:fld>
             <a:endParaRPr lang="ko-KR" altLang="en-US"/>
           </a:p>
@@ -1815,7 +1820,7 @@
           <a:p>
             <a:fld id="{1B32A0D8-558A-43F9-BAEB-6BCCCC53F602}" type="datetimeFigureOut">
               <a:rPr lang="ko-KR" altLang="en-US" smtClean="0"/>
-              <a:t>2023-05-17</a:t>
+              <a:t>2023-05-25</a:t>
             </a:fld>
             <a:endParaRPr lang="ko-KR" altLang="en-US"/>
           </a:p>
@@ -1918,7 +1923,7 @@
           </a:lstStyle>
           <a:p>
             <a:r>
-              <a:rPr lang="ko-KR" altLang="en-US" smtClean="0"/>
+              <a:rPr lang="ko-KR" altLang="en-US"/>
               <a:t>마스터 제목 스타일 편집</a:t>
             </a:r>
             <a:endParaRPr lang="en-US" dirty="0"/>
@@ -1975,35 +1980,35 @@
           <a:p>
             <a:pPr lvl="0"/>
             <a:r>
-              <a:rPr lang="ko-KR" altLang="en-US" smtClean="0"/>
+              <a:rPr lang="ko-KR" altLang="en-US"/>
               <a:t>마스터 텍스트 스타일 편집</a:t>
             </a:r>
           </a:p>
           <a:p>
             <a:pPr lvl="1"/>
             <a:r>
-              <a:rPr lang="ko-KR" altLang="en-US" smtClean="0"/>
+              <a:rPr lang="ko-KR" altLang="en-US"/>
               <a:t>둘째 수준</a:t>
             </a:r>
           </a:p>
           <a:p>
             <a:pPr lvl="2"/>
             <a:r>
-              <a:rPr lang="ko-KR" altLang="en-US" smtClean="0"/>
+              <a:rPr lang="ko-KR" altLang="en-US"/>
               <a:t>셋째 수준</a:t>
             </a:r>
           </a:p>
           <a:p>
             <a:pPr lvl="3"/>
             <a:r>
-              <a:rPr lang="ko-KR" altLang="en-US" smtClean="0"/>
+              <a:rPr lang="ko-KR" altLang="en-US"/>
               <a:t>넷째 수준</a:t>
             </a:r>
           </a:p>
           <a:p>
             <a:pPr lvl="4"/>
             <a:r>
-              <a:rPr lang="ko-KR" altLang="en-US" smtClean="0"/>
+              <a:rPr lang="ko-KR" altLang="en-US"/>
               <a:t>다섯째 수준</a:t>
             </a:r>
             <a:endParaRPr lang="en-US" dirty="0"/>
@@ -2069,7 +2074,7 @@
           <a:p>
             <a:pPr lvl="0"/>
             <a:r>
-              <a:rPr lang="ko-KR" altLang="en-US" smtClean="0"/>
+              <a:rPr lang="ko-KR" altLang="en-US"/>
               <a:t>마스터 텍스트 스타일 편집</a:t>
             </a:r>
           </a:p>
@@ -2092,7 +2097,7 @@
           <a:p>
             <a:fld id="{1B32A0D8-558A-43F9-BAEB-6BCCCC53F602}" type="datetimeFigureOut">
               <a:rPr lang="ko-KR" altLang="en-US" smtClean="0"/>
-              <a:t>2023-05-17</a:t>
+              <a:t>2023-05-25</a:t>
             </a:fld>
             <a:endParaRPr lang="ko-KR" altLang="en-US"/>
           </a:p>
@@ -2195,7 +2200,7 @@
           </a:lstStyle>
           <a:p>
             <a:r>
-              <a:rPr lang="ko-KR" altLang="en-US" smtClean="0"/>
+              <a:rPr lang="ko-KR" altLang="en-US"/>
               <a:t>마스터 제목 스타일 편집</a:t>
             </a:r>
             <a:endParaRPr lang="en-US" dirty="0"/>
@@ -2260,7 +2265,7 @@
           </a:lstStyle>
           <a:p>
             <a:r>
-              <a:rPr lang="ko-KR" altLang="en-US" smtClean="0"/>
+              <a:rPr lang="ko-KR" altLang="en-US"/>
               <a:t>그림을 추가하려면 아이콘을 클릭하십시오</a:t>
             </a:r>
             <a:endParaRPr lang="en-US" dirty="0"/>
@@ -2326,7 +2331,7 @@
           <a:p>
             <a:pPr lvl="0"/>
             <a:r>
-              <a:rPr lang="ko-KR" altLang="en-US" smtClean="0"/>
+              <a:rPr lang="ko-KR" altLang="en-US"/>
               <a:t>마스터 텍스트 스타일 편집</a:t>
             </a:r>
           </a:p>
@@ -2349,7 +2354,7 @@
           <a:p>
             <a:fld id="{1B32A0D8-558A-43F9-BAEB-6BCCCC53F602}" type="datetimeFigureOut">
               <a:rPr lang="ko-KR" altLang="en-US" smtClean="0"/>
-              <a:t>2023-05-17</a:t>
+              <a:t>2023-05-25</a:t>
             </a:fld>
             <a:endParaRPr lang="ko-KR" altLang="en-US"/>
           </a:p>
@@ -2458,7 +2463,7 @@
           <a:lstStyle/>
           <a:p>
             <a:r>
-              <a:rPr lang="ko-KR" altLang="en-US" smtClean="0"/>
+              <a:rPr lang="ko-KR" altLang="en-US"/>
               <a:t>마스터 제목 스타일 편집</a:t>
             </a:r>
             <a:endParaRPr lang="en-US" dirty="0"/>
@@ -2492,35 +2497,35 @@
           <a:p>
             <a:pPr lvl="0"/>
             <a:r>
-              <a:rPr lang="ko-KR" altLang="en-US" smtClean="0"/>
+              <a:rPr lang="ko-KR" altLang="en-US"/>
               <a:t>마스터 텍스트 스타일 편집</a:t>
             </a:r>
           </a:p>
           <a:p>
             <a:pPr lvl="1"/>
             <a:r>
-              <a:rPr lang="ko-KR" altLang="en-US" smtClean="0"/>
+              <a:rPr lang="ko-KR" altLang="en-US"/>
               <a:t>둘째 수준</a:t>
             </a:r>
           </a:p>
           <a:p>
             <a:pPr lvl="2"/>
             <a:r>
-              <a:rPr lang="ko-KR" altLang="en-US" smtClean="0"/>
+              <a:rPr lang="ko-KR" altLang="en-US"/>
               <a:t>셋째 수준</a:t>
             </a:r>
           </a:p>
           <a:p>
             <a:pPr lvl="3"/>
             <a:r>
-              <a:rPr lang="ko-KR" altLang="en-US" smtClean="0"/>
+              <a:rPr lang="ko-KR" altLang="en-US"/>
               <a:t>넷째 수준</a:t>
             </a:r>
           </a:p>
           <a:p>
             <a:pPr lvl="4"/>
             <a:r>
-              <a:rPr lang="ko-KR" altLang="en-US" smtClean="0"/>
+              <a:rPr lang="ko-KR" altLang="en-US"/>
               <a:t>다섯째 수준</a:t>
             </a:r>
             <a:endParaRPr lang="en-US" dirty="0"/>
@@ -2562,7 +2567,7 @@
           <a:p>
             <a:fld id="{1B32A0D8-558A-43F9-BAEB-6BCCCC53F602}" type="datetimeFigureOut">
               <a:rPr lang="ko-KR" altLang="en-US" smtClean="0"/>
-              <a:t>2023-05-17</a:t>
+              <a:t>2023-05-25</a:t>
             </a:fld>
             <a:endParaRPr lang="ko-KR" altLang="en-US"/>
           </a:p>
@@ -4939,16 +4944,6 @@
               </a:rPr>
               <a:t>영화 추천</a:t>
             </a:r>
-            <a:r>
-              <a:rPr lang="en-US" altLang="ko-KR" sz="1125" b="1" dirty="0">
-                <a:solidFill>
-                  <a:schemeClr val="tx1"/>
-                </a:solidFill>
-                <a:latin typeface="맑은 고딕" panose="020B0503020000020004" pitchFamily="50" charset="-127"/>
-                <a:ea typeface="맑은 고딕" panose="020B0503020000020004" pitchFamily="50" charset="-127"/>
-              </a:rPr>
-              <a:t/>
-            </a:r>
             <a:br>
               <a:rPr lang="en-US" altLang="ko-KR" sz="1125" b="1" dirty="0">
                 <a:solidFill>
@@ -5526,16 +5521,6 @@
                   <a:ea typeface="맑은 고딕" panose="020B0503020000020004" pitchFamily="50" charset="-127"/>
                 </a:rPr>
                 <a:t>컴포넌트</a:t>
-              </a:r>
-              <a:r>
-                <a:rPr lang="en-US" altLang="ko-KR" sz="1125" b="1" dirty="0">
-                  <a:solidFill>
-                    <a:schemeClr val="tx1"/>
-                  </a:solidFill>
-                  <a:latin typeface="맑은 고딕" panose="020B0503020000020004" pitchFamily="50" charset="-127"/>
-                  <a:ea typeface="맑은 고딕" panose="020B0503020000020004" pitchFamily="50" charset="-127"/>
-                </a:rPr>
-                <a:t/>
               </a:r>
               <a:br>
                 <a:rPr lang="en-US" altLang="ko-KR" sz="1125" b="1" dirty="0">
@@ -5902,7 +5887,7 @@
               <a:tabLst/>
             </a:pPr>
             <a:r>
-              <a:rPr kumimoji="0" lang="ko-KR" altLang="ko-KR" sz="2100" b="0" i="0" u="none" strike="noStrike" cap="none" normalizeH="0" baseline="0" dirty="0" err="1" smtClean="0">
+              <a:rPr kumimoji="0" lang="ko-KR" altLang="ko-KR" sz="2100" b="0" i="0" u="none" strike="noStrike" cap="none" normalizeH="0" baseline="0" dirty="0" err="1">
                 <a:ln>
                   <a:noFill/>
                 </a:ln>
@@ -5916,7 +5901,7 @@
               <a:t>Screen</a:t>
             </a:r>
             <a:r>
-              <a:rPr kumimoji="0" lang="ko-KR" altLang="ko-KR" sz="2100" b="0" i="0" u="none" strike="noStrike" cap="none" normalizeH="0" baseline="0" dirty="0" smtClean="0">
+              <a:rPr kumimoji="0" lang="ko-KR" altLang="ko-KR" sz="2100" b="0" i="0" u="none" strike="noStrike" cap="none" normalizeH="0" baseline="0" dirty="0">
                 <a:ln>
                   <a:noFill/>
                 </a:ln>
@@ -5930,7 +5915,7 @@
               <a:t> </a:t>
             </a:r>
             <a:r>
-              <a:rPr kumimoji="0" lang="ko-KR" altLang="ko-KR" sz="2100" b="0" i="0" u="none" strike="noStrike" cap="none" normalizeH="0" baseline="0" dirty="0" err="1" smtClean="0">
+              <a:rPr kumimoji="0" lang="ko-KR" altLang="ko-KR" sz="2100" b="0" i="0" u="none" strike="noStrike" cap="none" normalizeH="0" baseline="0" dirty="0" err="1">
                 <a:ln>
                   <a:noFill/>
                 </a:ln>
@@ -5944,7 +5929,7 @@
               <a:t>Layout</a:t>
             </a:r>
             <a:r>
-              <a:rPr kumimoji="0" lang="ko-KR" altLang="ko-KR" sz="700" b="0" i="0" u="none" strike="noStrike" cap="none" normalizeH="0" baseline="0" dirty="0" smtClean="0">
+              <a:rPr kumimoji="0" lang="ko-KR" altLang="ko-KR" sz="700" b="0" i="0" u="none" strike="noStrike" cap="none" normalizeH="0" baseline="0" dirty="0">
                 <a:ln>
                   <a:noFill/>
                 </a:ln>
@@ -5955,7 +5940,7 @@
               </a:rPr>
               <a:t> </a:t>
             </a:r>
-            <a:endParaRPr kumimoji="0" lang="ko-KR" altLang="ko-KR" sz="1800" b="0" i="0" u="none" strike="noStrike" cap="none" normalizeH="0" baseline="0" dirty="0" smtClean="0">
+            <a:endParaRPr kumimoji="0" lang="ko-KR" altLang="ko-KR" sz="1800" b="0" i="0" u="none" strike="noStrike" cap="none" normalizeH="0" baseline="0" dirty="0">
               <a:ln>
                 <a:noFill/>
               </a:ln>
@@ -5978,13 +5963,6 @@
   <p:clrMapOvr>
     <a:masterClrMapping/>
   </p:clrMapOvr>
-  <p:timing>
-    <p:tnLst>
-      <p:par>
-        <p:cTn id="1" dur="indefinite" restart="never" nodeType="tmRoot"/>
-      </p:par>
-    </p:tnLst>
-  </p:timing>
 </p:sld>
 </file>
 
@@ -6835,7 +6813,7 @@
             <a:p>
               <a:pPr algn="ctr"/>
               <a:r>
-                <a:rPr lang="en-US" altLang="ko-KR" sz="1350" b="1" dirty="0" smtClean="0">
+                <a:rPr lang="en-US" altLang="ko-KR" sz="1350" b="1" dirty="0">
                   <a:solidFill>
                     <a:schemeClr val="tx1"/>
                   </a:solidFill>
@@ -6900,7 +6878,7 @@
             <a:p>
               <a:pPr algn="ctr"/>
               <a:r>
-                <a:rPr lang="ko-KR" altLang="en-US" sz="1125" b="1" dirty="0" smtClean="0">
+                <a:rPr lang="ko-KR" altLang="en-US" sz="1125" b="1" dirty="0">
                   <a:solidFill>
                     <a:schemeClr val="tx1"/>
                   </a:solidFill>
@@ -6909,13 +6887,6 @@
                 </a:rPr>
                 <a:t>영화</a:t>
               </a:r>
-              <a:endParaRPr lang="ko-KR" altLang="en-US" sz="1125" b="1" dirty="0">
-                <a:solidFill>
-                  <a:schemeClr val="tx1"/>
-                </a:solidFill>
-                <a:latin typeface="맑은 고딕" panose="020B0503020000020004" pitchFamily="50" charset="-127"/>
-                <a:ea typeface="맑은 고딕" panose="020B0503020000020004" pitchFamily="50" charset="-127"/>
-              </a:endParaRPr>
             </a:p>
           </p:txBody>
         </p:sp>
@@ -7769,16 +7740,6 @@
                 <a:ea typeface="맑은 고딕" panose="020B0503020000020004" pitchFamily="50" charset="-127"/>
               </a:rPr>
               <a:t>영화 추천</a:t>
-            </a:r>
-            <a:r>
-              <a:rPr lang="en-US" altLang="ko-KR" sz="1125" b="1" dirty="0">
-                <a:solidFill>
-                  <a:schemeClr val="tx1"/>
-                </a:solidFill>
-                <a:latin typeface="맑은 고딕" panose="020B0503020000020004" pitchFamily="50" charset="-127"/>
-                <a:ea typeface="맑은 고딕" panose="020B0503020000020004" pitchFamily="50" charset="-127"/>
-              </a:rPr>
-              <a:t/>
             </a:r>
             <a:br>
               <a:rPr lang="en-US" altLang="ko-KR" sz="1125" b="1" dirty="0">
@@ -8354,16 +8315,6 @@
                   <a:ea typeface="맑은 고딕" panose="020B0503020000020004" pitchFamily="50" charset="-127"/>
                 </a:rPr>
                 <a:t>컴포넌트</a:t>
-              </a:r>
-              <a:r>
-                <a:rPr lang="en-US" altLang="ko-KR" sz="1125" b="1" dirty="0">
-                  <a:solidFill>
-                    <a:schemeClr val="tx1"/>
-                  </a:solidFill>
-                  <a:latin typeface="맑은 고딕" panose="020B0503020000020004" pitchFamily="50" charset="-127"/>
-                  <a:ea typeface="맑은 고딕" panose="020B0503020000020004" pitchFamily="50" charset="-127"/>
-                </a:rPr>
-                <a:t/>
               </a:r>
               <a:br>
                 <a:rPr lang="en-US" altLang="ko-KR" sz="1125" b="1" dirty="0">
@@ -8730,7 +8681,7 @@
               <a:tabLst/>
             </a:pPr>
             <a:r>
-              <a:rPr kumimoji="0" lang="ko-KR" altLang="en-US" sz="2100" b="0" i="0" u="none" strike="noStrike" cap="none" normalizeH="0" baseline="0" dirty="0" smtClean="0">
+              <a:rPr kumimoji="0" lang="ko-KR" altLang="en-US" sz="2100" b="0" i="0" u="none" strike="noStrike" cap="none" normalizeH="0" baseline="0" dirty="0">
                 <a:ln>
                   <a:noFill/>
                 </a:ln>
@@ -8743,7 +8694,7 @@
               </a:rPr>
               <a:t>컴포넌트 상세</a:t>
             </a:r>
-            <a:endParaRPr kumimoji="0" lang="ko-KR" altLang="ko-KR" sz="1800" b="0" i="0" u="none" strike="noStrike" cap="none" normalizeH="0" baseline="0" dirty="0" smtClean="0">
+            <a:endParaRPr kumimoji="0" lang="ko-KR" altLang="ko-KR" sz="1800" b="0" i="0" u="none" strike="noStrike" cap="none" normalizeH="0" baseline="0" dirty="0">
               <a:ln>
                 <a:noFill/>
               </a:ln>
@@ -8811,7 +8762,7 @@
           <a:p>
             <a:pPr algn="ctr"/>
             <a:r>
-              <a:rPr lang="en-US" altLang="ko-KR" sz="1200" b="1" dirty="0" smtClean="0">
+              <a:rPr lang="en-US" altLang="ko-KR" sz="1200" b="1" dirty="0">
                 <a:solidFill>
                   <a:schemeClr val="tx1"/>
                 </a:solidFill>
@@ -8876,7 +8827,7 @@
           <a:p>
             <a:pPr algn="ctr"/>
             <a:r>
-              <a:rPr lang="ko-KR" altLang="en-US" sz="1125" b="1" dirty="0" smtClean="0">
+              <a:rPr lang="ko-KR" altLang="en-US" sz="1125" b="1" dirty="0">
                 <a:solidFill>
                   <a:schemeClr val="tx1"/>
                 </a:solidFill>
@@ -8885,13 +8836,6 @@
               </a:rPr>
               <a:t>쓴 리뷰</a:t>
             </a:r>
-            <a:endParaRPr lang="ko-KR" altLang="en-US" sz="1125" b="1" dirty="0">
-              <a:solidFill>
-                <a:schemeClr val="tx1"/>
-              </a:solidFill>
-              <a:latin typeface="맑은 고딕" panose="020B0503020000020004" pitchFamily="50" charset="-127"/>
-              <a:ea typeface="맑은 고딕" panose="020B0503020000020004" pitchFamily="50" charset="-127"/>
-            </a:endParaRPr>
           </a:p>
         </p:txBody>
       </p:sp>
@@ -9088,7 +9032,7 @@
           <a:p>
             <a:pPr algn="ctr"/>
             <a:r>
-              <a:rPr lang="en-US" altLang="ko-KR" sz="1200" b="1" dirty="0" smtClean="0">
+              <a:rPr lang="en-US" altLang="ko-KR" sz="1200" b="1" dirty="0">
                 <a:solidFill>
                   <a:schemeClr val="tx1"/>
                 </a:solidFill>
@@ -9098,7 +9042,7 @@
               <a:t>Modal</a:t>
             </a:r>
             <a:br>
-              <a:rPr lang="en-US" altLang="ko-KR" sz="1200" b="1" dirty="0" smtClean="0">
+              <a:rPr lang="en-US" altLang="ko-KR" sz="1200" b="1" dirty="0">
                 <a:solidFill>
                   <a:schemeClr val="tx1"/>
                 </a:solidFill>
@@ -9107,7 +9051,7 @@
               </a:rPr>
             </a:br>
             <a:r>
-              <a:rPr lang="en-US" altLang="ko-KR" sz="1200" b="1" dirty="0" smtClean="0">
+              <a:rPr lang="en-US" altLang="ko-KR" sz="1200" b="1" dirty="0">
                 <a:solidFill>
                   <a:schemeClr val="tx1"/>
                 </a:solidFill>
@@ -9172,7 +9116,7 @@
           <a:p>
             <a:pPr algn="ctr"/>
             <a:r>
-              <a:rPr lang="en-US" altLang="ko-KR" sz="1125" b="1" dirty="0" smtClean="0">
+              <a:rPr lang="en-US" altLang="ko-KR" sz="1125" b="1" dirty="0">
                 <a:solidFill>
                   <a:schemeClr val="tx1"/>
                 </a:solidFill>
@@ -9182,7 +9126,7 @@
               <a:t>Modal</a:t>
             </a:r>
             <a:br>
-              <a:rPr lang="en-US" altLang="ko-KR" sz="1125" b="1" dirty="0" smtClean="0">
+              <a:rPr lang="en-US" altLang="ko-KR" sz="1125" b="1" dirty="0">
                 <a:solidFill>
                   <a:schemeClr val="tx1"/>
                 </a:solidFill>
@@ -9191,7 +9135,7 @@
               </a:rPr>
             </a:br>
             <a:r>
-              <a:rPr lang="en-US" altLang="ko-KR" sz="1125" b="1" dirty="0" smtClean="0">
+              <a:rPr lang="en-US" altLang="ko-KR" sz="1125" b="1" dirty="0">
                 <a:solidFill>
                   <a:schemeClr val="tx1"/>
                 </a:solidFill>
@@ -9254,7 +9198,7 @@
           <a:p>
             <a:pPr algn="ctr"/>
             <a:r>
-              <a:rPr lang="en-US" altLang="ko-KR" sz="1125" b="1" dirty="0" smtClean="0">
+              <a:rPr lang="en-US" altLang="ko-KR" sz="1125" b="1" dirty="0">
                 <a:solidFill>
                   <a:schemeClr val="tx1"/>
                 </a:solidFill>
@@ -9264,7 +9208,7 @@
               <a:t>Modal</a:t>
             </a:r>
             <a:br>
-              <a:rPr lang="en-US" altLang="ko-KR" sz="1125" b="1" dirty="0" smtClean="0">
+              <a:rPr lang="en-US" altLang="ko-KR" sz="1125" b="1" dirty="0">
                 <a:solidFill>
                   <a:schemeClr val="tx1"/>
                 </a:solidFill>
@@ -9273,7 +9217,7 @@
               </a:rPr>
             </a:br>
             <a:r>
-              <a:rPr lang="en-US" altLang="ko-KR" sz="1125" b="1" dirty="0" smtClean="0">
+              <a:rPr lang="en-US" altLang="ko-KR" sz="1125" b="1" dirty="0">
                 <a:solidFill>
                   <a:schemeClr val="tx1"/>
                 </a:solidFill>
@@ -9513,7 +9457,7 @@
           <a:p>
             <a:pPr algn="ctr"/>
             <a:r>
-              <a:rPr lang="en-US" altLang="ko-KR" sz="1200" b="1" dirty="0" smtClean="0">
+              <a:rPr lang="en-US" altLang="ko-KR" sz="1200" b="1" dirty="0">
                 <a:solidFill>
                   <a:schemeClr val="tx1"/>
                 </a:solidFill>
@@ -9523,7 +9467,7 @@
               <a:t>Modal</a:t>
             </a:r>
             <a:br>
-              <a:rPr lang="en-US" altLang="ko-KR" sz="1200" b="1" dirty="0" smtClean="0">
+              <a:rPr lang="en-US" altLang="ko-KR" sz="1200" b="1" dirty="0">
                 <a:solidFill>
                   <a:schemeClr val="tx1"/>
                 </a:solidFill>
@@ -9532,7 +9476,7 @@
               </a:rPr>
             </a:br>
             <a:r>
-              <a:rPr lang="en-US" altLang="ko-KR" sz="1200" b="1" dirty="0" smtClean="0">
+              <a:rPr lang="en-US" altLang="ko-KR" sz="1200" b="1" dirty="0">
                 <a:solidFill>
                   <a:schemeClr val="tx1"/>
                 </a:solidFill>
@@ -9597,7 +9541,7 @@
           <a:p>
             <a:pPr algn="ctr"/>
             <a:r>
-              <a:rPr lang="ko-KR" altLang="en-US" sz="1125" b="1" dirty="0" err="1" smtClean="0">
+              <a:rPr lang="ko-KR" altLang="en-US" sz="1125" b="1" dirty="0" err="1">
                 <a:solidFill>
                   <a:schemeClr val="tx1"/>
                 </a:solidFill>
@@ -9606,18 +9550,8 @@
               </a:rPr>
               <a:t>팔로우</a:t>
             </a:r>
-            <a:r>
-              <a:rPr lang="en-US" altLang="ko-KR" sz="1125" b="1" dirty="0" smtClean="0">
-                <a:solidFill>
-                  <a:schemeClr val="tx1"/>
-                </a:solidFill>
-                <a:latin typeface="맑은 고딕" panose="020B0503020000020004" pitchFamily="50" charset="-127"/>
-                <a:ea typeface="맑은 고딕" panose="020B0503020000020004" pitchFamily="50" charset="-127"/>
-              </a:rPr>
-              <a:t/>
-            </a:r>
             <a:br>
-              <a:rPr lang="en-US" altLang="ko-KR" sz="1125" b="1" dirty="0" smtClean="0">
+              <a:rPr lang="en-US" altLang="ko-KR" sz="1125" b="1" dirty="0">
                 <a:solidFill>
                   <a:schemeClr val="tx1"/>
                 </a:solidFill>
@@ -9626,7 +9560,7 @@
               </a:rPr>
             </a:br>
             <a:r>
-              <a:rPr lang="ko-KR" altLang="en-US" sz="1125" b="1" dirty="0" err="1" smtClean="0">
+              <a:rPr lang="ko-KR" altLang="en-US" sz="1125" b="1" dirty="0" err="1">
                 <a:solidFill>
                   <a:schemeClr val="tx1"/>
                 </a:solidFill>
@@ -9736,13 +9670,6 @@
   <p:clrMapOvr>
     <a:masterClrMapping/>
   </p:clrMapOvr>
-  <p:timing>
-    <p:tnLst>
-      <p:par>
-        <p:cTn id="1" dur="indefinite" restart="never" nodeType="tmRoot"/>
-      </p:par>
-    </p:tnLst>
-  </p:timing>
 </p:sld>
 </file>
 

--- a/docs/프론트_상세정보.pptx
+++ b/docs/프론트_상세정보.pptx
@@ -2,19 +2,19 @@
 <file path=ppt/presentation.xml><?xml version="1.0" encoding="utf-8"?>
 <p:presentation xmlns:a="http://schemas.openxmlformats.org/drawingml/2006/main" xmlns:r="http://schemas.openxmlformats.org/officeDocument/2006/relationships" xmlns:p="http://schemas.openxmlformats.org/presentationml/2006/main" saveSubsetFonts="1">
   <p:sldMasterIdLst>
-    <p:sldMasterId id="2147483672" r:id="rId1"/>
+    <p:sldMasterId id="2147483684" r:id="rId1"/>
   </p:sldMasterIdLst>
   <p:sldIdLst>
     <p:sldId id="258" r:id="rId2"/>
     <p:sldId id="259" r:id="rId3"/>
   </p:sldIdLst>
-  <p:sldSz cx="11879263" cy="12192000"/>
+  <p:sldSz cx="14758988" cy="12192000"/>
   <p:notesSz cx="6858000" cy="9144000"/>
   <p:defaultTextStyle>
     <a:defPPr>
-      <a:defRPr lang="ko-KR"/>
+      <a:defRPr lang="en-US"/>
     </a:defPPr>
-    <a:lvl1pPr marL="0" algn="l" defTabSz="914400" rtl="0" eaLnBrk="1" latinLnBrk="1" hangingPunct="1">
+    <a:lvl1pPr marL="0" algn="l" defTabSz="457200" rtl="0" eaLnBrk="1" latinLnBrk="0" hangingPunct="1">
       <a:defRPr sz="1800" kern="1200">
         <a:solidFill>
           <a:schemeClr val="tx1"/>
@@ -24,7 +24,7 @@
         <a:cs typeface="+mn-cs"/>
       </a:defRPr>
     </a:lvl1pPr>
-    <a:lvl2pPr marL="457200" algn="l" defTabSz="914400" rtl="0" eaLnBrk="1" latinLnBrk="1" hangingPunct="1">
+    <a:lvl2pPr marL="457200" algn="l" defTabSz="457200" rtl="0" eaLnBrk="1" latinLnBrk="0" hangingPunct="1">
       <a:defRPr sz="1800" kern="1200">
         <a:solidFill>
           <a:schemeClr val="tx1"/>
@@ -34,7 +34,7 @@
         <a:cs typeface="+mn-cs"/>
       </a:defRPr>
     </a:lvl2pPr>
-    <a:lvl3pPr marL="914400" algn="l" defTabSz="914400" rtl="0" eaLnBrk="1" latinLnBrk="1" hangingPunct="1">
+    <a:lvl3pPr marL="914400" algn="l" defTabSz="457200" rtl="0" eaLnBrk="1" latinLnBrk="0" hangingPunct="1">
       <a:defRPr sz="1800" kern="1200">
         <a:solidFill>
           <a:schemeClr val="tx1"/>
@@ -44,7 +44,7 @@
         <a:cs typeface="+mn-cs"/>
       </a:defRPr>
     </a:lvl3pPr>
-    <a:lvl4pPr marL="1371600" algn="l" defTabSz="914400" rtl="0" eaLnBrk="1" latinLnBrk="1" hangingPunct="1">
+    <a:lvl4pPr marL="1371600" algn="l" defTabSz="457200" rtl="0" eaLnBrk="1" latinLnBrk="0" hangingPunct="1">
       <a:defRPr sz="1800" kern="1200">
         <a:solidFill>
           <a:schemeClr val="tx1"/>
@@ -54,7 +54,7 @@
         <a:cs typeface="+mn-cs"/>
       </a:defRPr>
     </a:lvl4pPr>
-    <a:lvl5pPr marL="1828800" algn="l" defTabSz="914400" rtl="0" eaLnBrk="1" latinLnBrk="1" hangingPunct="1">
+    <a:lvl5pPr marL="1828800" algn="l" defTabSz="457200" rtl="0" eaLnBrk="1" latinLnBrk="0" hangingPunct="1">
       <a:defRPr sz="1800" kern="1200">
         <a:solidFill>
           <a:schemeClr val="tx1"/>
@@ -64,7 +64,7 @@
         <a:cs typeface="+mn-cs"/>
       </a:defRPr>
     </a:lvl5pPr>
-    <a:lvl6pPr marL="2286000" algn="l" defTabSz="914400" rtl="0" eaLnBrk="1" latinLnBrk="1" hangingPunct="1">
+    <a:lvl6pPr marL="2286000" algn="l" defTabSz="457200" rtl="0" eaLnBrk="1" latinLnBrk="0" hangingPunct="1">
       <a:defRPr sz="1800" kern="1200">
         <a:solidFill>
           <a:schemeClr val="tx1"/>
@@ -74,7 +74,7 @@
         <a:cs typeface="+mn-cs"/>
       </a:defRPr>
     </a:lvl6pPr>
-    <a:lvl7pPr marL="2743200" algn="l" defTabSz="914400" rtl="0" eaLnBrk="1" latinLnBrk="1" hangingPunct="1">
+    <a:lvl7pPr marL="2743200" algn="l" defTabSz="457200" rtl="0" eaLnBrk="1" latinLnBrk="0" hangingPunct="1">
       <a:defRPr sz="1800" kern="1200">
         <a:solidFill>
           <a:schemeClr val="tx1"/>
@@ -84,7 +84,7 @@
         <a:cs typeface="+mn-cs"/>
       </a:defRPr>
     </a:lvl7pPr>
-    <a:lvl8pPr marL="3200400" algn="l" defTabSz="914400" rtl="0" eaLnBrk="1" latinLnBrk="1" hangingPunct="1">
+    <a:lvl8pPr marL="3200400" algn="l" defTabSz="457200" rtl="0" eaLnBrk="1" latinLnBrk="0" hangingPunct="1">
       <a:defRPr sz="1800" kern="1200">
         <a:solidFill>
           <a:schemeClr val="tx1"/>
@@ -94,7 +94,7 @@
         <a:cs typeface="+mn-cs"/>
       </a:defRPr>
     </a:lvl8pPr>
-    <a:lvl9pPr marL="3657600" algn="l" defTabSz="914400" rtl="0" eaLnBrk="1" latinLnBrk="1" hangingPunct="1">
+    <a:lvl9pPr marL="3657600" algn="l" defTabSz="457200" rtl="0" eaLnBrk="1" latinLnBrk="0" hangingPunct="1">
       <a:defRPr sz="1800" kern="1200">
         <a:solidFill>
           <a:schemeClr val="tx1"/>
@@ -142,15 +142,15 @@
         </p:nvSpPr>
         <p:spPr>
           <a:xfrm>
-            <a:off x="890945" y="1995312"/>
-            <a:ext cx="10097374" cy="4244622"/>
+            <a:off x="1106924" y="1995312"/>
+            <a:ext cx="12545140" cy="4244622"/>
           </a:xfrm>
         </p:spPr>
         <p:txBody>
           <a:bodyPr anchor="b"/>
           <a:lstStyle>
             <a:lvl1pPr algn="ctr">
-              <a:defRPr sz="7795"/>
+              <a:defRPr sz="9685"/>
             </a:lvl1pPr>
           </a:lstStyle>
           <a:p>
@@ -174,8 +174,8 @@
         </p:nvSpPr>
         <p:spPr>
           <a:xfrm>
-            <a:off x="1484908" y="6403623"/>
-            <a:ext cx="8909447" cy="2943577"/>
+            <a:off x="1844874" y="6403623"/>
+            <a:ext cx="11069241" cy="2943577"/>
           </a:xfrm>
         </p:spPr>
         <p:txBody>
@@ -183,39 +183,39 @@
           <a:lstStyle>
             <a:lvl1pPr marL="0" indent="0" algn="ctr">
               <a:buNone/>
-              <a:defRPr sz="3118"/>
+              <a:defRPr sz="3874"/>
             </a:lvl1pPr>
-            <a:lvl2pPr marL="593949" indent="0" algn="ctr">
+            <a:lvl2pPr marL="737967" indent="0" algn="ctr">
               <a:buNone/>
-              <a:defRPr sz="2598"/>
+              <a:defRPr sz="3228"/>
             </a:lvl2pPr>
-            <a:lvl3pPr marL="1187897" indent="0" algn="ctr">
+            <a:lvl3pPr marL="1475933" indent="0" algn="ctr">
               <a:buNone/>
-              <a:defRPr sz="2338"/>
+              <a:defRPr sz="2905"/>
             </a:lvl3pPr>
-            <a:lvl4pPr marL="1781846" indent="0" algn="ctr">
+            <a:lvl4pPr marL="2213900" indent="0" algn="ctr">
               <a:buNone/>
-              <a:defRPr sz="2079"/>
+              <a:defRPr sz="2583"/>
             </a:lvl4pPr>
-            <a:lvl5pPr marL="2375794" indent="0" algn="ctr">
+            <a:lvl5pPr marL="2951866" indent="0" algn="ctr">
               <a:buNone/>
-              <a:defRPr sz="2079"/>
+              <a:defRPr sz="2583"/>
             </a:lvl5pPr>
-            <a:lvl6pPr marL="2969743" indent="0" algn="ctr">
+            <a:lvl6pPr marL="3689833" indent="0" algn="ctr">
               <a:buNone/>
-              <a:defRPr sz="2079"/>
+              <a:defRPr sz="2583"/>
             </a:lvl6pPr>
-            <a:lvl7pPr marL="3563691" indent="0" algn="ctr">
+            <a:lvl7pPr marL="4427799" indent="0" algn="ctr">
               <a:buNone/>
-              <a:defRPr sz="2079"/>
+              <a:defRPr sz="2583"/>
             </a:lvl7pPr>
-            <a:lvl8pPr marL="4157640" indent="0" algn="ctr">
+            <a:lvl8pPr marL="5165766" indent="0" algn="ctr">
               <a:buNone/>
-              <a:defRPr sz="2079"/>
+              <a:defRPr sz="2583"/>
             </a:lvl8pPr>
-            <a:lvl9pPr marL="4751588" indent="0" algn="ctr">
+            <a:lvl9pPr marL="5903732" indent="0" algn="ctr">
               <a:buNone/>
-              <a:defRPr sz="2079"/>
+              <a:defRPr sz="2583"/>
             </a:lvl9pPr>
           </a:lstStyle>
           <a:p>
@@ -244,7 +244,7 @@
           <a:p>
             <a:fld id="{1B32A0D8-558A-43F9-BAEB-6BCCCC53F602}" type="datetimeFigureOut">
               <a:rPr lang="ko-KR" altLang="en-US" smtClean="0"/>
-              <a:t>2023-05-25</a:t>
+              <a:t>2023-05-26</a:t>
             </a:fld>
             <a:endParaRPr lang="ko-KR" altLang="en-US"/>
           </a:p>
@@ -295,7 +295,7 @@
     </p:spTree>
     <p:extLst>
       <p:ext uri="{BB962C8B-B14F-4D97-AF65-F5344CB8AC3E}">
-        <p14:creationId xmlns:p14="http://schemas.microsoft.com/office/powerpoint/2010/main" val="4191333328"/>
+        <p14:creationId xmlns:p14="http://schemas.microsoft.com/office/powerpoint/2010/main" val="89377297"/>
       </p:ext>
     </p:extLst>
   </p:cSld>
@@ -363,35 +363,35 @@
             <a:pPr lvl="0"/>
             <a:r>
               <a:rPr lang="ko-KR" altLang="en-US"/>
-              <a:t>마스터 텍스트 스타일 편집</a:t>
+              <a:t>마스터 텍스트 스타일을 편집하려면 클릭</a:t>
             </a:r>
           </a:p>
           <a:p>
             <a:pPr lvl="1"/>
             <a:r>
               <a:rPr lang="ko-KR" altLang="en-US"/>
-              <a:t>둘째 수준</a:t>
+              <a:t>두 번째 수준</a:t>
             </a:r>
           </a:p>
           <a:p>
             <a:pPr lvl="2"/>
             <a:r>
               <a:rPr lang="ko-KR" altLang="en-US"/>
-              <a:t>셋째 수준</a:t>
+              <a:t>세 번째 수준</a:t>
             </a:r>
           </a:p>
           <a:p>
             <a:pPr lvl="3"/>
             <a:r>
               <a:rPr lang="ko-KR" altLang="en-US"/>
-              <a:t>넷째 수준</a:t>
+              <a:t>네 번째 수준</a:t>
             </a:r>
           </a:p>
           <a:p>
             <a:pPr lvl="4"/>
             <a:r>
               <a:rPr lang="ko-KR" altLang="en-US"/>
-              <a:t>다섯째 수준</a:t>
+              <a:t>다섯 번째 수준</a:t>
             </a:r>
             <a:endParaRPr lang="en-US" dirty="0"/>
           </a:p>
@@ -414,7 +414,7 @@
           <a:p>
             <a:fld id="{1B32A0D8-558A-43F9-BAEB-6BCCCC53F602}" type="datetimeFigureOut">
               <a:rPr lang="ko-KR" altLang="en-US" smtClean="0"/>
-              <a:t>2023-05-25</a:t>
+              <a:t>2023-05-26</a:t>
             </a:fld>
             <a:endParaRPr lang="ko-KR" altLang="en-US"/>
           </a:p>
@@ -465,7 +465,7 @@
     </p:spTree>
     <p:extLst>
       <p:ext uri="{BB962C8B-B14F-4D97-AF65-F5344CB8AC3E}">
-        <p14:creationId xmlns:p14="http://schemas.microsoft.com/office/powerpoint/2010/main" val="398718553"/>
+        <p14:creationId xmlns:p14="http://schemas.microsoft.com/office/powerpoint/2010/main" val="2852123972"/>
       </p:ext>
     </p:extLst>
   </p:cSld>
@@ -504,8 +504,8 @@
         </p:nvSpPr>
         <p:spPr>
           <a:xfrm>
-            <a:off x="8501098" y="649111"/>
-            <a:ext cx="2561466" cy="10332156"/>
+            <a:off x="10561901" y="649111"/>
+            <a:ext cx="3182407" cy="10332156"/>
           </a:xfrm>
         </p:spPr>
         <p:txBody>
@@ -532,8 +532,8 @@
         </p:nvSpPr>
         <p:spPr>
           <a:xfrm>
-            <a:off x="816700" y="649111"/>
-            <a:ext cx="7535907" cy="10332156"/>
+            <a:off x="1014681" y="649111"/>
+            <a:ext cx="9362733" cy="10332156"/>
           </a:xfrm>
         </p:spPr>
         <p:txBody>
@@ -543,35 +543,35 @@
             <a:pPr lvl="0"/>
             <a:r>
               <a:rPr lang="ko-KR" altLang="en-US"/>
-              <a:t>마스터 텍스트 스타일 편집</a:t>
+              <a:t>마스터 텍스트 스타일을 편집하려면 클릭</a:t>
             </a:r>
           </a:p>
           <a:p>
             <a:pPr lvl="1"/>
             <a:r>
               <a:rPr lang="ko-KR" altLang="en-US"/>
-              <a:t>둘째 수준</a:t>
+              <a:t>두 번째 수준</a:t>
             </a:r>
           </a:p>
           <a:p>
             <a:pPr lvl="2"/>
             <a:r>
               <a:rPr lang="ko-KR" altLang="en-US"/>
-              <a:t>셋째 수준</a:t>
+              <a:t>세 번째 수준</a:t>
             </a:r>
           </a:p>
           <a:p>
             <a:pPr lvl="3"/>
             <a:r>
               <a:rPr lang="ko-KR" altLang="en-US"/>
-              <a:t>넷째 수준</a:t>
+              <a:t>네 번째 수준</a:t>
             </a:r>
           </a:p>
           <a:p>
             <a:pPr lvl="4"/>
             <a:r>
               <a:rPr lang="ko-KR" altLang="en-US"/>
-              <a:t>다섯째 수준</a:t>
+              <a:t>다섯 번째 수준</a:t>
             </a:r>
             <a:endParaRPr lang="en-US" dirty="0"/>
           </a:p>
@@ -594,7 +594,7 @@
           <a:p>
             <a:fld id="{1B32A0D8-558A-43F9-BAEB-6BCCCC53F602}" type="datetimeFigureOut">
               <a:rPr lang="ko-KR" altLang="en-US" smtClean="0"/>
-              <a:t>2023-05-25</a:t>
+              <a:t>2023-05-26</a:t>
             </a:fld>
             <a:endParaRPr lang="ko-KR" altLang="en-US"/>
           </a:p>
@@ -645,7 +645,7 @@
     </p:spTree>
     <p:extLst>
       <p:ext uri="{BB962C8B-B14F-4D97-AF65-F5344CB8AC3E}">
-        <p14:creationId xmlns:p14="http://schemas.microsoft.com/office/powerpoint/2010/main" val="2624573811"/>
+        <p14:creationId xmlns:p14="http://schemas.microsoft.com/office/powerpoint/2010/main" val="864550463"/>
       </p:ext>
     </p:extLst>
   </p:cSld>
@@ -713,35 +713,35 @@
             <a:pPr lvl="0"/>
             <a:r>
               <a:rPr lang="ko-KR" altLang="en-US"/>
-              <a:t>마스터 텍스트 스타일 편집</a:t>
+              <a:t>마스터 텍스트 스타일을 편집하려면 클릭</a:t>
             </a:r>
           </a:p>
           <a:p>
             <a:pPr lvl="1"/>
             <a:r>
               <a:rPr lang="ko-KR" altLang="en-US"/>
-              <a:t>둘째 수준</a:t>
+              <a:t>두 번째 수준</a:t>
             </a:r>
           </a:p>
           <a:p>
             <a:pPr lvl="2"/>
             <a:r>
               <a:rPr lang="ko-KR" altLang="en-US"/>
-              <a:t>셋째 수준</a:t>
+              <a:t>세 번째 수준</a:t>
             </a:r>
           </a:p>
           <a:p>
             <a:pPr lvl="3"/>
             <a:r>
               <a:rPr lang="ko-KR" altLang="en-US"/>
-              <a:t>넷째 수준</a:t>
+              <a:t>네 번째 수준</a:t>
             </a:r>
           </a:p>
           <a:p>
             <a:pPr lvl="4"/>
             <a:r>
               <a:rPr lang="ko-KR" altLang="en-US"/>
-              <a:t>다섯째 수준</a:t>
+              <a:t>다섯 번째 수준</a:t>
             </a:r>
             <a:endParaRPr lang="en-US" dirty="0"/>
           </a:p>
@@ -764,7 +764,7 @@
           <a:p>
             <a:fld id="{1B32A0D8-558A-43F9-BAEB-6BCCCC53F602}" type="datetimeFigureOut">
               <a:rPr lang="ko-KR" altLang="en-US" smtClean="0"/>
-              <a:t>2023-05-25</a:t>
+              <a:t>2023-05-26</a:t>
             </a:fld>
             <a:endParaRPr lang="ko-KR" altLang="en-US"/>
           </a:p>
@@ -815,7 +815,7 @@
     </p:spTree>
     <p:extLst>
       <p:ext uri="{BB962C8B-B14F-4D97-AF65-F5344CB8AC3E}">
-        <p14:creationId xmlns:p14="http://schemas.microsoft.com/office/powerpoint/2010/main" val="3002326933"/>
+        <p14:creationId xmlns:p14="http://schemas.microsoft.com/office/powerpoint/2010/main" val="3009369574"/>
       </p:ext>
     </p:extLst>
   </p:cSld>
@@ -854,15 +854,15 @@
         </p:nvSpPr>
         <p:spPr>
           <a:xfrm>
-            <a:off x="810513" y="3039537"/>
-            <a:ext cx="10245864" cy="5071532"/>
+            <a:off x="1006994" y="3039537"/>
+            <a:ext cx="12729627" cy="5071532"/>
           </a:xfrm>
         </p:spPr>
         <p:txBody>
           <a:bodyPr anchor="b"/>
           <a:lstStyle>
             <a:lvl1pPr>
-              <a:defRPr sz="7795"/>
+              <a:defRPr sz="9685"/>
             </a:lvl1pPr>
           </a:lstStyle>
           <a:p>
@@ -886,8 +886,8 @@
         </p:nvSpPr>
         <p:spPr>
           <a:xfrm>
-            <a:off x="810513" y="8159048"/>
-            <a:ext cx="10245864" cy="2666999"/>
+            <a:off x="1006994" y="8159048"/>
+            <a:ext cx="12729627" cy="2666999"/>
           </a:xfrm>
         </p:spPr>
         <p:txBody>
@@ -895,15 +895,15 @@
           <a:lstStyle>
             <a:lvl1pPr marL="0" indent="0">
               <a:buNone/>
-              <a:defRPr sz="3118">
+              <a:defRPr sz="3874">
                 <a:solidFill>
                   <a:schemeClr val="tx1"/>
                 </a:solidFill>
               </a:defRPr>
             </a:lvl1pPr>
-            <a:lvl2pPr marL="593949" indent="0">
+            <a:lvl2pPr marL="737967" indent="0">
               <a:buNone/>
-              <a:defRPr sz="2598">
+              <a:defRPr sz="3228">
                 <a:solidFill>
                   <a:schemeClr val="tx1">
                     <a:tint val="75000"/>
@@ -911,9 +911,9 @@
                 </a:solidFill>
               </a:defRPr>
             </a:lvl2pPr>
-            <a:lvl3pPr marL="1187897" indent="0">
+            <a:lvl3pPr marL="1475933" indent="0">
               <a:buNone/>
-              <a:defRPr sz="2338">
+              <a:defRPr sz="2905">
                 <a:solidFill>
                   <a:schemeClr val="tx1">
                     <a:tint val="75000"/>
@@ -921,9 +921,9 @@
                 </a:solidFill>
               </a:defRPr>
             </a:lvl3pPr>
-            <a:lvl4pPr marL="1781846" indent="0">
+            <a:lvl4pPr marL="2213900" indent="0">
               <a:buNone/>
-              <a:defRPr sz="2079">
+              <a:defRPr sz="2583">
                 <a:solidFill>
                   <a:schemeClr val="tx1">
                     <a:tint val="75000"/>
@@ -931,9 +931,9 @@
                 </a:solidFill>
               </a:defRPr>
             </a:lvl4pPr>
-            <a:lvl5pPr marL="2375794" indent="0">
+            <a:lvl5pPr marL="2951866" indent="0">
               <a:buNone/>
-              <a:defRPr sz="2079">
+              <a:defRPr sz="2583">
                 <a:solidFill>
                   <a:schemeClr val="tx1">
                     <a:tint val="75000"/>
@@ -941,9 +941,9 @@
                 </a:solidFill>
               </a:defRPr>
             </a:lvl5pPr>
-            <a:lvl6pPr marL="2969743" indent="0">
+            <a:lvl6pPr marL="3689833" indent="0">
               <a:buNone/>
-              <a:defRPr sz="2079">
+              <a:defRPr sz="2583">
                 <a:solidFill>
                   <a:schemeClr val="tx1">
                     <a:tint val="75000"/>
@@ -951,9 +951,9 @@
                 </a:solidFill>
               </a:defRPr>
             </a:lvl6pPr>
-            <a:lvl7pPr marL="3563691" indent="0">
+            <a:lvl7pPr marL="4427799" indent="0">
               <a:buNone/>
-              <a:defRPr sz="2079">
+              <a:defRPr sz="2583">
                 <a:solidFill>
                   <a:schemeClr val="tx1">
                     <a:tint val="75000"/>
@@ -961,9 +961,9 @@
                 </a:solidFill>
               </a:defRPr>
             </a:lvl7pPr>
-            <a:lvl8pPr marL="4157640" indent="0">
+            <a:lvl8pPr marL="5165766" indent="0">
               <a:buNone/>
-              <a:defRPr sz="2079">
+              <a:defRPr sz="2583">
                 <a:solidFill>
                   <a:schemeClr val="tx1">
                     <a:tint val="75000"/>
@@ -971,9 +971,9 @@
                 </a:solidFill>
               </a:defRPr>
             </a:lvl8pPr>
-            <a:lvl9pPr marL="4751588" indent="0">
+            <a:lvl9pPr marL="5903732" indent="0">
               <a:buNone/>
-              <a:defRPr sz="2079">
+              <a:defRPr sz="2583">
                 <a:solidFill>
                   <a:schemeClr val="tx1">
                     <a:tint val="75000"/>
@@ -986,7 +986,7 @@
             <a:pPr lvl="0"/>
             <a:r>
               <a:rPr lang="ko-KR" altLang="en-US"/>
-              <a:t>마스터 텍스트 스타일 편집</a:t>
+              <a:t>마스터 텍스트 스타일을 편집하려면 클릭</a:t>
             </a:r>
           </a:p>
         </p:txBody>
@@ -1008,7 +1008,7 @@
           <a:p>
             <a:fld id="{1B32A0D8-558A-43F9-BAEB-6BCCCC53F602}" type="datetimeFigureOut">
               <a:rPr lang="ko-KR" altLang="en-US" smtClean="0"/>
-              <a:t>2023-05-25</a:t>
+              <a:t>2023-05-26</a:t>
             </a:fld>
             <a:endParaRPr lang="ko-KR" altLang="en-US"/>
           </a:p>
@@ -1059,7 +1059,7 @@
     </p:spTree>
     <p:extLst>
       <p:ext uri="{BB962C8B-B14F-4D97-AF65-F5344CB8AC3E}">
-        <p14:creationId xmlns:p14="http://schemas.microsoft.com/office/powerpoint/2010/main" val="2947580722"/>
+        <p14:creationId xmlns:p14="http://schemas.microsoft.com/office/powerpoint/2010/main" val="2047186003"/>
       </p:ext>
     </p:extLst>
   </p:cSld>
@@ -1121,8 +1121,8 @@
         </p:nvSpPr>
         <p:spPr>
           <a:xfrm>
-            <a:off x="816699" y="3245556"/>
-            <a:ext cx="5048687" cy="7735712"/>
+            <a:off x="1014680" y="3245556"/>
+            <a:ext cx="6272570" cy="7735712"/>
           </a:xfrm>
         </p:spPr>
         <p:txBody>
@@ -1132,35 +1132,35 @@
             <a:pPr lvl="0"/>
             <a:r>
               <a:rPr lang="ko-KR" altLang="en-US"/>
-              <a:t>마스터 텍스트 스타일 편집</a:t>
+              <a:t>마스터 텍스트 스타일을 편집하려면 클릭</a:t>
             </a:r>
           </a:p>
           <a:p>
             <a:pPr lvl="1"/>
             <a:r>
               <a:rPr lang="ko-KR" altLang="en-US"/>
-              <a:t>둘째 수준</a:t>
+              <a:t>두 번째 수준</a:t>
             </a:r>
           </a:p>
           <a:p>
             <a:pPr lvl="2"/>
             <a:r>
               <a:rPr lang="ko-KR" altLang="en-US"/>
-              <a:t>셋째 수준</a:t>
+              <a:t>세 번째 수준</a:t>
             </a:r>
           </a:p>
           <a:p>
             <a:pPr lvl="3"/>
             <a:r>
               <a:rPr lang="ko-KR" altLang="en-US"/>
-              <a:t>넷째 수준</a:t>
+              <a:t>네 번째 수준</a:t>
             </a:r>
           </a:p>
           <a:p>
             <a:pPr lvl="4"/>
             <a:r>
               <a:rPr lang="ko-KR" altLang="en-US"/>
-              <a:t>다섯째 수준</a:t>
+              <a:t>다섯 번째 수준</a:t>
             </a:r>
             <a:endParaRPr lang="en-US" dirty="0"/>
           </a:p>
@@ -1178,8 +1178,8 @@
         </p:nvSpPr>
         <p:spPr>
           <a:xfrm>
-            <a:off x="6013877" y="3245556"/>
-            <a:ext cx="5048687" cy="7735712"/>
+            <a:off x="7471738" y="3245556"/>
+            <a:ext cx="6272570" cy="7735712"/>
           </a:xfrm>
         </p:spPr>
         <p:txBody>
@@ -1189,35 +1189,35 @@
             <a:pPr lvl="0"/>
             <a:r>
               <a:rPr lang="ko-KR" altLang="en-US"/>
-              <a:t>마스터 텍스트 스타일 편집</a:t>
+              <a:t>마스터 텍스트 스타일을 편집하려면 클릭</a:t>
             </a:r>
           </a:p>
           <a:p>
             <a:pPr lvl="1"/>
             <a:r>
               <a:rPr lang="ko-KR" altLang="en-US"/>
-              <a:t>둘째 수준</a:t>
+              <a:t>두 번째 수준</a:t>
             </a:r>
           </a:p>
           <a:p>
             <a:pPr lvl="2"/>
             <a:r>
               <a:rPr lang="ko-KR" altLang="en-US"/>
-              <a:t>셋째 수준</a:t>
+              <a:t>세 번째 수준</a:t>
             </a:r>
           </a:p>
           <a:p>
             <a:pPr lvl="3"/>
             <a:r>
               <a:rPr lang="ko-KR" altLang="en-US"/>
-              <a:t>넷째 수준</a:t>
+              <a:t>네 번째 수준</a:t>
             </a:r>
           </a:p>
           <a:p>
             <a:pPr lvl="4"/>
             <a:r>
               <a:rPr lang="ko-KR" altLang="en-US"/>
-              <a:t>다섯째 수준</a:t>
+              <a:t>다섯 번째 수준</a:t>
             </a:r>
             <a:endParaRPr lang="en-US" dirty="0"/>
           </a:p>
@@ -1240,7 +1240,7 @@
           <a:p>
             <a:fld id="{1B32A0D8-558A-43F9-BAEB-6BCCCC53F602}" type="datetimeFigureOut">
               <a:rPr lang="ko-KR" altLang="en-US" smtClean="0"/>
-              <a:t>2023-05-25</a:t>
+              <a:t>2023-05-26</a:t>
             </a:fld>
             <a:endParaRPr lang="ko-KR" altLang="en-US"/>
           </a:p>
@@ -1291,7 +1291,7 @@
     </p:spTree>
     <p:extLst>
       <p:ext uri="{BB962C8B-B14F-4D97-AF65-F5344CB8AC3E}">
-        <p14:creationId xmlns:p14="http://schemas.microsoft.com/office/powerpoint/2010/main" val="2155403408"/>
+        <p14:creationId xmlns:p14="http://schemas.microsoft.com/office/powerpoint/2010/main" val="3879218056"/>
       </p:ext>
     </p:extLst>
   </p:cSld>
@@ -1330,8 +1330,8 @@
         </p:nvSpPr>
         <p:spPr>
           <a:xfrm>
-            <a:off x="818247" y="649114"/>
-            <a:ext cx="10245864" cy="2356556"/>
+            <a:off x="1016603" y="649114"/>
+            <a:ext cx="12729627" cy="2356556"/>
           </a:xfrm>
         </p:spPr>
         <p:txBody>
@@ -1358,8 +1358,8 @@
         </p:nvSpPr>
         <p:spPr>
           <a:xfrm>
-            <a:off x="818248" y="2988734"/>
-            <a:ext cx="5025484" cy="1464732"/>
+            <a:off x="1016604" y="2988734"/>
+            <a:ext cx="6243743" cy="1464732"/>
           </a:xfrm>
         </p:spPr>
         <p:txBody>
@@ -1367,46 +1367,46 @@
           <a:lstStyle>
             <a:lvl1pPr marL="0" indent="0">
               <a:buNone/>
-              <a:defRPr sz="3118" b="1"/>
+              <a:defRPr sz="3874" b="1"/>
             </a:lvl1pPr>
-            <a:lvl2pPr marL="593949" indent="0">
+            <a:lvl2pPr marL="737967" indent="0">
               <a:buNone/>
-              <a:defRPr sz="2598" b="1"/>
+              <a:defRPr sz="3228" b="1"/>
             </a:lvl2pPr>
-            <a:lvl3pPr marL="1187897" indent="0">
+            <a:lvl3pPr marL="1475933" indent="0">
               <a:buNone/>
-              <a:defRPr sz="2338" b="1"/>
+              <a:defRPr sz="2905" b="1"/>
             </a:lvl3pPr>
-            <a:lvl4pPr marL="1781846" indent="0">
+            <a:lvl4pPr marL="2213900" indent="0">
               <a:buNone/>
-              <a:defRPr sz="2079" b="1"/>
+              <a:defRPr sz="2583" b="1"/>
             </a:lvl4pPr>
-            <a:lvl5pPr marL="2375794" indent="0">
+            <a:lvl5pPr marL="2951866" indent="0">
               <a:buNone/>
-              <a:defRPr sz="2079" b="1"/>
+              <a:defRPr sz="2583" b="1"/>
             </a:lvl5pPr>
-            <a:lvl6pPr marL="2969743" indent="0">
+            <a:lvl6pPr marL="3689833" indent="0">
               <a:buNone/>
-              <a:defRPr sz="2079" b="1"/>
+              <a:defRPr sz="2583" b="1"/>
             </a:lvl6pPr>
-            <a:lvl7pPr marL="3563691" indent="0">
+            <a:lvl7pPr marL="4427799" indent="0">
               <a:buNone/>
-              <a:defRPr sz="2079" b="1"/>
+              <a:defRPr sz="2583" b="1"/>
             </a:lvl7pPr>
-            <a:lvl8pPr marL="4157640" indent="0">
+            <a:lvl8pPr marL="5165766" indent="0">
               <a:buNone/>
-              <a:defRPr sz="2079" b="1"/>
+              <a:defRPr sz="2583" b="1"/>
             </a:lvl8pPr>
-            <a:lvl9pPr marL="4751588" indent="0">
+            <a:lvl9pPr marL="5903732" indent="0">
               <a:buNone/>
-              <a:defRPr sz="2079" b="1"/>
+              <a:defRPr sz="2583" b="1"/>
             </a:lvl9pPr>
           </a:lstStyle>
           <a:p>
             <a:pPr lvl="0"/>
             <a:r>
               <a:rPr lang="ko-KR" altLang="en-US"/>
-              <a:t>마스터 텍스트 스타일 편집</a:t>
+              <a:t>마스터 텍스트 스타일을 편집하려면 클릭</a:t>
             </a:r>
           </a:p>
         </p:txBody>
@@ -1423,8 +1423,8 @@
         </p:nvSpPr>
         <p:spPr>
           <a:xfrm>
-            <a:off x="818248" y="4453467"/>
-            <a:ext cx="5025484" cy="6550379"/>
+            <a:off x="1016604" y="4453467"/>
+            <a:ext cx="6243743" cy="6550379"/>
           </a:xfrm>
         </p:spPr>
         <p:txBody>
@@ -1434,35 +1434,35 @@
             <a:pPr lvl="0"/>
             <a:r>
               <a:rPr lang="ko-KR" altLang="en-US"/>
-              <a:t>마스터 텍스트 스타일 편집</a:t>
+              <a:t>마스터 텍스트 스타일을 편집하려면 클릭</a:t>
             </a:r>
           </a:p>
           <a:p>
             <a:pPr lvl="1"/>
             <a:r>
               <a:rPr lang="ko-KR" altLang="en-US"/>
-              <a:t>둘째 수준</a:t>
+              <a:t>두 번째 수준</a:t>
             </a:r>
           </a:p>
           <a:p>
             <a:pPr lvl="2"/>
             <a:r>
               <a:rPr lang="ko-KR" altLang="en-US"/>
-              <a:t>셋째 수준</a:t>
+              <a:t>세 번째 수준</a:t>
             </a:r>
           </a:p>
           <a:p>
             <a:pPr lvl="3"/>
             <a:r>
               <a:rPr lang="ko-KR" altLang="en-US"/>
-              <a:t>넷째 수준</a:t>
+              <a:t>네 번째 수준</a:t>
             </a:r>
           </a:p>
           <a:p>
             <a:pPr lvl="4"/>
             <a:r>
               <a:rPr lang="ko-KR" altLang="en-US"/>
-              <a:t>다섯째 수준</a:t>
+              <a:t>다섯 번째 수준</a:t>
             </a:r>
             <a:endParaRPr lang="en-US" dirty="0"/>
           </a:p>
@@ -1480,8 +1480,8 @@
         </p:nvSpPr>
         <p:spPr>
           <a:xfrm>
-            <a:off x="6013878" y="2988734"/>
-            <a:ext cx="5050234" cy="1464732"/>
+            <a:off x="7471739" y="2988734"/>
+            <a:ext cx="6274492" cy="1464732"/>
           </a:xfrm>
         </p:spPr>
         <p:txBody>
@@ -1489,46 +1489,46 @@
           <a:lstStyle>
             <a:lvl1pPr marL="0" indent="0">
               <a:buNone/>
-              <a:defRPr sz="3118" b="1"/>
+              <a:defRPr sz="3874" b="1"/>
             </a:lvl1pPr>
-            <a:lvl2pPr marL="593949" indent="0">
+            <a:lvl2pPr marL="737967" indent="0">
               <a:buNone/>
-              <a:defRPr sz="2598" b="1"/>
+              <a:defRPr sz="3228" b="1"/>
             </a:lvl2pPr>
-            <a:lvl3pPr marL="1187897" indent="0">
+            <a:lvl3pPr marL="1475933" indent="0">
               <a:buNone/>
-              <a:defRPr sz="2338" b="1"/>
+              <a:defRPr sz="2905" b="1"/>
             </a:lvl3pPr>
-            <a:lvl4pPr marL="1781846" indent="0">
+            <a:lvl4pPr marL="2213900" indent="0">
               <a:buNone/>
-              <a:defRPr sz="2079" b="1"/>
+              <a:defRPr sz="2583" b="1"/>
             </a:lvl4pPr>
-            <a:lvl5pPr marL="2375794" indent="0">
+            <a:lvl5pPr marL="2951866" indent="0">
               <a:buNone/>
-              <a:defRPr sz="2079" b="1"/>
+              <a:defRPr sz="2583" b="1"/>
             </a:lvl5pPr>
-            <a:lvl6pPr marL="2969743" indent="0">
+            <a:lvl6pPr marL="3689833" indent="0">
               <a:buNone/>
-              <a:defRPr sz="2079" b="1"/>
+              <a:defRPr sz="2583" b="1"/>
             </a:lvl6pPr>
-            <a:lvl7pPr marL="3563691" indent="0">
+            <a:lvl7pPr marL="4427799" indent="0">
               <a:buNone/>
-              <a:defRPr sz="2079" b="1"/>
+              <a:defRPr sz="2583" b="1"/>
             </a:lvl7pPr>
-            <a:lvl8pPr marL="4157640" indent="0">
+            <a:lvl8pPr marL="5165766" indent="0">
               <a:buNone/>
-              <a:defRPr sz="2079" b="1"/>
+              <a:defRPr sz="2583" b="1"/>
             </a:lvl8pPr>
-            <a:lvl9pPr marL="4751588" indent="0">
+            <a:lvl9pPr marL="5903732" indent="0">
               <a:buNone/>
-              <a:defRPr sz="2079" b="1"/>
+              <a:defRPr sz="2583" b="1"/>
             </a:lvl9pPr>
           </a:lstStyle>
           <a:p>
             <a:pPr lvl="0"/>
             <a:r>
               <a:rPr lang="ko-KR" altLang="en-US"/>
-              <a:t>마스터 텍스트 스타일 편집</a:t>
+              <a:t>마스터 텍스트 스타일을 편집하려면 클릭</a:t>
             </a:r>
           </a:p>
         </p:txBody>
@@ -1545,8 +1545,8 @@
         </p:nvSpPr>
         <p:spPr>
           <a:xfrm>
-            <a:off x="6013878" y="4453467"/>
-            <a:ext cx="5050234" cy="6550379"/>
+            <a:off x="7471739" y="4453467"/>
+            <a:ext cx="6274492" cy="6550379"/>
           </a:xfrm>
         </p:spPr>
         <p:txBody>
@@ -1556,35 +1556,35 @@
             <a:pPr lvl="0"/>
             <a:r>
               <a:rPr lang="ko-KR" altLang="en-US"/>
-              <a:t>마스터 텍스트 스타일 편집</a:t>
+              <a:t>마스터 텍스트 스타일을 편집하려면 클릭</a:t>
             </a:r>
           </a:p>
           <a:p>
             <a:pPr lvl="1"/>
             <a:r>
               <a:rPr lang="ko-KR" altLang="en-US"/>
-              <a:t>둘째 수준</a:t>
+              <a:t>두 번째 수준</a:t>
             </a:r>
           </a:p>
           <a:p>
             <a:pPr lvl="2"/>
             <a:r>
               <a:rPr lang="ko-KR" altLang="en-US"/>
-              <a:t>셋째 수준</a:t>
+              <a:t>세 번째 수준</a:t>
             </a:r>
           </a:p>
           <a:p>
             <a:pPr lvl="3"/>
             <a:r>
               <a:rPr lang="ko-KR" altLang="en-US"/>
-              <a:t>넷째 수준</a:t>
+              <a:t>네 번째 수준</a:t>
             </a:r>
           </a:p>
           <a:p>
             <a:pPr lvl="4"/>
             <a:r>
               <a:rPr lang="ko-KR" altLang="en-US"/>
-              <a:t>다섯째 수준</a:t>
+              <a:t>다섯 번째 수준</a:t>
             </a:r>
             <a:endParaRPr lang="en-US" dirty="0"/>
           </a:p>
@@ -1607,7 +1607,7 @@
           <a:p>
             <a:fld id="{1B32A0D8-558A-43F9-BAEB-6BCCCC53F602}" type="datetimeFigureOut">
               <a:rPr lang="ko-KR" altLang="en-US" smtClean="0"/>
-              <a:t>2023-05-25</a:t>
+              <a:t>2023-05-26</a:t>
             </a:fld>
             <a:endParaRPr lang="ko-KR" altLang="en-US"/>
           </a:p>
@@ -1658,7 +1658,7 @@
     </p:spTree>
     <p:extLst>
       <p:ext uri="{BB962C8B-B14F-4D97-AF65-F5344CB8AC3E}">
-        <p14:creationId xmlns:p14="http://schemas.microsoft.com/office/powerpoint/2010/main" val="647617617"/>
+        <p14:creationId xmlns:p14="http://schemas.microsoft.com/office/powerpoint/2010/main" val="252911736"/>
       </p:ext>
     </p:extLst>
   </p:cSld>
@@ -1725,7 +1725,7 @@
           <a:p>
             <a:fld id="{1B32A0D8-558A-43F9-BAEB-6BCCCC53F602}" type="datetimeFigureOut">
               <a:rPr lang="ko-KR" altLang="en-US" smtClean="0"/>
-              <a:t>2023-05-25</a:t>
+              <a:t>2023-05-26</a:t>
             </a:fld>
             <a:endParaRPr lang="ko-KR" altLang="en-US"/>
           </a:p>
@@ -1776,7 +1776,7 @@
     </p:spTree>
     <p:extLst>
       <p:ext uri="{BB962C8B-B14F-4D97-AF65-F5344CB8AC3E}">
-        <p14:creationId xmlns:p14="http://schemas.microsoft.com/office/powerpoint/2010/main" val="355890834"/>
+        <p14:creationId xmlns:p14="http://schemas.microsoft.com/office/powerpoint/2010/main" val="1443034179"/>
       </p:ext>
     </p:extLst>
   </p:cSld>
@@ -1820,7 +1820,7 @@
           <a:p>
             <a:fld id="{1B32A0D8-558A-43F9-BAEB-6BCCCC53F602}" type="datetimeFigureOut">
               <a:rPr lang="ko-KR" altLang="en-US" smtClean="0"/>
-              <a:t>2023-05-25</a:t>
+              <a:t>2023-05-26</a:t>
             </a:fld>
             <a:endParaRPr lang="ko-KR" altLang="en-US"/>
           </a:p>
@@ -1871,7 +1871,7 @@
     </p:spTree>
     <p:extLst>
       <p:ext uri="{BB962C8B-B14F-4D97-AF65-F5344CB8AC3E}">
-        <p14:creationId xmlns:p14="http://schemas.microsoft.com/office/powerpoint/2010/main" val="267446245"/>
+        <p14:creationId xmlns:p14="http://schemas.microsoft.com/office/powerpoint/2010/main" val="3032948835"/>
       </p:ext>
     </p:extLst>
   </p:cSld>
@@ -1910,15 +1910,15 @@
         </p:nvSpPr>
         <p:spPr>
           <a:xfrm>
-            <a:off x="818246" y="812800"/>
-            <a:ext cx="3831372" cy="2844800"/>
+            <a:off x="1016603" y="812800"/>
+            <a:ext cx="4760158" cy="2844800"/>
           </a:xfrm>
         </p:spPr>
         <p:txBody>
           <a:bodyPr anchor="b"/>
           <a:lstStyle>
             <a:lvl1pPr>
-              <a:defRPr sz="4157"/>
+              <a:defRPr sz="5165"/>
             </a:lvl1pPr>
           </a:lstStyle>
           <a:p>
@@ -1942,74 +1942,74 @@
         </p:nvSpPr>
         <p:spPr>
           <a:xfrm>
-            <a:off x="5050234" y="1755425"/>
-            <a:ext cx="6013877" cy="8664222"/>
+            <a:off x="6274492" y="1755425"/>
+            <a:ext cx="7471738" cy="8664222"/>
           </a:xfrm>
         </p:spPr>
         <p:txBody>
           <a:bodyPr/>
           <a:lstStyle>
             <a:lvl1pPr>
-              <a:defRPr sz="4157"/>
+              <a:defRPr sz="5165"/>
             </a:lvl1pPr>
             <a:lvl2pPr>
-              <a:defRPr sz="3637"/>
+              <a:defRPr sz="4519"/>
             </a:lvl2pPr>
             <a:lvl3pPr>
-              <a:defRPr sz="3118"/>
+              <a:defRPr sz="3874"/>
             </a:lvl3pPr>
             <a:lvl4pPr>
-              <a:defRPr sz="2598"/>
+              <a:defRPr sz="3228"/>
             </a:lvl4pPr>
             <a:lvl5pPr>
-              <a:defRPr sz="2598"/>
+              <a:defRPr sz="3228"/>
             </a:lvl5pPr>
             <a:lvl6pPr>
-              <a:defRPr sz="2598"/>
+              <a:defRPr sz="3228"/>
             </a:lvl6pPr>
             <a:lvl7pPr>
-              <a:defRPr sz="2598"/>
+              <a:defRPr sz="3228"/>
             </a:lvl7pPr>
             <a:lvl8pPr>
-              <a:defRPr sz="2598"/>
+              <a:defRPr sz="3228"/>
             </a:lvl8pPr>
             <a:lvl9pPr>
-              <a:defRPr sz="2598"/>
+              <a:defRPr sz="3228"/>
             </a:lvl9pPr>
           </a:lstStyle>
           <a:p>
             <a:pPr lvl="0"/>
             <a:r>
               <a:rPr lang="ko-KR" altLang="en-US"/>
-              <a:t>마스터 텍스트 스타일 편집</a:t>
+              <a:t>마스터 텍스트 스타일을 편집하려면 클릭</a:t>
             </a:r>
           </a:p>
           <a:p>
             <a:pPr lvl="1"/>
             <a:r>
               <a:rPr lang="ko-KR" altLang="en-US"/>
-              <a:t>둘째 수준</a:t>
+              <a:t>두 번째 수준</a:t>
             </a:r>
           </a:p>
           <a:p>
             <a:pPr lvl="2"/>
             <a:r>
               <a:rPr lang="ko-KR" altLang="en-US"/>
-              <a:t>셋째 수준</a:t>
+              <a:t>세 번째 수준</a:t>
             </a:r>
           </a:p>
           <a:p>
             <a:pPr lvl="3"/>
             <a:r>
               <a:rPr lang="ko-KR" altLang="en-US"/>
-              <a:t>넷째 수준</a:t>
+              <a:t>네 번째 수준</a:t>
             </a:r>
           </a:p>
           <a:p>
             <a:pPr lvl="4"/>
             <a:r>
               <a:rPr lang="ko-KR" altLang="en-US"/>
-              <a:t>다섯째 수준</a:t>
+              <a:t>다섯 번째 수준</a:t>
             </a:r>
             <a:endParaRPr lang="en-US" dirty="0"/>
           </a:p>
@@ -2027,8 +2027,8 @@
         </p:nvSpPr>
         <p:spPr>
           <a:xfrm>
-            <a:off x="818246" y="3657600"/>
-            <a:ext cx="3831372" cy="6776156"/>
+            <a:off x="1016603" y="3657600"/>
+            <a:ext cx="4760158" cy="6776156"/>
           </a:xfrm>
         </p:spPr>
         <p:txBody>
@@ -2036,46 +2036,46 @@
           <a:lstStyle>
             <a:lvl1pPr marL="0" indent="0">
               <a:buNone/>
-              <a:defRPr sz="2079"/>
+              <a:defRPr sz="2583"/>
             </a:lvl1pPr>
-            <a:lvl2pPr marL="593949" indent="0">
+            <a:lvl2pPr marL="737967" indent="0">
               <a:buNone/>
-              <a:defRPr sz="1819"/>
+              <a:defRPr sz="2260"/>
             </a:lvl2pPr>
-            <a:lvl3pPr marL="1187897" indent="0">
+            <a:lvl3pPr marL="1475933" indent="0">
               <a:buNone/>
-              <a:defRPr sz="1559"/>
+              <a:defRPr sz="1937"/>
             </a:lvl3pPr>
-            <a:lvl4pPr marL="1781846" indent="0">
+            <a:lvl4pPr marL="2213900" indent="0">
               <a:buNone/>
-              <a:defRPr sz="1299"/>
+              <a:defRPr sz="1614"/>
             </a:lvl4pPr>
-            <a:lvl5pPr marL="2375794" indent="0">
+            <a:lvl5pPr marL="2951866" indent="0">
               <a:buNone/>
-              <a:defRPr sz="1299"/>
+              <a:defRPr sz="1614"/>
             </a:lvl5pPr>
-            <a:lvl6pPr marL="2969743" indent="0">
+            <a:lvl6pPr marL="3689833" indent="0">
               <a:buNone/>
-              <a:defRPr sz="1299"/>
+              <a:defRPr sz="1614"/>
             </a:lvl6pPr>
-            <a:lvl7pPr marL="3563691" indent="0">
+            <a:lvl7pPr marL="4427799" indent="0">
               <a:buNone/>
-              <a:defRPr sz="1299"/>
+              <a:defRPr sz="1614"/>
             </a:lvl7pPr>
-            <a:lvl8pPr marL="4157640" indent="0">
+            <a:lvl8pPr marL="5165766" indent="0">
               <a:buNone/>
-              <a:defRPr sz="1299"/>
+              <a:defRPr sz="1614"/>
             </a:lvl8pPr>
-            <a:lvl9pPr marL="4751588" indent="0">
+            <a:lvl9pPr marL="5903732" indent="0">
               <a:buNone/>
-              <a:defRPr sz="1299"/>
+              <a:defRPr sz="1614"/>
             </a:lvl9pPr>
           </a:lstStyle>
           <a:p>
             <a:pPr lvl="0"/>
             <a:r>
               <a:rPr lang="ko-KR" altLang="en-US"/>
-              <a:t>마스터 텍스트 스타일 편집</a:t>
+              <a:t>마스터 텍스트 스타일을 편집하려면 클릭</a:t>
             </a:r>
           </a:p>
         </p:txBody>
@@ -2097,7 +2097,7 @@
           <a:p>
             <a:fld id="{1B32A0D8-558A-43F9-BAEB-6BCCCC53F602}" type="datetimeFigureOut">
               <a:rPr lang="ko-KR" altLang="en-US" smtClean="0"/>
-              <a:t>2023-05-25</a:t>
+              <a:t>2023-05-26</a:t>
             </a:fld>
             <a:endParaRPr lang="ko-KR" altLang="en-US"/>
           </a:p>
@@ -2148,7 +2148,7 @@
     </p:spTree>
     <p:extLst>
       <p:ext uri="{BB962C8B-B14F-4D97-AF65-F5344CB8AC3E}">
-        <p14:creationId xmlns:p14="http://schemas.microsoft.com/office/powerpoint/2010/main" val="3170524557"/>
+        <p14:creationId xmlns:p14="http://schemas.microsoft.com/office/powerpoint/2010/main" val="2839868002"/>
       </p:ext>
     </p:extLst>
   </p:cSld>
@@ -2187,15 +2187,15 @@
         </p:nvSpPr>
         <p:spPr>
           <a:xfrm>
-            <a:off x="818246" y="812800"/>
-            <a:ext cx="3831372" cy="2844800"/>
+            <a:off x="1016603" y="812800"/>
+            <a:ext cx="4760158" cy="2844800"/>
           </a:xfrm>
         </p:spPr>
         <p:txBody>
           <a:bodyPr anchor="b"/>
           <a:lstStyle>
             <a:lvl1pPr>
-              <a:defRPr sz="4157"/>
+              <a:defRPr sz="5165"/>
             </a:lvl1pPr>
           </a:lstStyle>
           <a:p>
@@ -2219,8 +2219,8 @@
         </p:nvSpPr>
         <p:spPr>
           <a:xfrm>
-            <a:off x="5050234" y="1755425"/>
-            <a:ext cx="6013877" cy="8664222"/>
+            <a:off x="6274492" y="1755425"/>
+            <a:ext cx="7471738" cy="8664222"/>
           </a:xfrm>
         </p:spPr>
         <p:txBody>
@@ -2228,39 +2228,39 @@
           <a:lstStyle>
             <a:lvl1pPr marL="0" indent="0">
               <a:buNone/>
-              <a:defRPr sz="4157"/>
+              <a:defRPr sz="5165"/>
             </a:lvl1pPr>
-            <a:lvl2pPr marL="593949" indent="0">
+            <a:lvl2pPr marL="737967" indent="0">
               <a:buNone/>
-              <a:defRPr sz="3637"/>
+              <a:defRPr sz="4519"/>
             </a:lvl2pPr>
-            <a:lvl3pPr marL="1187897" indent="0">
+            <a:lvl3pPr marL="1475933" indent="0">
               <a:buNone/>
-              <a:defRPr sz="3118"/>
+              <a:defRPr sz="3874"/>
             </a:lvl3pPr>
-            <a:lvl4pPr marL="1781846" indent="0">
+            <a:lvl4pPr marL="2213900" indent="0">
               <a:buNone/>
-              <a:defRPr sz="2598"/>
+              <a:defRPr sz="3228"/>
             </a:lvl4pPr>
-            <a:lvl5pPr marL="2375794" indent="0">
+            <a:lvl5pPr marL="2951866" indent="0">
               <a:buNone/>
-              <a:defRPr sz="2598"/>
+              <a:defRPr sz="3228"/>
             </a:lvl5pPr>
-            <a:lvl6pPr marL="2969743" indent="0">
+            <a:lvl6pPr marL="3689833" indent="0">
               <a:buNone/>
-              <a:defRPr sz="2598"/>
+              <a:defRPr sz="3228"/>
             </a:lvl6pPr>
-            <a:lvl7pPr marL="3563691" indent="0">
+            <a:lvl7pPr marL="4427799" indent="0">
               <a:buNone/>
-              <a:defRPr sz="2598"/>
+              <a:defRPr sz="3228"/>
             </a:lvl7pPr>
-            <a:lvl8pPr marL="4157640" indent="0">
+            <a:lvl8pPr marL="5165766" indent="0">
               <a:buNone/>
-              <a:defRPr sz="2598"/>
+              <a:defRPr sz="3228"/>
             </a:lvl8pPr>
-            <a:lvl9pPr marL="4751588" indent="0">
+            <a:lvl9pPr marL="5903732" indent="0">
               <a:buNone/>
-              <a:defRPr sz="2598"/>
+              <a:defRPr sz="3228"/>
             </a:lvl9pPr>
           </a:lstStyle>
           <a:p>
@@ -2284,8 +2284,8 @@
         </p:nvSpPr>
         <p:spPr>
           <a:xfrm>
-            <a:off x="818246" y="3657600"/>
-            <a:ext cx="3831372" cy="6776156"/>
+            <a:off x="1016603" y="3657600"/>
+            <a:ext cx="4760158" cy="6776156"/>
           </a:xfrm>
         </p:spPr>
         <p:txBody>
@@ -2293,46 +2293,46 @@
           <a:lstStyle>
             <a:lvl1pPr marL="0" indent="0">
               <a:buNone/>
-              <a:defRPr sz="2079"/>
+              <a:defRPr sz="2583"/>
             </a:lvl1pPr>
-            <a:lvl2pPr marL="593949" indent="0">
+            <a:lvl2pPr marL="737967" indent="0">
               <a:buNone/>
-              <a:defRPr sz="1819"/>
+              <a:defRPr sz="2260"/>
             </a:lvl2pPr>
-            <a:lvl3pPr marL="1187897" indent="0">
+            <a:lvl3pPr marL="1475933" indent="0">
               <a:buNone/>
-              <a:defRPr sz="1559"/>
+              <a:defRPr sz="1937"/>
             </a:lvl3pPr>
-            <a:lvl4pPr marL="1781846" indent="0">
+            <a:lvl4pPr marL="2213900" indent="0">
               <a:buNone/>
-              <a:defRPr sz="1299"/>
+              <a:defRPr sz="1614"/>
             </a:lvl4pPr>
-            <a:lvl5pPr marL="2375794" indent="0">
+            <a:lvl5pPr marL="2951866" indent="0">
               <a:buNone/>
-              <a:defRPr sz="1299"/>
+              <a:defRPr sz="1614"/>
             </a:lvl5pPr>
-            <a:lvl6pPr marL="2969743" indent="0">
+            <a:lvl6pPr marL="3689833" indent="0">
               <a:buNone/>
-              <a:defRPr sz="1299"/>
+              <a:defRPr sz="1614"/>
             </a:lvl6pPr>
-            <a:lvl7pPr marL="3563691" indent="0">
+            <a:lvl7pPr marL="4427799" indent="0">
               <a:buNone/>
-              <a:defRPr sz="1299"/>
+              <a:defRPr sz="1614"/>
             </a:lvl7pPr>
-            <a:lvl8pPr marL="4157640" indent="0">
+            <a:lvl8pPr marL="5165766" indent="0">
               <a:buNone/>
-              <a:defRPr sz="1299"/>
+              <a:defRPr sz="1614"/>
             </a:lvl8pPr>
-            <a:lvl9pPr marL="4751588" indent="0">
+            <a:lvl9pPr marL="5903732" indent="0">
               <a:buNone/>
-              <a:defRPr sz="1299"/>
+              <a:defRPr sz="1614"/>
             </a:lvl9pPr>
           </a:lstStyle>
           <a:p>
             <a:pPr lvl="0"/>
             <a:r>
               <a:rPr lang="ko-KR" altLang="en-US"/>
-              <a:t>마스터 텍스트 스타일 편집</a:t>
+              <a:t>마스터 텍스트 스타일을 편집하려면 클릭</a:t>
             </a:r>
           </a:p>
         </p:txBody>
@@ -2354,7 +2354,7 @@
           <a:p>
             <a:fld id="{1B32A0D8-558A-43F9-BAEB-6BCCCC53F602}" type="datetimeFigureOut">
               <a:rPr lang="ko-KR" altLang="en-US" smtClean="0"/>
-              <a:t>2023-05-25</a:t>
+              <a:t>2023-05-26</a:t>
             </a:fld>
             <a:endParaRPr lang="ko-KR" altLang="en-US"/>
           </a:p>
@@ -2405,7 +2405,7 @@
     </p:spTree>
     <p:extLst>
       <p:ext uri="{BB962C8B-B14F-4D97-AF65-F5344CB8AC3E}">
-        <p14:creationId xmlns:p14="http://schemas.microsoft.com/office/powerpoint/2010/main" val="2072038513"/>
+        <p14:creationId xmlns:p14="http://schemas.microsoft.com/office/powerpoint/2010/main" val="3550540230"/>
       </p:ext>
     </p:extLst>
   </p:cSld>
@@ -2449,8 +2449,8 @@
         </p:nvSpPr>
         <p:spPr>
           <a:xfrm>
-            <a:off x="816700" y="649114"/>
-            <a:ext cx="10245864" cy="2356556"/>
+            <a:off x="1014681" y="649114"/>
+            <a:ext cx="12729627" cy="2356556"/>
           </a:xfrm>
           <a:prstGeom prst="rect">
             <a:avLst/>
@@ -2482,8 +2482,8 @@
         </p:nvSpPr>
         <p:spPr>
           <a:xfrm>
-            <a:off x="816700" y="3245556"/>
-            <a:ext cx="10245864" cy="7735712"/>
+            <a:off x="1014681" y="3245556"/>
+            <a:ext cx="12729627" cy="7735712"/>
           </a:xfrm>
           <a:prstGeom prst="rect">
             <a:avLst/>
@@ -2498,35 +2498,35 @@
             <a:pPr lvl="0"/>
             <a:r>
               <a:rPr lang="ko-KR" altLang="en-US"/>
-              <a:t>마스터 텍스트 스타일 편집</a:t>
+              <a:t>마스터 텍스트 스타일을 편집하려면 클릭</a:t>
             </a:r>
           </a:p>
           <a:p>
             <a:pPr lvl="1"/>
             <a:r>
               <a:rPr lang="ko-KR" altLang="en-US"/>
-              <a:t>둘째 수준</a:t>
+              <a:t>두 번째 수준</a:t>
             </a:r>
           </a:p>
           <a:p>
             <a:pPr lvl="2"/>
             <a:r>
               <a:rPr lang="ko-KR" altLang="en-US"/>
-              <a:t>셋째 수준</a:t>
+              <a:t>세 번째 수준</a:t>
             </a:r>
           </a:p>
           <a:p>
             <a:pPr lvl="3"/>
             <a:r>
               <a:rPr lang="ko-KR" altLang="en-US"/>
-              <a:t>넷째 수준</a:t>
+              <a:t>네 번째 수준</a:t>
             </a:r>
           </a:p>
           <a:p>
             <a:pPr lvl="4"/>
             <a:r>
               <a:rPr lang="ko-KR" altLang="en-US"/>
-              <a:t>다섯째 수준</a:t>
+              <a:t>다섯 번째 수준</a:t>
             </a:r>
             <a:endParaRPr lang="en-US" dirty="0"/>
           </a:p>
@@ -2544,8 +2544,8 @@
         </p:nvSpPr>
         <p:spPr>
           <a:xfrm>
-            <a:off x="816699" y="11300181"/>
-            <a:ext cx="2672834" cy="649111"/>
+            <a:off x="1014681" y="11300181"/>
+            <a:ext cx="3320772" cy="649111"/>
           </a:xfrm>
           <a:prstGeom prst="rect">
             <a:avLst/>
@@ -2555,7 +2555,7 @@
           <a:bodyPr vert="horz" lIns="91440" tIns="45720" rIns="91440" bIns="45720" rtlCol="0" anchor="ctr"/>
           <a:lstStyle>
             <a:lvl1pPr algn="l">
-              <a:defRPr sz="1559">
+              <a:defRPr sz="1937">
                 <a:solidFill>
                   <a:schemeClr val="tx1">
                     <a:tint val="75000"/>
@@ -2567,7 +2567,7 @@
           <a:p>
             <a:fld id="{1B32A0D8-558A-43F9-BAEB-6BCCCC53F602}" type="datetimeFigureOut">
               <a:rPr lang="ko-KR" altLang="en-US" smtClean="0"/>
-              <a:t>2023-05-25</a:t>
+              <a:t>2023-05-26</a:t>
             </a:fld>
             <a:endParaRPr lang="ko-KR" altLang="en-US"/>
           </a:p>
@@ -2585,8 +2585,8 @@
         </p:nvSpPr>
         <p:spPr>
           <a:xfrm>
-            <a:off x="3935006" y="11300181"/>
-            <a:ext cx="4009251" cy="649111"/>
+            <a:off x="4888915" y="11300181"/>
+            <a:ext cx="4981158" cy="649111"/>
           </a:xfrm>
           <a:prstGeom prst="rect">
             <a:avLst/>
@@ -2596,7 +2596,7 @@
           <a:bodyPr vert="horz" lIns="91440" tIns="45720" rIns="91440" bIns="45720" rtlCol="0" anchor="ctr"/>
           <a:lstStyle>
             <a:lvl1pPr algn="ctr">
-              <a:defRPr sz="1559">
+              <a:defRPr sz="1937">
                 <a:solidFill>
                   <a:schemeClr val="tx1">
                     <a:tint val="75000"/>
@@ -2622,8 +2622,8 @@
         </p:nvSpPr>
         <p:spPr>
           <a:xfrm>
-            <a:off x="8389730" y="11300181"/>
-            <a:ext cx="2672834" cy="649111"/>
+            <a:off x="10423535" y="11300181"/>
+            <a:ext cx="3320772" cy="649111"/>
           </a:xfrm>
           <a:prstGeom prst="rect">
             <a:avLst/>
@@ -2633,7 +2633,7 @@
           <a:bodyPr vert="horz" lIns="91440" tIns="45720" rIns="91440" bIns="45720" rtlCol="0" anchor="ctr"/>
           <a:lstStyle>
             <a:lvl1pPr algn="r">
-              <a:defRPr sz="1559">
+              <a:defRPr sz="1937">
                 <a:solidFill>
                   <a:schemeClr val="tx1">
                     <a:tint val="75000"/>
@@ -2654,27 +2654,27 @@
     </p:spTree>
     <p:extLst>
       <p:ext uri="{BB962C8B-B14F-4D97-AF65-F5344CB8AC3E}">
-        <p14:creationId xmlns:p14="http://schemas.microsoft.com/office/powerpoint/2010/main" val="3790473296"/>
+        <p14:creationId xmlns:p14="http://schemas.microsoft.com/office/powerpoint/2010/main" val="813203521"/>
       </p:ext>
     </p:extLst>
   </p:cSld>
   <p:clrMap bg1="lt1" tx1="dk1" bg2="lt2" tx2="dk2" accent1="accent1" accent2="accent2" accent3="accent3" accent4="accent4" accent5="accent5" accent6="accent6" hlink="hlink" folHlink="folHlink"/>
   <p:sldLayoutIdLst>
-    <p:sldLayoutId id="2147483673" r:id="rId1"/>
-    <p:sldLayoutId id="2147483674" r:id="rId2"/>
-    <p:sldLayoutId id="2147483675" r:id="rId3"/>
-    <p:sldLayoutId id="2147483676" r:id="rId4"/>
-    <p:sldLayoutId id="2147483677" r:id="rId5"/>
-    <p:sldLayoutId id="2147483678" r:id="rId6"/>
-    <p:sldLayoutId id="2147483679" r:id="rId7"/>
-    <p:sldLayoutId id="2147483680" r:id="rId8"/>
-    <p:sldLayoutId id="2147483681" r:id="rId9"/>
-    <p:sldLayoutId id="2147483682" r:id="rId10"/>
-    <p:sldLayoutId id="2147483683" r:id="rId11"/>
+    <p:sldLayoutId id="2147483685" r:id="rId1"/>
+    <p:sldLayoutId id="2147483686" r:id="rId2"/>
+    <p:sldLayoutId id="2147483687" r:id="rId3"/>
+    <p:sldLayoutId id="2147483688" r:id="rId4"/>
+    <p:sldLayoutId id="2147483689" r:id="rId5"/>
+    <p:sldLayoutId id="2147483690" r:id="rId6"/>
+    <p:sldLayoutId id="2147483691" r:id="rId7"/>
+    <p:sldLayoutId id="2147483692" r:id="rId8"/>
+    <p:sldLayoutId id="2147483693" r:id="rId9"/>
+    <p:sldLayoutId id="2147483694" r:id="rId10"/>
+    <p:sldLayoutId id="2147483695" r:id="rId11"/>
   </p:sldLayoutIdLst>
   <p:txStyles>
     <p:titleStyle>
-      <a:lvl1pPr algn="l" defTabSz="1187897" rtl="0" eaLnBrk="1" latinLnBrk="1" hangingPunct="1">
+      <a:lvl1pPr algn="l" defTabSz="1475933" rtl="0" eaLnBrk="1" latinLnBrk="1" hangingPunct="1">
         <a:lnSpc>
           <a:spcPct val="90000"/>
         </a:lnSpc>
@@ -2682,7 +2682,7 @@
           <a:spcPct val="0"/>
         </a:spcBef>
         <a:buNone/>
-        <a:defRPr sz="5716" kern="1200">
+        <a:defRPr sz="7102" kern="1200">
           <a:solidFill>
             <a:schemeClr val="tx1"/>
           </a:solidFill>
@@ -2693,16 +2693,16 @@
       </a:lvl1pPr>
     </p:titleStyle>
     <p:bodyStyle>
-      <a:lvl1pPr marL="296974" indent="-296974" algn="l" defTabSz="1187897" rtl="0" eaLnBrk="1" latinLnBrk="1" hangingPunct="1">
+      <a:lvl1pPr marL="368983" indent="-368983" algn="l" defTabSz="1475933" rtl="0" eaLnBrk="1" latinLnBrk="1" hangingPunct="1">
         <a:lnSpc>
           <a:spcPct val="90000"/>
         </a:lnSpc>
         <a:spcBef>
-          <a:spcPts val="1299"/>
+          <a:spcPts val="1614"/>
         </a:spcBef>
         <a:buFont typeface="Arial" panose="020B0604020202020204" pitchFamily="34" charset="0"/>
         <a:buChar char="•"/>
-        <a:defRPr sz="3637" kern="1200">
+        <a:defRPr sz="4519" kern="1200">
           <a:solidFill>
             <a:schemeClr val="tx1"/>
           </a:solidFill>
@@ -2711,16 +2711,16 @@
           <a:cs typeface="+mn-cs"/>
         </a:defRPr>
       </a:lvl1pPr>
-      <a:lvl2pPr marL="890923" indent="-296974" algn="l" defTabSz="1187897" rtl="0" eaLnBrk="1" latinLnBrk="1" hangingPunct="1">
+      <a:lvl2pPr marL="1106950" indent="-368983" algn="l" defTabSz="1475933" rtl="0" eaLnBrk="1" latinLnBrk="1" hangingPunct="1">
         <a:lnSpc>
           <a:spcPct val="90000"/>
         </a:lnSpc>
         <a:spcBef>
-          <a:spcPts val="650"/>
+          <a:spcPts val="807"/>
         </a:spcBef>
         <a:buFont typeface="Arial" panose="020B0604020202020204" pitchFamily="34" charset="0"/>
         <a:buChar char="•"/>
-        <a:defRPr sz="3118" kern="1200">
+        <a:defRPr sz="3874" kern="1200">
           <a:solidFill>
             <a:schemeClr val="tx1"/>
           </a:solidFill>
@@ -2729,16 +2729,16 @@
           <a:cs typeface="+mn-cs"/>
         </a:defRPr>
       </a:lvl2pPr>
-      <a:lvl3pPr marL="1484871" indent="-296974" algn="l" defTabSz="1187897" rtl="0" eaLnBrk="1" latinLnBrk="1" hangingPunct="1">
+      <a:lvl3pPr marL="1844916" indent="-368983" algn="l" defTabSz="1475933" rtl="0" eaLnBrk="1" latinLnBrk="1" hangingPunct="1">
         <a:lnSpc>
           <a:spcPct val="90000"/>
         </a:lnSpc>
         <a:spcBef>
-          <a:spcPts val="650"/>
+          <a:spcPts val="807"/>
         </a:spcBef>
         <a:buFont typeface="Arial" panose="020B0604020202020204" pitchFamily="34" charset="0"/>
         <a:buChar char="•"/>
-        <a:defRPr sz="2598" kern="1200">
+        <a:defRPr sz="3228" kern="1200">
           <a:solidFill>
             <a:schemeClr val="tx1"/>
           </a:solidFill>
@@ -2747,16 +2747,16 @@
           <a:cs typeface="+mn-cs"/>
         </a:defRPr>
       </a:lvl3pPr>
-      <a:lvl4pPr marL="2078820" indent="-296974" algn="l" defTabSz="1187897" rtl="0" eaLnBrk="1" latinLnBrk="1" hangingPunct="1">
+      <a:lvl4pPr marL="2582883" indent="-368983" algn="l" defTabSz="1475933" rtl="0" eaLnBrk="1" latinLnBrk="1" hangingPunct="1">
         <a:lnSpc>
           <a:spcPct val="90000"/>
         </a:lnSpc>
         <a:spcBef>
-          <a:spcPts val="650"/>
+          <a:spcPts val="807"/>
         </a:spcBef>
         <a:buFont typeface="Arial" panose="020B0604020202020204" pitchFamily="34" charset="0"/>
         <a:buChar char="•"/>
-        <a:defRPr sz="2338" kern="1200">
+        <a:defRPr sz="2905" kern="1200">
           <a:solidFill>
             <a:schemeClr val="tx1"/>
           </a:solidFill>
@@ -2765,16 +2765,16 @@
           <a:cs typeface="+mn-cs"/>
         </a:defRPr>
       </a:lvl4pPr>
-      <a:lvl5pPr marL="2672768" indent="-296974" algn="l" defTabSz="1187897" rtl="0" eaLnBrk="1" latinLnBrk="1" hangingPunct="1">
+      <a:lvl5pPr marL="3320849" indent="-368983" algn="l" defTabSz="1475933" rtl="0" eaLnBrk="1" latinLnBrk="1" hangingPunct="1">
         <a:lnSpc>
           <a:spcPct val="90000"/>
         </a:lnSpc>
         <a:spcBef>
-          <a:spcPts val="650"/>
+          <a:spcPts val="807"/>
         </a:spcBef>
         <a:buFont typeface="Arial" panose="020B0604020202020204" pitchFamily="34" charset="0"/>
         <a:buChar char="•"/>
-        <a:defRPr sz="2338" kern="1200">
+        <a:defRPr sz="2905" kern="1200">
           <a:solidFill>
             <a:schemeClr val="tx1"/>
           </a:solidFill>
@@ -2783,16 +2783,16 @@
           <a:cs typeface="+mn-cs"/>
         </a:defRPr>
       </a:lvl5pPr>
-      <a:lvl6pPr marL="3266717" indent="-296974" algn="l" defTabSz="1187897" rtl="0" eaLnBrk="1" latinLnBrk="1" hangingPunct="1">
+      <a:lvl6pPr marL="4058816" indent="-368983" algn="l" defTabSz="1475933" rtl="0" eaLnBrk="1" latinLnBrk="1" hangingPunct="1">
         <a:lnSpc>
           <a:spcPct val="90000"/>
         </a:lnSpc>
         <a:spcBef>
-          <a:spcPts val="650"/>
+          <a:spcPts val="807"/>
         </a:spcBef>
         <a:buFont typeface="Arial" panose="020B0604020202020204" pitchFamily="34" charset="0"/>
         <a:buChar char="•"/>
-        <a:defRPr sz="2338" kern="1200">
+        <a:defRPr sz="2905" kern="1200">
           <a:solidFill>
             <a:schemeClr val="tx1"/>
           </a:solidFill>
@@ -2801,16 +2801,16 @@
           <a:cs typeface="+mn-cs"/>
         </a:defRPr>
       </a:lvl6pPr>
-      <a:lvl7pPr marL="3860665" indent="-296974" algn="l" defTabSz="1187897" rtl="0" eaLnBrk="1" latinLnBrk="1" hangingPunct="1">
+      <a:lvl7pPr marL="4796782" indent="-368983" algn="l" defTabSz="1475933" rtl="0" eaLnBrk="1" latinLnBrk="1" hangingPunct="1">
         <a:lnSpc>
           <a:spcPct val="90000"/>
         </a:lnSpc>
         <a:spcBef>
-          <a:spcPts val="650"/>
+          <a:spcPts val="807"/>
         </a:spcBef>
         <a:buFont typeface="Arial" panose="020B0604020202020204" pitchFamily="34" charset="0"/>
         <a:buChar char="•"/>
-        <a:defRPr sz="2338" kern="1200">
+        <a:defRPr sz="2905" kern="1200">
           <a:solidFill>
             <a:schemeClr val="tx1"/>
           </a:solidFill>
@@ -2819,16 +2819,16 @@
           <a:cs typeface="+mn-cs"/>
         </a:defRPr>
       </a:lvl7pPr>
-      <a:lvl8pPr marL="4454614" indent="-296974" algn="l" defTabSz="1187897" rtl="0" eaLnBrk="1" latinLnBrk="1" hangingPunct="1">
+      <a:lvl8pPr marL="5534749" indent="-368983" algn="l" defTabSz="1475933" rtl="0" eaLnBrk="1" latinLnBrk="1" hangingPunct="1">
         <a:lnSpc>
           <a:spcPct val="90000"/>
         </a:lnSpc>
         <a:spcBef>
-          <a:spcPts val="650"/>
+          <a:spcPts val="807"/>
         </a:spcBef>
         <a:buFont typeface="Arial" panose="020B0604020202020204" pitchFamily="34" charset="0"/>
         <a:buChar char="•"/>
-        <a:defRPr sz="2338" kern="1200">
+        <a:defRPr sz="2905" kern="1200">
           <a:solidFill>
             <a:schemeClr val="tx1"/>
           </a:solidFill>
@@ -2837,16 +2837,16 @@
           <a:cs typeface="+mn-cs"/>
         </a:defRPr>
       </a:lvl8pPr>
-      <a:lvl9pPr marL="5048562" indent="-296974" algn="l" defTabSz="1187897" rtl="0" eaLnBrk="1" latinLnBrk="1" hangingPunct="1">
+      <a:lvl9pPr marL="6272715" indent="-368983" algn="l" defTabSz="1475933" rtl="0" eaLnBrk="1" latinLnBrk="1" hangingPunct="1">
         <a:lnSpc>
           <a:spcPct val="90000"/>
         </a:lnSpc>
         <a:spcBef>
-          <a:spcPts val="650"/>
+          <a:spcPts val="807"/>
         </a:spcBef>
         <a:buFont typeface="Arial" panose="020B0604020202020204" pitchFamily="34" charset="0"/>
         <a:buChar char="•"/>
-        <a:defRPr sz="2338" kern="1200">
+        <a:defRPr sz="2905" kern="1200">
           <a:solidFill>
             <a:schemeClr val="tx1"/>
           </a:solidFill>
@@ -2860,8 +2860,8 @@
       <a:defPPr>
         <a:defRPr lang="en-US"/>
       </a:defPPr>
-      <a:lvl1pPr marL="0" algn="l" defTabSz="1187897" rtl="0" eaLnBrk="1" latinLnBrk="1" hangingPunct="1">
-        <a:defRPr sz="2338" kern="1200">
+      <a:lvl1pPr marL="0" algn="l" defTabSz="1475933" rtl="0" eaLnBrk="1" latinLnBrk="1" hangingPunct="1">
+        <a:defRPr sz="2905" kern="1200">
           <a:solidFill>
             <a:schemeClr val="tx1"/>
           </a:solidFill>
@@ -2870,8 +2870,8 @@
           <a:cs typeface="+mn-cs"/>
         </a:defRPr>
       </a:lvl1pPr>
-      <a:lvl2pPr marL="593949" algn="l" defTabSz="1187897" rtl="0" eaLnBrk="1" latinLnBrk="1" hangingPunct="1">
-        <a:defRPr sz="2338" kern="1200">
+      <a:lvl2pPr marL="737967" algn="l" defTabSz="1475933" rtl="0" eaLnBrk="1" latinLnBrk="1" hangingPunct="1">
+        <a:defRPr sz="2905" kern="1200">
           <a:solidFill>
             <a:schemeClr val="tx1"/>
           </a:solidFill>
@@ -2880,8 +2880,8 @@
           <a:cs typeface="+mn-cs"/>
         </a:defRPr>
       </a:lvl2pPr>
-      <a:lvl3pPr marL="1187897" algn="l" defTabSz="1187897" rtl="0" eaLnBrk="1" latinLnBrk="1" hangingPunct="1">
-        <a:defRPr sz="2338" kern="1200">
+      <a:lvl3pPr marL="1475933" algn="l" defTabSz="1475933" rtl="0" eaLnBrk="1" latinLnBrk="1" hangingPunct="1">
+        <a:defRPr sz="2905" kern="1200">
           <a:solidFill>
             <a:schemeClr val="tx1"/>
           </a:solidFill>
@@ -2890,8 +2890,8 @@
           <a:cs typeface="+mn-cs"/>
         </a:defRPr>
       </a:lvl3pPr>
-      <a:lvl4pPr marL="1781846" algn="l" defTabSz="1187897" rtl="0" eaLnBrk="1" latinLnBrk="1" hangingPunct="1">
-        <a:defRPr sz="2338" kern="1200">
+      <a:lvl4pPr marL="2213900" algn="l" defTabSz="1475933" rtl="0" eaLnBrk="1" latinLnBrk="1" hangingPunct="1">
+        <a:defRPr sz="2905" kern="1200">
           <a:solidFill>
             <a:schemeClr val="tx1"/>
           </a:solidFill>
@@ -2900,8 +2900,8 @@
           <a:cs typeface="+mn-cs"/>
         </a:defRPr>
       </a:lvl4pPr>
-      <a:lvl5pPr marL="2375794" algn="l" defTabSz="1187897" rtl="0" eaLnBrk="1" latinLnBrk="1" hangingPunct="1">
-        <a:defRPr sz="2338" kern="1200">
+      <a:lvl5pPr marL="2951866" algn="l" defTabSz="1475933" rtl="0" eaLnBrk="1" latinLnBrk="1" hangingPunct="1">
+        <a:defRPr sz="2905" kern="1200">
           <a:solidFill>
             <a:schemeClr val="tx1"/>
           </a:solidFill>
@@ -2910,8 +2910,8 @@
           <a:cs typeface="+mn-cs"/>
         </a:defRPr>
       </a:lvl5pPr>
-      <a:lvl6pPr marL="2969743" algn="l" defTabSz="1187897" rtl="0" eaLnBrk="1" latinLnBrk="1" hangingPunct="1">
-        <a:defRPr sz="2338" kern="1200">
+      <a:lvl6pPr marL="3689833" algn="l" defTabSz="1475933" rtl="0" eaLnBrk="1" latinLnBrk="1" hangingPunct="1">
+        <a:defRPr sz="2905" kern="1200">
           <a:solidFill>
             <a:schemeClr val="tx1"/>
           </a:solidFill>
@@ -2920,8 +2920,8 @@
           <a:cs typeface="+mn-cs"/>
         </a:defRPr>
       </a:lvl6pPr>
-      <a:lvl7pPr marL="3563691" algn="l" defTabSz="1187897" rtl="0" eaLnBrk="1" latinLnBrk="1" hangingPunct="1">
-        <a:defRPr sz="2338" kern="1200">
+      <a:lvl7pPr marL="4427799" algn="l" defTabSz="1475933" rtl="0" eaLnBrk="1" latinLnBrk="1" hangingPunct="1">
+        <a:defRPr sz="2905" kern="1200">
           <a:solidFill>
             <a:schemeClr val="tx1"/>
           </a:solidFill>
@@ -2930,8 +2930,8 @@
           <a:cs typeface="+mn-cs"/>
         </a:defRPr>
       </a:lvl7pPr>
-      <a:lvl8pPr marL="4157640" algn="l" defTabSz="1187897" rtl="0" eaLnBrk="1" latinLnBrk="1" hangingPunct="1">
-        <a:defRPr sz="2338" kern="1200">
+      <a:lvl8pPr marL="5165766" algn="l" defTabSz="1475933" rtl="0" eaLnBrk="1" latinLnBrk="1" hangingPunct="1">
+        <a:defRPr sz="2905" kern="1200">
           <a:solidFill>
             <a:schemeClr val="tx1"/>
           </a:solidFill>
@@ -2940,8 +2940,8 @@
           <a:cs typeface="+mn-cs"/>
         </a:defRPr>
       </a:lvl8pPr>
-      <a:lvl9pPr marL="4751588" algn="l" defTabSz="1187897" rtl="0" eaLnBrk="1" latinLnBrk="1" hangingPunct="1">
-        <a:defRPr sz="2338" kern="1200">
+      <a:lvl9pPr marL="5903732" algn="l" defTabSz="1475933" rtl="0" eaLnBrk="1" latinLnBrk="1" hangingPunct="1">
+        <a:defRPr sz="2905" kern="1200">
           <a:solidFill>
             <a:schemeClr val="tx1"/>
           </a:solidFill>
@@ -2980,7 +2980,7 @@
         </p:nvSpPr>
         <p:spPr>
           <a:xfrm>
-            <a:off x="3011351" y="325838"/>
+            <a:off x="4451214" y="325839"/>
             <a:ext cx="831414" cy="521395"/>
           </a:xfrm>
           <a:prstGeom prst="roundRect">
@@ -3043,7 +3043,7 @@
         </p:nvCxnSpPr>
         <p:spPr>
           <a:xfrm flipH="1">
-            <a:off x="3240682" y="3306707"/>
+            <a:off x="4680546" y="3306708"/>
             <a:ext cx="2051825" cy="1119241"/>
           </a:xfrm>
           <a:prstGeom prst="line">
@@ -3081,7 +3081,7 @@
         </p:nvSpPr>
         <p:spPr>
           <a:xfrm>
-            <a:off x="3011351" y="1037476"/>
+            <a:off x="4451214" y="1037477"/>
             <a:ext cx="831414" cy="521395"/>
           </a:xfrm>
           <a:prstGeom prst="roundRect">
@@ -3144,7 +3144,7 @@
         </p:nvSpPr>
         <p:spPr>
           <a:xfrm>
-            <a:off x="1397844" y="1918209"/>
+            <a:off x="2837707" y="1918210"/>
             <a:ext cx="831414" cy="521395"/>
           </a:xfrm>
           <a:prstGeom prst="roundRect">
@@ -3200,6 +3200,25 @@
               </a:rPr>
               <a:t>Main</a:t>
             </a:r>
+            <a:br>
+              <a:rPr lang="en-US" altLang="ko-KR" sz="1350" b="1" dirty="0">
+                <a:solidFill>
+                  <a:schemeClr val="tx1"/>
+                </a:solidFill>
+                <a:latin typeface="HY궁서B" panose="02030600000101010101" pitchFamily="18" charset="-127"/>
+                <a:ea typeface="HY궁서B" panose="02030600000101010101" pitchFamily="18" charset="-127"/>
+              </a:rPr>
+            </a:br>
+            <a:r>
+              <a:rPr lang="en-US" altLang="ko-KR" sz="1350" b="1" dirty="0">
+                <a:solidFill>
+                  <a:schemeClr val="tx1"/>
+                </a:solidFill>
+                <a:latin typeface="HY궁서B" panose="02030600000101010101" pitchFamily="18" charset="-127"/>
+                <a:ea typeface="HY궁서B" panose="02030600000101010101" pitchFamily="18" charset="-127"/>
+              </a:rPr>
+              <a:t>View</a:t>
+            </a:r>
             <a:endParaRPr lang="ko-KR" altLang="en-US" sz="1575" b="1" dirty="0">
               <a:solidFill>
                 <a:schemeClr val="tx1"/>
@@ -3218,7 +3237,7 @@
         </p:nvSpPr>
         <p:spPr>
           <a:xfrm>
-            <a:off x="5237853" y="1918209"/>
+            <a:off x="6677716" y="1918210"/>
             <a:ext cx="831414" cy="521395"/>
           </a:xfrm>
           <a:prstGeom prst="roundRect">
@@ -3291,7 +3310,7 @@
                 <a:latin typeface="HY궁서B" panose="02030600000101010101" pitchFamily="18" charset="-127"/>
                 <a:ea typeface="HY궁서B" panose="02030600000101010101" pitchFamily="18" charset="-127"/>
               </a:rPr>
-              <a:t>List</a:t>
+              <a:t>View</a:t>
             </a:r>
             <a:endParaRPr lang="ko-KR" altLang="en-US" sz="1575" b="1" dirty="0">
               <a:solidFill>
@@ -3311,7 +3330,7 @@
         </p:nvSpPr>
         <p:spPr>
           <a:xfrm>
-            <a:off x="756668" y="2735531"/>
+            <a:off x="2196531" y="2735532"/>
             <a:ext cx="831414" cy="521395"/>
           </a:xfrm>
           <a:prstGeom prst="roundRect">
@@ -3367,7 +3386,7 @@
         </p:nvSpPr>
         <p:spPr>
           <a:xfrm>
-            <a:off x="2053112" y="2735531"/>
+            <a:off x="3492975" y="2735532"/>
             <a:ext cx="831414" cy="521395"/>
           </a:xfrm>
           <a:prstGeom prst="roundRect">
@@ -3423,7 +3442,7 @@
         </p:nvSpPr>
         <p:spPr>
           <a:xfrm>
-            <a:off x="4180970" y="2813035"/>
+            <a:off x="5620833" y="2813036"/>
             <a:ext cx="831414" cy="521395"/>
           </a:xfrm>
           <a:prstGeom prst="roundRect">
@@ -3481,7 +3500,7 @@
         </p:nvSpPr>
         <p:spPr>
           <a:xfrm>
-            <a:off x="5237853" y="2813035"/>
+            <a:off x="6677716" y="2813036"/>
             <a:ext cx="831414" cy="521395"/>
           </a:xfrm>
           <a:prstGeom prst="roundRect">
@@ -3546,7 +3565,7 @@
         </p:nvSpPr>
         <p:spPr>
           <a:xfrm>
-            <a:off x="6294735" y="2813035"/>
+            <a:off x="7734598" y="2813036"/>
             <a:ext cx="831414" cy="521395"/>
           </a:xfrm>
           <a:prstGeom prst="roundRect">
@@ -3602,7 +3621,7 @@
         </p:nvSpPr>
         <p:spPr>
           <a:xfrm>
-            <a:off x="4822146" y="1037479"/>
+            <a:off x="6262009" y="1037480"/>
             <a:ext cx="831414" cy="521395"/>
           </a:xfrm>
           <a:prstGeom prst="roundRect">
@@ -3665,7 +3684,7 @@
         </p:nvSpPr>
         <p:spPr>
           <a:xfrm>
-            <a:off x="5907212" y="1037474"/>
+            <a:off x="7347075" y="1037475"/>
             <a:ext cx="831414" cy="521395"/>
           </a:xfrm>
           <a:prstGeom prst="roundRect">
@@ -3731,7 +3750,7 @@
         </p:nvCxnSpPr>
         <p:spPr>
           <a:xfrm>
-            <a:off x="3427058" y="847233"/>
+            <a:off x="4866921" y="847234"/>
             <a:ext cx="0" cy="190243"/>
           </a:xfrm>
           <a:prstGeom prst="line">
@@ -3771,7 +3790,7 @@
         </p:nvCxnSpPr>
         <p:spPr>
           <a:xfrm flipH="1" flipV="1">
-            <a:off x="3842765" y="1298174"/>
+            <a:off x="5282628" y="1298175"/>
             <a:ext cx="979380" cy="3"/>
           </a:xfrm>
           <a:prstGeom prst="line">
@@ -3811,7 +3830,7 @@
         </p:nvCxnSpPr>
         <p:spPr>
           <a:xfrm flipH="1">
-            <a:off x="5653560" y="1298172"/>
+            <a:off x="7093423" y="1298173"/>
             <a:ext cx="253652" cy="5"/>
           </a:xfrm>
           <a:prstGeom prst="line">
@@ -3851,7 +3870,7 @@
         </p:nvCxnSpPr>
         <p:spPr>
           <a:xfrm rot="5400000">
-            <a:off x="2440636" y="931785"/>
+            <a:off x="3880499" y="931785"/>
             <a:ext cx="359338" cy="1613508"/>
           </a:xfrm>
           <a:prstGeom prst="bentConnector3">
@@ -3891,7 +3910,7 @@
         </p:nvCxnSpPr>
         <p:spPr>
           <a:xfrm rot="16200000" flipH="1">
-            <a:off x="4360640" y="625288"/>
+            <a:off x="5800503" y="625288"/>
             <a:ext cx="359338" cy="2226502"/>
           </a:xfrm>
           <a:prstGeom prst="bentConnector3">
@@ -3933,7 +3952,7 @@
         </p:nvCxnSpPr>
         <p:spPr>
           <a:xfrm rot="5400000">
-            <a:off x="1345001" y="2266980"/>
+            <a:off x="2784864" y="2266981"/>
             <a:ext cx="295926" cy="641175"/>
           </a:xfrm>
           <a:prstGeom prst="bentConnector3">
@@ -3975,7 +3994,7 @@
         </p:nvCxnSpPr>
         <p:spPr>
           <a:xfrm rot="16200000" flipH="1">
-            <a:off x="1993223" y="2259932"/>
+            <a:off x="3433086" y="2259933"/>
             <a:ext cx="295926" cy="655269"/>
           </a:xfrm>
           <a:prstGeom prst="bentConnector3">
@@ -4017,7 +4036,7 @@
         </p:nvCxnSpPr>
         <p:spPr>
           <a:xfrm rot="5400000">
-            <a:off x="4938404" y="2097877"/>
+            <a:off x="6378268" y="2097877"/>
             <a:ext cx="373431" cy="1056882"/>
           </a:xfrm>
           <a:prstGeom prst="bentConnector3">
@@ -4059,7 +4078,7 @@
         </p:nvCxnSpPr>
         <p:spPr>
           <a:xfrm rot="16200000" flipH="1">
-            <a:off x="5995287" y="2097877"/>
+            <a:off x="7435151" y="2097877"/>
             <a:ext cx="373431" cy="1056882"/>
           </a:xfrm>
           <a:prstGeom prst="bentConnector3">
@@ -4101,7 +4120,7 @@
         </p:nvCxnSpPr>
         <p:spPr>
           <a:xfrm>
-            <a:off x="5653560" y="2439604"/>
+            <a:off x="7093423" y="2439605"/>
             <a:ext cx="0" cy="373431"/>
           </a:xfrm>
           <a:prstGeom prst="line">
@@ -4138,7 +4157,7 @@
         </p:nvSpPr>
         <p:spPr>
           <a:xfrm>
-            <a:off x="392004" y="3663321"/>
+            <a:off x="1831867" y="3663322"/>
             <a:ext cx="831414" cy="521395"/>
           </a:xfrm>
           <a:prstGeom prst="roundRect">
@@ -4199,7 +4218,7 @@
         </p:nvSpPr>
         <p:spPr>
           <a:xfrm>
-            <a:off x="953618" y="4330413"/>
+            <a:off x="2393481" y="4330414"/>
             <a:ext cx="831414" cy="521395"/>
           </a:xfrm>
           <a:prstGeom prst="roundRect">
@@ -4263,7 +4282,7 @@
         </p:nvCxnSpPr>
         <p:spPr>
           <a:xfrm rot="5400000">
-            <a:off x="786847" y="3277790"/>
+            <a:off x="2226711" y="3277790"/>
             <a:ext cx="406395" cy="364664"/>
           </a:xfrm>
           <a:prstGeom prst="bentConnector3">
@@ -4303,7 +4322,7 @@
         </p:nvCxnSpPr>
         <p:spPr>
           <a:xfrm rot="16200000" flipH="1">
-            <a:off x="734108" y="3695193"/>
+            <a:off x="2173972" y="3695193"/>
             <a:ext cx="1073487" cy="196950"/>
           </a:xfrm>
           <a:prstGeom prst="bentConnector3">
@@ -4340,7 +4359,7 @@
         </p:nvSpPr>
         <p:spPr>
           <a:xfrm>
-            <a:off x="1725479" y="3532971"/>
+            <a:off x="3165342" y="3532972"/>
             <a:ext cx="831414" cy="521395"/>
           </a:xfrm>
           <a:prstGeom prst="roundRect">
@@ -4407,7 +4426,7 @@
         </p:nvGrpSpPr>
         <p:grpSpPr>
           <a:xfrm>
-            <a:off x="2359441" y="4330411"/>
+            <a:off x="3799304" y="4330412"/>
             <a:ext cx="943490" cy="645197"/>
             <a:chOff x="2011438" y="4562638"/>
             <a:chExt cx="943490" cy="645197"/>
@@ -4611,7 +4630,7 @@
         </p:nvCxnSpPr>
         <p:spPr>
           <a:xfrm rot="16200000" flipH="1">
-            <a:off x="2085242" y="3640503"/>
+            <a:off x="3525106" y="3640504"/>
             <a:ext cx="1073485" cy="306329"/>
           </a:xfrm>
           <a:prstGeom prst="bentConnector3">
@@ -4651,7 +4670,7 @@
         </p:nvCxnSpPr>
         <p:spPr>
           <a:xfrm rot="5400000">
-            <a:off x="2166982" y="3231132"/>
+            <a:off x="3606846" y="3231133"/>
             <a:ext cx="276045" cy="327633"/>
           </a:xfrm>
           <a:prstGeom prst="bentConnector3">
@@ -4688,7 +4707,7 @@
         </p:nvSpPr>
         <p:spPr>
           <a:xfrm>
-            <a:off x="4879498" y="4660770"/>
+            <a:off x="6319361" y="4660771"/>
             <a:ext cx="831414" cy="521395"/>
           </a:xfrm>
           <a:prstGeom prst="roundRect">
@@ -4749,7 +4768,7 @@
         </p:nvSpPr>
         <p:spPr>
           <a:xfrm>
-            <a:off x="5463320" y="5357055"/>
+            <a:off x="6903183" y="5357056"/>
             <a:ext cx="831414" cy="521395"/>
           </a:xfrm>
           <a:prstGeom prst="roundRect">
@@ -4812,7 +4831,7 @@
         </p:nvCxnSpPr>
         <p:spPr>
           <a:xfrm rot="5400000">
-            <a:off x="5403790" y="4353646"/>
+            <a:off x="6843654" y="4353647"/>
             <a:ext cx="198541" cy="415707"/>
           </a:xfrm>
           <a:prstGeom prst="bentConnector3">
@@ -4851,7 +4870,7 @@
         </p:nvCxnSpPr>
         <p:spPr>
           <a:xfrm rot="16200000" flipH="1">
-            <a:off x="5347556" y="4825584"/>
+            <a:off x="6787419" y="4825585"/>
             <a:ext cx="894826" cy="168115"/>
           </a:xfrm>
           <a:prstGeom prst="bentConnector3">
@@ -4888,7 +4907,7 @@
         </p:nvSpPr>
         <p:spPr>
           <a:xfrm>
-            <a:off x="5463320" y="6041250"/>
+            <a:off x="6903183" y="6041251"/>
             <a:ext cx="831414" cy="521395"/>
           </a:xfrm>
           <a:prstGeom prst="roundRect">
@@ -5003,7 +5022,7 @@
         </p:nvCxnSpPr>
         <p:spPr>
           <a:xfrm rot="16200000" flipH="1">
-            <a:off x="5082965" y="5090176"/>
+            <a:off x="6522829" y="5090176"/>
             <a:ext cx="1839719" cy="583822"/>
           </a:xfrm>
           <a:prstGeom prst="bentConnector4">
@@ -5041,7 +5060,7 @@
         </p:nvGrpSpPr>
         <p:grpSpPr>
           <a:xfrm>
-            <a:off x="5239166" y="3793667"/>
+            <a:off x="6679029" y="3793668"/>
             <a:ext cx="943490" cy="645197"/>
             <a:chOff x="2011438" y="4562638"/>
             <a:chExt cx="943490" cy="645197"/>
@@ -5251,7 +5270,7 @@
         </p:nvCxnSpPr>
         <p:spPr>
           <a:xfrm flipH="1">
-            <a:off x="5710911" y="4326090"/>
+            <a:off x="7150774" y="4326091"/>
             <a:ext cx="0" cy="237293"/>
           </a:xfrm>
           <a:prstGeom prst="line">
@@ -5289,7 +5308,7 @@
         </p:nvCxnSpPr>
         <p:spPr>
           <a:xfrm rot="16200000" flipH="1">
-            <a:off x="4896158" y="3034949"/>
+            <a:off x="6336022" y="3034949"/>
             <a:ext cx="459237" cy="1058196"/>
           </a:xfrm>
           <a:prstGeom prst="bentConnector3">
@@ -5329,7 +5348,7 @@
         </p:nvCxnSpPr>
         <p:spPr>
           <a:xfrm rot="16200000" flipH="1">
-            <a:off x="5424599" y="3563391"/>
+            <a:off x="6864463" y="3563392"/>
             <a:ext cx="459237" cy="1313"/>
           </a:xfrm>
           <a:prstGeom prst="bentConnector3">
@@ -5369,7 +5388,7 @@
         </p:nvCxnSpPr>
         <p:spPr>
           <a:xfrm rot="5400000">
-            <a:off x="5953041" y="3036264"/>
+            <a:off x="7392905" y="3036265"/>
             <a:ext cx="459237" cy="1055569"/>
           </a:xfrm>
           <a:prstGeom prst="bentConnector3">
@@ -5406,7 +5425,7 @@
         </p:nvGrpSpPr>
         <p:grpSpPr>
           <a:xfrm>
-            <a:off x="818230" y="5316269"/>
+            <a:off x="2258094" y="5316269"/>
             <a:ext cx="3301179" cy="1427902"/>
             <a:chOff x="44000" y="5896824"/>
             <a:chExt cx="3301179" cy="1427902"/>
@@ -5748,7 +5767,7 @@
         </p:nvCxnSpPr>
         <p:spPr>
           <a:xfrm flipH="1" flipV="1">
-            <a:off x="2556895" y="3787120"/>
+            <a:off x="3996759" y="3787120"/>
             <a:ext cx="1422495" cy="138256"/>
           </a:xfrm>
           <a:prstGeom prst="line">
@@ -5786,7 +5805,7 @@
         </p:nvCxnSpPr>
         <p:spPr>
           <a:xfrm flipH="1" flipV="1">
-            <a:off x="4266594" y="3961447"/>
+            <a:off x="5706458" y="3961447"/>
             <a:ext cx="955997" cy="92916"/>
           </a:xfrm>
           <a:prstGeom prst="line">
@@ -5826,7 +5845,7 @@
         </p:nvSpPr>
         <p:spPr bwMode="auto">
           <a:xfrm>
-            <a:off x="7387167" y="308240"/>
+            <a:off x="8827030" y="308241"/>
             <a:ext cx="2472032" cy="278295"/>
           </a:xfrm>
           <a:prstGeom prst="rect">
@@ -5870,85 +5889,149 @@
           </a:bodyPr>
           <a:lstStyle/>
           <a:p>
-            <a:pPr marL="0" marR="0" lvl="0" indent="0" algn="ctr" defTabSz="914400" rtl="0" eaLnBrk="0" fontAlgn="base" latinLnBrk="0" hangingPunct="0">
-              <a:lnSpc>
-                <a:spcPct val="100000"/>
-              </a:lnSpc>
+            <a:pPr algn="ctr" eaLnBrk="0" fontAlgn="base" latinLnBrk="0" hangingPunct="0">
               <a:spcBef>
                 <a:spcPct val="0"/>
               </a:spcBef>
               <a:spcAft>
                 <a:spcPct val="0"/>
               </a:spcAft>
-              <a:buClrTx/>
-              <a:buSzTx/>
-              <a:buFontTx/>
-              <a:buNone/>
-              <a:tabLst/>
             </a:pPr>
             <a:r>
-              <a:rPr kumimoji="0" lang="ko-KR" altLang="ko-KR" sz="2100" b="0" i="0" u="none" strike="noStrike" cap="none" normalizeH="0" baseline="0" dirty="0" err="1">
-                <a:ln>
-                  <a:noFill/>
-                </a:ln>
+              <a:rPr lang="ko-KR" altLang="ko-KR" sz="2100" dirty="0" err="1">
                 <a:solidFill>
                   <a:srgbClr val="202124"/>
                 </a:solidFill>
-                <a:effectLst/>
                 <a:latin typeface="Arial Unicode MS"/>
                 <a:ea typeface="inherit"/>
               </a:rPr>
               <a:t>Screen</a:t>
             </a:r>
             <a:r>
-              <a:rPr kumimoji="0" lang="ko-KR" altLang="ko-KR" sz="2100" b="0" i="0" u="none" strike="noStrike" cap="none" normalizeH="0" baseline="0" dirty="0">
-                <a:ln>
-                  <a:noFill/>
-                </a:ln>
+              <a:rPr lang="ko-KR" altLang="ko-KR" sz="2100" dirty="0">
                 <a:solidFill>
                   <a:srgbClr val="202124"/>
                 </a:solidFill>
-                <a:effectLst/>
                 <a:latin typeface="Arial Unicode MS"/>
                 <a:ea typeface="inherit"/>
               </a:rPr>
               <a:t> </a:t>
             </a:r>
             <a:r>
-              <a:rPr kumimoji="0" lang="ko-KR" altLang="ko-KR" sz="2100" b="0" i="0" u="none" strike="noStrike" cap="none" normalizeH="0" baseline="0" dirty="0" err="1">
-                <a:ln>
-                  <a:noFill/>
-                </a:ln>
+              <a:rPr lang="ko-KR" altLang="ko-KR" sz="2100" dirty="0" err="1">
                 <a:solidFill>
                   <a:srgbClr val="202124"/>
                 </a:solidFill>
-                <a:effectLst/>
                 <a:latin typeface="Arial Unicode MS"/>
                 <a:ea typeface="inherit"/>
               </a:rPr>
               <a:t>Layout</a:t>
             </a:r>
             <a:r>
-              <a:rPr kumimoji="0" lang="ko-KR" altLang="ko-KR" sz="700" b="0" i="0" u="none" strike="noStrike" cap="none" normalizeH="0" baseline="0" dirty="0">
-                <a:ln>
-                  <a:noFill/>
-                </a:ln>
+              <a:rPr lang="ko-KR" altLang="ko-KR" sz="700" dirty="0"/>
+              <a:t> </a:t>
+            </a:r>
+            <a:endParaRPr lang="ko-KR" altLang="ko-KR" dirty="0">
+              <a:latin typeface="Arial" panose="020B0604020202020204" pitchFamily="34" charset="0"/>
+            </a:endParaRPr>
+          </a:p>
+        </p:txBody>
+      </p:sp>
+      <p:sp>
+        <p:nvSpPr>
+          <p:cNvPr id="19" name="모서리가 둥근 직사각형 6">
+            <a:extLst>
+              <a:ext uri="{FF2B5EF4-FFF2-40B4-BE49-F238E27FC236}">
+                <a16:creationId xmlns:a16="http://schemas.microsoft.com/office/drawing/2014/main" id="{CD2BBBFB-A921-76F7-C8A8-270DFE10F6FF}"/>
+              </a:ext>
+            </a:extLst>
+          </p:cNvPr>
+          <p:cNvSpPr/>
+          <p:nvPr/>
+        </p:nvSpPr>
+        <p:spPr>
+          <a:xfrm>
+            <a:off x="8629430" y="1918210"/>
+            <a:ext cx="831414" cy="521395"/>
+          </a:xfrm>
+          <a:prstGeom prst="roundRect">
+            <a:avLst/>
+          </a:prstGeom>
+          <a:solidFill>
+            <a:schemeClr val="accent3">
+              <a:lumMod val="60000"/>
+              <a:lumOff val="40000"/>
+            </a:schemeClr>
+          </a:solidFill>
+          <a:ln w="38100">
+            <a:solidFill>
+              <a:schemeClr val="accent3">
+                <a:lumMod val="50000"/>
+              </a:schemeClr>
+            </a:solidFill>
+          </a:ln>
+        </p:spPr>
+        <p:style>
+          <a:lnRef idx="2">
+            <a:schemeClr val="accent1">
+              <a:shade val="50000"/>
+            </a:schemeClr>
+          </a:lnRef>
+          <a:fillRef idx="1">
+            <a:schemeClr val="accent1"/>
+          </a:fillRef>
+          <a:effectRef idx="0">
+            <a:schemeClr val="accent1"/>
+          </a:effectRef>
+          <a:fontRef idx="minor">
+            <a:schemeClr val="lt1"/>
+          </a:fontRef>
+        </p:style>
+        <p:txBody>
+          <a:bodyPr rot="0" spcFirstLastPara="0" vertOverflow="overflow" horzOverflow="overflow" vert="horz" wrap="square" lIns="51435" tIns="25718" rIns="51435" bIns="25718" numCol="1" spcCol="0" rtlCol="0" fromWordArt="0" anchor="ctr" anchorCtr="0" forceAA="0" compatLnSpc="1">
+            <a:prstTxWarp prst="textNoShape">
+              <a:avLst/>
+            </a:prstTxWarp>
+            <a:noAutofit/>
+          </a:bodyPr>
+          <a:lstStyle/>
+          <a:p>
+            <a:pPr algn="ctr"/>
+            <a:r>
+              <a:rPr lang="en-US" altLang="ko-KR" sz="1350" b="1" dirty="0">
                 <a:solidFill>
                   <a:schemeClr val="tx1"/>
                 </a:solidFill>
-                <a:effectLst/>
+                <a:latin typeface="HY궁서B" panose="02030600000101010101" pitchFamily="18" charset="-127"/>
+                <a:ea typeface="HY궁서B" panose="02030600000101010101" pitchFamily="18" charset="-127"/>
               </a:rPr>
-              <a:t> </a:t>
-            </a:r>
-            <a:endParaRPr kumimoji="0" lang="ko-KR" altLang="ko-KR" sz="1800" b="0" i="0" u="none" strike="noStrike" cap="none" normalizeH="0" baseline="0" dirty="0">
-              <a:ln>
-                <a:noFill/>
-              </a:ln>
+              <a:t>Search</a:t>
+            </a:r>
+            <a:br>
+              <a:rPr lang="en-US" altLang="ko-KR" sz="1350" b="1" dirty="0">
+                <a:solidFill>
+                  <a:schemeClr val="tx1"/>
+                </a:solidFill>
+                <a:latin typeface="HY궁서B" panose="02030600000101010101" pitchFamily="18" charset="-127"/>
+                <a:ea typeface="HY궁서B" panose="02030600000101010101" pitchFamily="18" charset="-127"/>
+              </a:rPr>
+            </a:br>
+            <a:r>
+              <a:rPr lang="en-US" altLang="ko-KR" sz="1350" b="1" dirty="0">
+                <a:solidFill>
+                  <a:schemeClr val="tx1"/>
+                </a:solidFill>
+                <a:latin typeface="HY궁서B" panose="02030600000101010101" pitchFamily="18" charset="-127"/>
+                <a:ea typeface="HY궁서B" panose="02030600000101010101" pitchFamily="18" charset="-127"/>
+              </a:rPr>
+              <a:t>View</a:t>
+            </a:r>
+            <a:endParaRPr lang="ko-KR" altLang="en-US" sz="1575" b="1" dirty="0">
               <a:solidFill>
                 <a:schemeClr val="tx1"/>
               </a:solidFill>
-              <a:effectLst/>
-              <a:latin typeface="Arial" panose="020B0604020202020204" pitchFamily="34" charset="0"/>
+              <a:latin typeface="HY궁서B" panose="02030600000101010101" pitchFamily="18" charset="-127"/>
+              <a:ea typeface="HY궁서B" panose="02030600000101010101" pitchFamily="18" charset="-127"/>
             </a:endParaRPr>
           </a:p>
         </p:txBody>
@@ -5983,6 +6066,51 @@
           <a:chExt cx="0" cy="0"/>
         </a:xfrm>
       </p:grpSpPr>
+      <p:cxnSp>
+        <p:nvCxnSpPr>
+          <p:cNvPr id="215" name="직선 연결선 214">
+            <a:extLst>
+              <a:ext uri="{FF2B5EF4-FFF2-40B4-BE49-F238E27FC236}">
+                <a16:creationId xmlns:a16="http://schemas.microsoft.com/office/drawing/2014/main" id="{71373D13-4DF2-C39A-7CC7-5F2B4F2753D2}"/>
+              </a:ext>
+            </a:extLst>
+          </p:cNvPr>
+          <p:cNvCxnSpPr>
+            <a:cxnSpLocks/>
+          </p:cNvCxnSpPr>
+          <p:nvPr/>
+        </p:nvCxnSpPr>
+        <p:spPr>
+          <a:xfrm>
+            <a:off x="7318890" y="2450165"/>
+            <a:ext cx="0" cy="2494092"/>
+          </a:xfrm>
+          <a:prstGeom prst="line">
+            <a:avLst/>
+          </a:prstGeom>
+          <a:ln w="38100">
+            <a:solidFill>
+              <a:schemeClr val="accent3">
+                <a:lumMod val="50000"/>
+              </a:schemeClr>
+            </a:solidFill>
+          </a:ln>
+        </p:spPr>
+        <p:style>
+          <a:lnRef idx="1">
+            <a:schemeClr val="accent1"/>
+          </a:lnRef>
+          <a:fillRef idx="0">
+            <a:schemeClr val="accent1"/>
+          </a:fillRef>
+          <a:effectRef idx="0">
+            <a:schemeClr val="accent1"/>
+          </a:effectRef>
+          <a:fontRef idx="minor">
+            <a:schemeClr val="tx1"/>
+          </a:fontRef>
+        </p:style>
+      </p:cxnSp>
       <p:sp>
         <p:nvSpPr>
           <p:cNvPr id="4" name="모서리가 둥근 직사각형 3"/>
@@ -5991,7 +6119,7 @@
         </p:nvSpPr>
         <p:spPr>
           <a:xfrm>
-            <a:off x="3011351" y="325838"/>
+            <a:off x="4451214" y="325839"/>
             <a:ext cx="831414" cy="521395"/>
           </a:xfrm>
           <a:prstGeom prst="roundRect">
@@ -6054,7 +6182,7 @@
         </p:nvCxnSpPr>
         <p:spPr>
           <a:xfrm flipH="1">
-            <a:off x="3240682" y="5487932"/>
+            <a:off x="4680546" y="8259725"/>
             <a:ext cx="2051825" cy="1119241"/>
           </a:xfrm>
           <a:prstGeom prst="line">
@@ -6092,7 +6220,7 @@
         </p:nvSpPr>
         <p:spPr>
           <a:xfrm>
-            <a:off x="3011351" y="1037476"/>
+            <a:off x="4451214" y="1037477"/>
             <a:ext cx="831414" cy="521395"/>
           </a:xfrm>
           <a:prstGeom prst="roundRect">
@@ -6155,7 +6283,7 @@
         </p:nvSpPr>
         <p:spPr>
           <a:xfrm>
-            <a:off x="1397844" y="1918209"/>
+            <a:off x="2493180" y="1918210"/>
             <a:ext cx="831414" cy="521395"/>
           </a:xfrm>
           <a:prstGeom prst="roundRect">
@@ -6228,14 +6356,24 @@
         </p:nvSpPr>
         <p:spPr>
           <a:xfrm>
-            <a:off x="756668" y="2735531"/>
+            <a:off x="1852004" y="2735532"/>
             <a:ext cx="831414" cy="521395"/>
           </a:xfrm>
           <a:prstGeom prst="roundRect">
             <a:avLst/>
           </a:prstGeom>
-          <a:noFill/>
-          <a:ln w="38100"/>
+          <a:solidFill>
+            <a:schemeClr val="bg1">
+              <a:lumMod val="65000"/>
+            </a:schemeClr>
+          </a:solidFill>
+          <a:ln w="38100">
+            <a:solidFill>
+              <a:schemeClr val="accent3">
+                <a:lumMod val="50000"/>
+              </a:schemeClr>
+            </a:solidFill>
+          </a:ln>
         </p:spPr>
         <p:style>
           <a:lnRef idx="2">
@@ -6284,14 +6422,24 @@
         </p:nvSpPr>
         <p:spPr>
           <a:xfrm>
-            <a:off x="2053112" y="2735531"/>
+            <a:off x="3148448" y="2735532"/>
             <a:ext cx="831414" cy="521395"/>
           </a:xfrm>
           <a:prstGeom prst="roundRect">
             <a:avLst/>
           </a:prstGeom>
-          <a:noFill/>
-          <a:ln w="38100"/>
+          <a:solidFill>
+            <a:schemeClr val="bg1">
+              <a:lumMod val="65000"/>
+            </a:schemeClr>
+          </a:solidFill>
+          <a:ln w="38100">
+            <a:solidFill>
+              <a:schemeClr val="accent3">
+                <a:lumMod val="50000"/>
+              </a:schemeClr>
+            </a:solidFill>
+          </a:ln>
         </p:spPr>
         <p:style>
           <a:lnRef idx="2">
@@ -6340,7 +6488,7 @@
         </p:nvSpPr>
         <p:spPr>
           <a:xfrm>
-            <a:off x="4822146" y="1037479"/>
+            <a:off x="6262009" y="1037480"/>
             <a:ext cx="831414" cy="521395"/>
           </a:xfrm>
           <a:prstGeom prst="roundRect">
@@ -6403,7 +6551,7 @@
         </p:nvSpPr>
         <p:spPr>
           <a:xfrm>
-            <a:off x="5907212" y="1037474"/>
+            <a:off x="7347075" y="1037475"/>
             <a:ext cx="831414" cy="521395"/>
           </a:xfrm>
           <a:prstGeom prst="roundRect">
@@ -6462,14 +6610,13 @@
         <p:nvCxnSpPr>
           <p:cNvPr id="20" name="직선 연결선 19"/>
           <p:cNvCxnSpPr>
-            <a:stCxn id="4" idx="2"/>
-            <a:endCxn id="5" idx="0"/>
+            <a:cxnSpLocks/>
           </p:cNvCxnSpPr>
           <p:nvPr/>
         </p:nvCxnSpPr>
         <p:spPr>
           <a:xfrm>
-            <a:off x="3427058" y="847233"/>
+            <a:off x="4886010" y="847232"/>
             <a:ext cx="0" cy="190243"/>
           </a:xfrm>
           <a:prstGeom prst="line">
@@ -6509,7 +6656,7 @@
         </p:nvCxnSpPr>
         <p:spPr>
           <a:xfrm flipH="1" flipV="1">
-            <a:off x="3842765" y="1298174"/>
+            <a:off x="5282628" y="1298175"/>
             <a:ext cx="979380" cy="3"/>
           </a:xfrm>
           <a:prstGeom prst="line">
@@ -6549,7 +6696,7 @@
         </p:nvCxnSpPr>
         <p:spPr>
           <a:xfrm flipH="1">
-            <a:off x="5653560" y="1298172"/>
+            <a:off x="7093423" y="1298173"/>
             <a:ext cx="253652" cy="5"/>
           </a:xfrm>
           <a:prstGeom prst="line">
@@ -6589,8 +6736,8 @@
         </p:nvCxnSpPr>
         <p:spPr>
           <a:xfrm rot="5400000">
-            <a:off x="2440636" y="931785"/>
-            <a:ext cx="359338" cy="1613508"/>
+            <a:off x="3708235" y="759523"/>
+            <a:ext cx="359338" cy="1958034"/>
           </a:xfrm>
           <a:prstGeom prst="bentConnector3">
             <a:avLst/>
@@ -6629,7 +6776,7 @@
         </p:nvCxnSpPr>
         <p:spPr>
           <a:xfrm rot="16200000" flipH="1">
-            <a:off x="3441151" y="1544777"/>
+            <a:off x="4881014" y="1544778"/>
             <a:ext cx="359338" cy="387525"/>
           </a:xfrm>
           <a:prstGeom prst="bentConnector3">
@@ -6671,7 +6818,7 @@
         </p:nvCxnSpPr>
         <p:spPr>
           <a:xfrm rot="5400000">
-            <a:off x="1345001" y="2266980"/>
+            <a:off x="2440337" y="2266981"/>
             <a:ext cx="295926" cy="641175"/>
           </a:xfrm>
           <a:prstGeom prst="bentConnector3">
@@ -6713,7 +6860,7 @@
         </p:nvCxnSpPr>
         <p:spPr>
           <a:xfrm rot="16200000" flipH="1">
-            <a:off x="1993223" y="2259932"/>
+            <a:off x="3088559" y="2259933"/>
             <a:ext cx="295926" cy="655269"/>
           </a:xfrm>
           <a:prstGeom prst="bentConnector3">
@@ -6744,402 +6891,15 @@
           </a:fontRef>
         </p:style>
       </p:cxnSp>
-      <p:grpSp>
-        <p:nvGrpSpPr>
-          <p:cNvPr id="26" name="그룹 25"/>
-          <p:cNvGrpSpPr/>
-          <p:nvPr/>
-        </p:nvGrpSpPr>
-        <p:grpSpPr>
-          <a:xfrm>
-            <a:off x="3398876" y="1918209"/>
-            <a:ext cx="831414" cy="1416221"/>
-            <a:chOff x="4180971" y="1918209"/>
-            <a:chExt cx="831414" cy="1416221"/>
-          </a:xfrm>
-        </p:grpSpPr>
-        <p:sp>
-          <p:nvSpPr>
-            <p:cNvPr id="7" name="모서리가 둥근 직사각형 6"/>
-            <p:cNvSpPr/>
-            <p:nvPr/>
-          </p:nvSpPr>
-          <p:spPr>
-            <a:xfrm>
-              <a:off x="4180971" y="1918209"/>
-              <a:ext cx="831414" cy="521395"/>
-            </a:xfrm>
-            <a:prstGeom prst="roundRect">
-              <a:avLst/>
-            </a:prstGeom>
-            <a:solidFill>
-              <a:schemeClr val="accent2">
-                <a:lumMod val="60000"/>
-                <a:lumOff val="40000"/>
-              </a:schemeClr>
-            </a:solidFill>
-            <a:ln w="38100">
-              <a:solidFill>
-                <a:schemeClr val="accent2">
-                  <a:lumMod val="50000"/>
-                </a:schemeClr>
-              </a:solidFill>
-            </a:ln>
-          </p:spPr>
-          <p:style>
-            <a:lnRef idx="2">
-              <a:schemeClr val="accent1">
-                <a:shade val="50000"/>
-              </a:schemeClr>
-            </a:lnRef>
-            <a:fillRef idx="1">
-              <a:schemeClr val="accent1"/>
-            </a:fillRef>
-            <a:effectRef idx="0">
-              <a:schemeClr val="accent1"/>
-            </a:effectRef>
-            <a:fontRef idx="minor">
-              <a:schemeClr val="lt1"/>
-            </a:fontRef>
-          </p:style>
-          <p:txBody>
-            <a:bodyPr rot="0" spcFirstLastPara="0" vertOverflow="overflow" horzOverflow="overflow" vert="horz" wrap="square" lIns="51435" tIns="25718" rIns="51435" bIns="25718" numCol="1" spcCol="0" rtlCol="0" fromWordArt="0" anchor="ctr" anchorCtr="0" forceAA="0" compatLnSpc="1">
-              <a:prstTxWarp prst="textNoShape">
-                <a:avLst/>
-              </a:prstTxWarp>
-              <a:noAutofit/>
-            </a:bodyPr>
-            <a:lstStyle/>
-            <a:p>
-              <a:pPr algn="ctr"/>
-              <a:r>
-                <a:rPr lang="en-US" altLang="ko-KR" sz="1350" b="1" dirty="0">
-                  <a:solidFill>
-                    <a:schemeClr val="tx1"/>
-                  </a:solidFill>
-                  <a:latin typeface="HY궁서B" panose="02030600000101010101" pitchFamily="18" charset="-127"/>
-                  <a:ea typeface="HY궁서B" panose="02030600000101010101" pitchFamily="18" charset="-127"/>
-                </a:rPr>
-                <a:t>Movie</a:t>
-              </a:r>
-              <a:endParaRPr lang="ko-KR" altLang="en-US" sz="1575" b="1" dirty="0">
-                <a:solidFill>
-                  <a:schemeClr val="tx1"/>
-                </a:solidFill>
-                <a:latin typeface="HY궁서B" panose="02030600000101010101" pitchFamily="18" charset="-127"/>
-                <a:ea typeface="HY궁서B" panose="02030600000101010101" pitchFamily="18" charset="-127"/>
-              </a:endParaRPr>
-            </a:p>
-          </p:txBody>
-        </p:sp>
-        <p:sp>
-          <p:nvSpPr>
-            <p:cNvPr id="13" name="모서리가 둥근 직사각형 12"/>
-            <p:cNvSpPr/>
-            <p:nvPr/>
-          </p:nvSpPr>
-          <p:spPr>
-            <a:xfrm>
-              <a:off x="4180971" y="2813035"/>
-              <a:ext cx="831414" cy="521395"/>
-            </a:xfrm>
-            <a:prstGeom prst="roundRect">
-              <a:avLst/>
-            </a:prstGeom>
-            <a:solidFill>
-              <a:schemeClr val="bg1"/>
-            </a:solidFill>
-            <a:ln w="38100"/>
-          </p:spPr>
-          <p:style>
-            <a:lnRef idx="2">
-              <a:schemeClr val="accent1">
-                <a:shade val="50000"/>
-              </a:schemeClr>
-            </a:lnRef>
-            <a:fillRef idx="1">
-              <a:schemeClr val="accent1"/>
-            </a:fillRef>
-            <a:effectRef idx="0">
-              <a:schemeClr val="accent1"/>
-            </a:effectRef>
-            <a:fontRef idx="minor">
-              <a:schemeClr val="lt1"/>
-            </a:fontRef>
-          </p:style>
-          <p:txBody>
-            <a:bodyPr rot="0" spcFirstLastPara="0" vertOverflow="overflow" horzOverflow="overflow" vert="horz" wrap="square" lIns="51435" tIns="25718" rIns="51435" bIns="25718" numCol="1" spcCol="0" rtlCol="0" fromWordArt="0" anchor="ctr" anchorCtr="0" forceAA="0" compatLnSpc="1">
-              <a:prstTxWarp prst="textNoShape">
-                <a:avLst/>
-              </a:prstTxWarp>
-              <a:noAutofit/>
-            </a:bodyPr>
-            <a:lstStyle/>
-            <a:p>
-              <a:pPr algn="ctr"/>
-              <a:r>
-                <a:rPr lang="ko-KR" altLang="en-US" sz="1125" b="1" dirty="0">
-                  <a:solidFill>
-                    <a:schemeClr val="tx1"/>
-                  </a:solidFill>
-                  <a:latin typeface="맑은 고딕" panose="020B0503020000020004" pitchFamily="50" charset="-127"/>
-                  <a:ea typeface="맑은 고딕" panose="020B0503020000020004" pitchFamily="50" charset="-127"/>
-                </a:rPr>
-                <a:t>영화</a:t>
-              </a:r>
-            </a:p>
-          </p:txBody>
-        </p:sp>
-        <p:cxnSp>
-          <p:nvCxnSpPr>
-            <p:cNvPr id="52" name="직선 연결선 51"/>
-            <p:cNvCxnSpPr>
-              <a:stCxn id="7" idx="2"/>
-              <a:endCxn id="13" idx="0"/>
-            </p:cNvCxnSpPr>
-            <p:nvPr/>
-          </p:nvCxnSpPr>
-          <p:spPr>
-            <a:xfrm>
-              <a:off x="4596678" y="2439604"/>
-              <a:ext cx="0" cy="373431"/>
-            </a:xfrm>
-            <a:prstGeom prst="line">
-              <a:avLst/>
-            </a:prstGeom>
-            <a:ln w="38100">
-              <a:solidFill>
-                <a:schemeClr val="accent3">
-                  <a:lumMod val="50000"/>
-                </a:schemeClr>
-              </a:solidFill>
-            </a:ln>
-          </p:spPr>
-          <p:style>
-            <a:lnRef idx="1">
-              <a:schemeClr val="accent1"/>
-            </a:lnRef>
-            <a:fillRef idx="0">
-              <a:schemeClr val="accent1"/>
-            </a:fillRef>
-            <a:effectRef idx="0">
-              <a:schemeClr val="accent1"/>
-            </a:effectRef>
-            <a:fontRef idx="minor">
-              <a:schemeClr val="tx1"/>
-            </a:fontRef>
-          </p:style>
-        </p:cxnSp>
-      </p:grpSp>
       <p:sp>
         <p:nvSpPr>
-          <p:cNvPr id="77" name="모서리가 둥근 직사각형 76"/>
+          <p:cNvPr id="7" name="모서리가 둥근 직사각형 6"/>
           <p:cNvSpPr/>
           <p:nvPr/>
         </p:nvSpPr>
         <p:spPr>
           <a:xfrm>
-            <a:off x="392004" y="4414308"/>
-            <a:ext cx="831414" cy="521395"/>
-          </a:xfrm>
-          <a:prstGeom prst="roundRect">
-            <a:avLst/>
-          </a:prstGeom>
-          <a:solidFill>
-            <a:schemeClr val="accent1">
-              <a:lumMod val="60000"/>
-              <a:lumOff val="40000"/>
-            </a:schemeClr>
-          </a:solidFill>
-          <a:ln w="38100"/>
-        </p:spPr>
-        <p:style>
-          <a:lnRef idx="2">
-            <a:schemeClr val="accent1">
-              <a:shade val="50000"/>
-            </a:schemeClr>
-          </a:lnRef>
-          <a:fillRef idx="1">
-            <a:schemeClr val="accent1"/>
-          </a:fillRef>
-          <a:effectRef idx="0">
-            <a:schemeClr val="accent1"/>
-          </a:effectRef>
-          <a:fontRef idx="minor">
-            <a:schemeClr val="lt1"/>
-          </a:fontRef>
-        </p:style>
-        <p:txBody>
-          <a:bodyPr rot="0" spcFirstLastPara="0" vertOverflow="overflow" horzOverflow="overflow" vert="horz" wrap="square" lIns="51435" tIns="25718" rIns="51435" bIns="25718" numCol="1" spcCol="0" rtlCol="0" fromWordArt="0" anchor="ctr" anchorCtr="0" forceAA="0" compatLnSpc="1">
-            <a:prstTxWarp prst="textNoShape">
-              <a:avLst/>
-            </a:prstTxWarp>
-            <a:noAutofit/>
-          </a:bodyPr>
-          <a:lstStyle/>
-          <a:p>
-            <a:pPr algn="ctr"/>
-            <a:r>
-              <a:rPr lang="ko-KR" altLang="en-US" sz="1125" b="1" dirty="0">
-                <a:solidFill>
-                  <a:schemeClr val="tx1"/>
-                </a:solidFill>
-                <a:latin typeface="맑은 고딕" panose="020B0503020000020004" pitchFamily="50" charset="-127"/>
-                <a:ea typeface="맑은 고딕" panose="020B0503020000020004" pitchFamily="50" charset="-127"/>
-              </a:rPr>
-              <a:t>회원 가입</a:t>
-            </a:r>
-          </a:p>
-        </p:txBody>
-      </p:sp>
-      <p:sp>
-        <p:nvSpPr>
-          <p:cNvPr id="78" name="모서리가 둥근 직사각형 77"/>
-          <p:cNvSpPr/>
-          <p:nvPr/>
-        </p:nvSpPr>
-        <p:spPr>
-          <a:xfrm>
-            <a:off x="953618" y="5081400"/>
-            <a:ext cx="831414" cy="521395"/>
-          </a:xfrm>
-          <a:prstGeom prst="roundRect">
-            <a:avLst/>
-          </a:prstGeom>
-          <a:solidFill>
-            <a:schemeClr val="accent1">
-              <a:lumMod val="60000"/>
-              <a:lumOff val="40000"/>
-            </a:schemeClr>
-          </a:solidFill>
-          <a:ln w="38100"/>
-        </p:spPr>
-        <p:style>
-          <a:lnRef idx="2">
-            <a:schemeClr val="accent1">
-              <a:shade val="50000"/>
-            </a:schemeClr>
-          </a:lnRef>
-          <a:fillRef idx="1">
-            <a:schemeClr val="accent1"/>
-          </a:fillRef>
-          <a:effectRef idx="0">
-            <a:schemeClr val="accent1"/>
-          </a:effectRef>
-          <a:fontRef idx="minor">
-            <a:schemeClr val="lt1"/>
-          </a:fontRef>
-        </p:style>
-        <p:txBody>
-          <a:bodyPr rot="0" spcFirstLastPara="0" vertOverflow="overflow" horzOverflow="overflow" vert="horz" wrap="square" lIns="51435" tIns="25718" rIns="51435" bIns="25718" numCol="1" spcCol="0" rtlCol="0" fromWordArt="0" anchor="ctr" anchorCtr="0" forceAA="0" compatLnSpc="1">
-            <a:prstTxWarp prst="textNoShape">
-              <a:avLst/>
-            </a:prstTxWarp>
-            <a:noAutofit/>
-          </a:bodyPr>
-          <a:lstStyle/>
-          <a:p>
-            <a:pPr algn="ctr"/>
-            <a:r>
-              <a:rPr lang="ko-KR" altLang="en-US" sz="1125" b="1" dirty="0">
-                <a:solidFill>
-                  <a:schemeClr val="tx1"/>
-                </a:solidFill>
-                <a:latin typeface="맑은 고딕" panose="020B0503020000020004" pitchFamily="50" charset="-127"/>
-                <a:ea typeface="맑은 고딕" panose="020B0503020000020004" pitchFamily="50" charset="-127"/>
-              </a:rPr>
-              <a:t>로그인</a:t>
-            </a:r>
-          </a:p>
-        </p:txBody>
-      </p:sp>
-      <p:cxnSp>
-        <p:nvCxnSpPr>
-          <p:cNvPr id="79" name="꺾인 연결선 78"/>
-          <p:cNvCxnSpPr>
-            <a:endCxn id="77" idx="0"/>
-          </p:cNvCxnSpPr>
-          <p:nvPr/>
-        </p:nvCxnSpPr>
-        <p:spPr>
-          <a:xfrm rot="5400000">
-            <a:off x="786847" y="4028777"/>
-            <a:ext cx="406395" cy="364664"/>
-          </a:xfrm>
-          <a:prstGeom prst="bentConnector3">
-            <a:avLst>
-              <a:gd name="adj1" fmla="val 50000"/>
-            </a:avLst>
-          </a:prstGeom>
-          <a:ln w="38100">
-            <a:solidFill>
-              <a:schemeClr val="accent1"/>
-            </a:solidFill>
-          </a:ln>
-        </p:spPr>
-        <p:style>
-          <a:lnRef idx="1">
-            <a:schemeClr val="accent1"/>
-          </a:lnRef>
-          <a:fillRef idx="0">
-            <a:schemeClr val="accent1"/>
-          </a:fillRef>
-          <a:effectRef idx="0">
-            <a:schemeClr val="accent1"/>
-          </a:effectRef>
-          <a:fontRef idx="minor">
-            <a:schemeClr val="tx1"/>
-          </a:fontRef>
-        </p:style>
-      </p:cxnSp>
-      <p:cxnSp>
-        <p:nvCxnSpPr>
-          <p:cNvPr id="82" name="꺾인 연결선 81"/>
-          <p:cNvCxnSpPr>
-            <a:endCxn id="78" idx="0"/>
-          </p:cNvCxnSpPr>
-          <p:nvPr/>
-        </p:nvCxnSpPr>
-        <p:spPr>
-          <a:xfrm rot="16200000" flipH="1">
-            <a:off x="734108" y="4446180"/>
-            <a:ext cx="1073487" cy="196950"/>
-          </a:xfrm>
-          <a:prstGeom prst="bentConnector3">
-            <a:avLst>
-              <a:gd name="adj1" fmla="val 18767"/>
-            </a:avLst>
-          </a:prstGeom>
-          <a:ln w="38100">
-            <a:solidFill>
-              <a:schemeClr val="accent1"/>
-            </a:solidFill>
-          </a:ln>
-        </p:spPr>
-        <p:style>
-          <a:lnRef idx="1">
-            <a:schemeClr val="accent1"/>
-          </a:lnRef>
-          <a:fillRef idx="0">
-            <a:schemeClr val="accent1"/>
-          </a:fillRef>
-          <a:effectRef idx="0">
-            <a:schemeClr val="accent1"/>
-          </a:effectRef>
-          <a:fontRef idx="minor">
-            <a:schemeClr val="tx1"/>
-          </a:fontRef>
-        </p:style>
-      </p:cxnSp>
-      <p:sp>
-        <p:nvSpPr>
-          <p:cNvPr id="89" name="모서리가 둥근 직사각형 88"/>
-          <p:cNvSpPr/>
-          <p:nvPr/>
-        </p:nvSpPr>
-        <p:spPr>
-          <a:xfrm>
-            <a:off x="1725479" y="5714196"/>
+            <a:off x="4838739" y="1918210"/>
             <a:ext cx="831414" cy="521395"/>
           </a:xfrm>
           <a:prstGeom prst="roundRect">
@@ -7186,6 +6946,407 @@
           <a:p>
             <a:pPr algn="ctr"/>
             <a:r>
+              <a:rPr lang="en-US" altLang="ko-KR" sz="1350" b="1" dirty="0">
+                <a:solidFill>
+                  <a:schemeClr val="tx1"/>
+                </a:solidFill>
+                <a:latin typeface="HY궁서B" panose="02030600000101010101" pitchFamily="18" charset="-127"/>
+                <a:ea typeface="HY궁서B" panose="02030600000101010101" pitchFamily="18" charset="-127"/>
+              </a:rPr>
+              <a:t>Movie</a:t>
+            </a:r>
+            <a:endParaRPr lang="ko-KR" altLang="en-US" sz="1575" b="1" dirty="0">
+              <a:solidFill>
+                <a:schemeClr val="tx1"/>
+              </a:solidFill>
+              <a:latin typeface="HY궁서B" panose="02030600000101010101" pitchFamily="18" charset="-127"/>
+              <a:ea typeface="HY궁서B" panose="02030600000101010101" pitchFamily="18" charset="-127"/>
+            </a:endParaRPr>
+          </a:p>
+        </p:txBody>
+      </p:sp>
+      <p:sp>
+        <p:nvSpPr>
+          <p:cNvPr id="13" name="모서리가 둥근 직사각형 12"/>
+          <p:cNvSpPr/>
+          <p:nvPr/>
+        </p:nvSpPr>
+        <p:spPr>
+          <a:xfrm>
+            <a:off x="4838739" y="2813036"/>
+            <a:ext cx="831414" cy="521395"/>
+          </a:xfrm>
+          <a:prstGeom prst="roundRect">
+            <a:avLst/>
+          </a:prstGeom>
+          <a:solidFill>
+            <a:schemeClr val="accent2">
+              <a:lumMod val="60000"/>
+              <a:lumOff val="40000"/>
+            </a:schemeClr>
+          </a:solidFill>
+          <a:ln w="38100">
+            <a:solidFill>
+              <a:schemeClr val="accent2">
+                <a:lumMod val="50000"/>
+              </a:schemeClr>
+            </a:solidFill>
+          </a:ln>
+        </p:spPr>
+        <p:style>
+          <a:lnRef idx="2">
+            <a:schemeClr val="accent1">
+              <a:shade val="50000"/>
+            </a:schemeClr>
+          </a:lnRef>
+          <a:fillRef idx="1">
+            <a:schemeClr val="accent1"/>
+          </a:fillRef>
+          <a:effectRef idx="0">
+            <a:schemeClr val="accent1"/>
+          </a:effectRef>
+          <a:fontRef idx="minor">
+            <a:schemeClr val="lt1"/>
+          </a:fontRef>
+        </p:style>
+        <p:txBody>
+          <a:bodyPr rot="0" spcFirstLastPara="0" vertOverflow="overflow" horzOverflow="overflow" vert="horz" wrap="square" lIns="51435" tIns="25718" rIns="51435" bIns="25718" numCol="1" spcCol="0" rtlCol="0" fromWordArt="0" anchor="ctr" anchorCtr="0" forceAA="0" compatLnSpc="1">
+            <a:prstTxWarp prst="textNoShape">
+              <a:avLst/>
+            </a:prstTxWarp>
+            <a:noAutofit/>
+          </a:bodyPr>
+          <a:lstStyle/>
+          <a:p>
+            <a:pPr algn="ctr"/>
+            <a:r>
+              <a:rPr lang="ko-KR" altLang="en-US" sz="1125" b="1" dirty="0">
+                <a:solidFill>
+                  <a:schemeClr val="tx1"/>
+                </a:solidFill>
+                <a:latin typeface="맑은 고딕" panose="020B0503020000020004" pitchFamily="50" charset="-127"/>
+                <a:ea typeface="맑은 고딕" panose="020B0503020000020004" pitchFamily="50" charset="-127"/>
+              </a:rPr>
+              <a:t>영화 목록</a:t>
+            </a:r>
+          </a:p>
+        </p:txBody>
+      </p:sp>
+      <p:cxnSp>
+        <p:nvCxnSpPr>
+          <p:cNvPr id="52" name="직선 연결선 51"/>
+          <p:cNvCxnSpPr>
+            <a:stCxn id="7" idx="2"/>
+            <a:endCxn id="13" idx="0"/>
+          </p:cNvCxnSpPr>
+          <p:nvPr/>
+        </p:nvCxnSpPr>
+        <p:spPr>
+          <a:xfrm>
+            <a:off x="5254446" y="2439605"/>
+            <a:ext cx="0" cy="373431"/>
+          </a:xfrm>
+          <a:prstGeom prst="line">
+            <a:avLst/>
+          </a:prstGeom>
+          <a:solidFill>
+            <a:schemeClr val="accent2">
+              <a:lumMod val="60000"/>
+              <a:lumOff val="40000"/>
+            </a:schemeClr>
+          </a:solidFill>
+          <a:ln w="38100">
+            <a:solidFill>
+              <a:schemeClr val="accent3">
+                <a:lumMod val="50000"/>
+              </a:schemeClr>
+            </a:solidFill>
+          </a:ln>
+        </p:spPr>
+        <p:style>
+          <a:lnRef idx="1">
+            <a:schemeClr val="accent1"/>
+          </a:lnRef>
+          <a:fillRef idx="0">
+            <a:schemeClr val="accent1"/>
+          </a:fillRef>
+          <a:effectRef idx="0">
+            <a:schemeClr val="accent1"/>
+          </a:effectRef>
+          <a:fontRef idx="minor">
+            <a:schemeClr val="tx1"/>
+          </a:fontRef>
+        </p:style>
+      </p:cxnSp>
+      <p:sp>
+        <p:nvSpPr>
+          <p:cNvPr id="77" name="모서리가 둥근 직사각형 76"/>
+          <p:cNvSpPr/>
+          <p:nvPr/>
+        </p:nvSpPr>
+        <p:spPr>
+          <a:xfrm>
+            <a:off x="1487340" y="3684037"/>
+            <a:ext cx="831414" cy="521395"/>
+          </a:xfrm>
+          <a:prstGeom prst="roundRect">
+            <a:avLst/>
+          </a:prstGeom>
+          <a:solidFill>
+            <a:schemeClr val="bg1">
+              <a:lumMod val="65000"/>
+            </a:schemeClr>
+          </a:solidFill>
+          <a:ln w="38100">
+            <a:solidFill>
+              <a:schemeClr val="accent3">
+                <a:lumMod val="50000"/>
+              </a:schemeClr>
+            </a:solidFill>
+          </a:ln>
+        </p:spPr>
+        <p:style>
+          <a:lnRef idx="2">
+            <a:schemeClr val="accent1">
+              <a:shade val="50000"/>
+            </a:schemeClr>
+          </a:lnRef>
+          <a:fillRef idx="1">
+            <a:schemeClr val="accent1"/>
+          </a:fillRef>
+          <a:effectRef idx="0">
+            <a:schemeClr val="accent1"/>
+          </a:effectRef>
+          <a:fontRef idx="minor">
+            <a:schemeClr val="lt1"/>
+          </a:fontRef>
+        </p:style>
+        <p:txBody>
+          <a:bodyPr rot="0" spcFirstLastPara="0" vertOverflow="overflow" horzOverflow="overflow" vert="horz" wrap="square" lIns="51435" tIns="25718" rIns="51435" bIns="25718" numCol="1" spcCol="0" rtlCol="0" fromWordArt="0" anchor="ctr" anchorCtr="0" forceAA="0" compatLnSpc="1">
+            <a:prstTxWarp prst="textNoShape">
+              <a:avLst/>
+            </a:prstTxWarp>
+            <a:noAutofit/>
+          </a:bodyPr>
+          <a:lstStyle/>
+          <a:p>
+            <a:pPr algn="ctr"/>
+            <a:r>
+              <a:rPr lang="ko-KR" altLang="en-US" sz="1125" b="1" dirty="0">
+                <a:solidFill>
+                  <a:schemeClr val="tx1"/>
+                </a:solidFill>
+                <a:latin typeface="맑은 고딕" panose="020B0503020000020004" pitchFamily="50" charset="-127"/>
+                <a:ea typeface="맑은 고딕" panose="020B0503020000020004" pitchFamily="50" charset="-127"/>
+              </a:rPr>
+              <a:t>회원 가입</a:t>
+            </a:r>
+          </a:p>
+        </p:txBody>
+      </p:sp>
+      <p:sp>
+        <p:nvSpPr>
+          <p:cNvPr id="78" name="모서리가 둥근 직사각형 77"/>
+          <p:cNvSpPr/>
+          <p:nvPr/>
+        </p:nvSpPr>
+        <p:spPr>
+          <a:xfrm>
+            <a:off x="2048954" y="4351129"/>
+            <a:ext cx="831414" cy="521395"/>
+          </a:xfrm>
+          <a:prstGeom prst="roundRect">
+            <a:avLst/>
+          </a:prstGeom>
+          <a:solidFill>
+            <a:schemeClr val="bg1">
+              <a:lumMod val="65000"/>
+            </a:schemeClr>
+          </a:solidFill>
+          <a:ln w="38100">
+            <a:solidFill>
+              <a:schemeClr val="accent3">
+                <a:lumMod val="50000"/>
+              </a:schemeClr>
+            </a:solidFill>
+          </a:ln>
+        </p:spPr>
+        <p:style>
+          <a:lnRef idx="2">
+            <a:schemeClr val="accent1">
+              <a:shade val="50000"/>
+            </a:schemeClr>
+          </a:lnRef>
+          <a:fillRef idx="1">
+            <a:schemeClr val="accent1"/>
+          </a:fillRef>
+          <a:effectRef idx="0">
+            <a:schemeClr val="accent1"/>
+          </a:effectRef>
+          <a:fontRef idx="minor">
+            <a:schemeClr val="lt1"/>
+          </a:fontRef>
+        </p:style>
+        <p:txBody>
+          <a:bodyPr rot="0" spcFirstLastPara="0" vertOverflow="overflow" horzOverflow="overflow" vert="horz" wrap="square" lIns="51435" tIns="25718" rIns="51435" bIns="25718" numCol="1" spcCol="0" rtlCol="0" fromWordArt="0" anchor="ctr" anchorCtr="0" forceAA="0" compatLnSpc="1">
+            <a:prstTxWarp prst="textNoShape">
+              <a:avLst/>
+            </a:prstTxWarp>
+            <a:noAutofit/>
+          </a:bodyPr>
+          <a:lstStyle/>
+          <a:p>
+            <a:pPr algn="ctr"/>
+            <a:r>
+              <a:rPr lang="ko-KR" altLang="en-US" sz="1125" b="1" dirty="0">
+                <a:solidFill>
+                  <a:schemeClr val="tx1"/>
+                </a:solidFill>
+                <a:latin typeface="맑은 고딕" panose="020B0503020000020004" pitchFamily="50" charset="-127"/>
+                <a:ea typeface="맑은 고딕" panose="020B0503020000020004" pitchFamily="50" charset="-127"/>
+              </a:rPr>
+              <a:t>로그인</a:t>
+            </a:r>
+          </a:p>
+        </p:txBody>
+      </p:sp>
+      <p:cxnSp>
+        <p:nvCxnSpPr>
+          <p:cNvPr id="79" name="꺾인 연결선 78"/>
+          <p:cNvCxnSpPr>
+            <a:endCxn id="77" idx="0"/>
+          </p:cNvCxnSpPr>
+          <p:nvPr/>
+        </p:nvCxnSpPr>
+        <p:spPr>
+          <a:xfrm rot="5400000">
+            <a:off x="1882184" y="3298505"/>
+            <a:ext cx="406395" cy="364664"/>
+          </a:xfrm>
+          <a:prstGeom prst="bentConnector3">
+            <a:avLst>
+              <a:gd name="adj1" fmla="val 50000"/>
+            </a:avLst>
+          </a:prstGeom>
+          <a:ln w="38100">
+            <a:solidFill>
+              <a:schemeClr val="accent3">
+                <a:lumMod val="50000"/>
+              </a:schemeClr>
+            </a:solidFill>
+          </a:ln>
+        </p:spPr>
+        <p:style>
+          <a:lnRef idx="1">
+            <a:schemeClr val="accent1"/>
+          </a:lnRef>
+          <a:fillRef idx="0">
+            <a:schemeClr val="accent1"/>
+          </a:fillRef>
+          <a:effectRef idx="0">
+            <a:schemeClr val="accent1"/>
+          </a:effectRef>
+          <a:fontRef idx="minor">
+            <a:schemeClr val="tx1"/>
+          </a:fontRef>
+        </p:style>
+      </p:cxnSp>
+      <p:cxnSp>
+        <p:nvCxnSpPr>
+          <p:cNvPr id="82" name="꺾인 연결선 81"/>
+          <p:cNvCxnSpPr>
+            <a:endCxn id="78" idx="0"/>
+          </p:cNvCxnSpPr>
+          <p:nvPr/>
+        </p:nvCxnSpPr>
+        <p:spPr>
+          <a:xfrm rot="16200000" flipH="1">
+            <a:off x="1829445" y="3715908"/>
+            <a:ext cx="1073487" cy="196950"/>
+          </a:xfrm>
+          <a:prstGeom prst="bentConnector3">
+            <a:avLst>
+              <a:gd name="adj1" fmla="val 18767"/>
+            </a:avLst>
+          </a:prstGeom>
+          <a:ln w="38100">
+            <a:solidFill>
+              <a:schemeClr val="accent3">
+                <a:lumMod val="50000"/>
+              </a:schemeClr>
+            </a:solidFill>
+          </a:ln>
+        </p:spPr>
+        <p:style>
+          <a:lnRef idx="1">
+            <a:schemeClr val="accent1"/>
+          </a:lnRef>
+          <a:fillRef idx="0">
+            <a:schemeClr val="accent1"/>
+          </a:fillRef>
+          <a:effectRef idx="0">
+            <a:schemeClr val="accent1"/>
+          </a:effectRef>
+          <a:fontRef idx="minor">
+            <a:schemeClr val="tx1"/>
+          </a:fontRef>
+        </p:style>
+      </p:cxnSp>
+      <p:sp>
+        <p:nvSpPr>
+          <p:cNvPr id="89" name="모서리가 둥근 직사각형 88"/>
+          <p:cNvSpPr/>
+          <p:nvPr/>
+        </p:nvSpPr>
+        <p:spPr>
+          <a:xfrm>
+            <a:off x="3165342" y="8485989"/>
+            <a:ext cx="831414" cy="521395"/>
+          </a:xfrm>
+          <a:prstGeom prst="roundRect">
+            <a:avLst/>
+          </a:prstGeom>
+          <a:solidFill>
+            <a:schemeClr val="accent2">
+              <a:lumMod val="60000"/>
+              <a:lumOff val="40000"/>
+            </a:schemeClr>
+          </a:solidFill>
+          <a:ln w="38100">
+            <a:solidFill>
+              <a:schemeClr val="accent2">
+                <a:lumMod val="50000"/>
+              </a:schemeClr>
+            </a:solidFill>
+          </a:ln>
+        </p:spPr>
+        <p:style>
+          <a:lnRef idx="2">
+            <a:schemeClr val="accent1">
+              <a:shade val="50000"/>
+            </a:schemeClr>
+          </a:lnRef>
+          <a:fillRef idx="1">
+            <a:schemeClr val="accent1"/>
+          </a:fillRef>
+          <a:effectRef idx="0">
+            <a:schemeClr val="accent1"/>
+          </a:effectRef>
+          <a:fontRef idx="minor">
+            <a:schemeClr val="lt1"/>
+          </a:fontRef>
+        </p:style>
+        <p:txBody>
+          <a:bodyPr rot="0" spcFirstLastPara="0" vertOverflow="overflow" horzOverflow="overflow" vert="horz" wrap="square" lIns="51435" tIns="25718" rIns="51435" bIns="25718" numCol="1" spcCol="0" rtlCol="0" fromWordArt="0" anchor="ctr" anchorCtr="0" forceAA="0" compatLnSpc="1">
+            <a:prstTxWarp prst="textNoShape">
+              <a:avLst/>
+            </a:prstTxWarp>
+            <a:noAutofit/>
+          </a:bodyPr>
+          <a:lstStyle/>
+          <a:p>
+            <a:pPr algn="ctr"/>
+            <a:r>
               <a:rPr lang="ko-KR" altLang="en-US" sz="1125" b="1" strike="sngStrike" dirty="0">
                 <a:solidFill>
                   <a:schemeClr val="tx1"/>
@@ -7206,7 +7367,7 @@
         </p:nvGrpSpPr>
         <p:grpSpPr>
           <a:xfrm>
-            <a:off x="2359441" y="6511636"/>
+            <a:off x="3799304" y="9283429"/>
             <a:ext cx="943490" cy="645197"/>
             <a:chOff x="2011438" y="4562638"/>
             <a:chExt cx="943490" cy="645197"/>
@@ -7409,7 +7570,7 @@
         </p:nvCxnSpPr>
         <p:spPr>
           <a:xfrm rot="16200000" flipH="1">
-            <a:off x="2085242" y="5821728"/>
+            <a:off x="3525106" y="8593521"/>
             <a:ext cx="1073485" cy="306329"/>
           </a:xfrm>
           <a:prstGeom prst="bentConnector3">
@@ -7448,7 +7609,7 @@
         </p:nvCxnSpPr>
         <p:spPr>
           <a:xfrm rot="5400000">
-            <a:off x="2166982" y="5412357"/>
+            <a:off x="3606846" y="8184150"/>
             <a:ext cx="276045" cy="327633"/>
           </a:xfrm>
           <a:prstGeom prst="bentConnector3">
@@ -7485,7 +7646,7 @@
         </p:nvSpPr>
         <p:spPr>
           <a:xfrm>
-            <a:off x="4879498" y="6841995"/>
+            <a:off x="6319361" y="9613788"/>
             <a:ext cx="831414" cy="521395"/>
           </a:xfrm>
           <a:prstGeom prst="roundRect">
@@ -7546,7 +7707,7 @@
         </p:nvSpPr>
         <p:spPr>
           <a:xfrm>
-            <a:off x="5463320" y="7538280"/>
+            <a:off x="6903183" y="10310073"/>
             <a:ext cx="831414" cy="521395"/>
           </a:xfrm>
           <a:prstGeom prst="roundRect">
@@ -7609,7 +7770,7 @@
         </p:nvCxnSpPr>
         <p:spPr>
           <a:xfrm rot="5400000">
-            <a:off x="5403790" y="6534871"/>
+            <a:off x="6843654" y="9306664"/>
             <a:ext cx="198541" cy="415707"/>
           </a:xfrm>
           <a:prstGeom prst="bentConnector3">
@@ -7648,7 +7809,7 @@
         </p:nvCxnSpPr>
         <p:spPr>
           <a:xfrm rot="16200000" flipH="1">
-            <a:off x="5347556" y="7006809"/>
+            <a:off x="6787419" y="9778602"/>
             <a:ext cx="894826" cy="168115"/>
           </a:xfrm>
           <a:prstGeom prst="bentConnector3">
@@ -7685,7 +7846,7 @@
         </p:nvSpPr>
         <p:spPr>
           <a:xfrm>
-            <a:off x="5463320" y="8222475"/>
+            <a:off x="6903183" y="10994268"/>
             <a:ext cx="831414" cy="521395"/>
           </a:xfrm>
           <a:prstGeom prst="roundRect">
@@ -7800,7 +7961,7 @@
         </p:nvCxnSpPr>
         <p:spPr>
           <a:xfrm rot="16200000" flipH="1">
-            <a:off x="5082965" y="7271401"/>
+            <a:off x="6522829" y="10043193"/>
             <a:ext cx="1839719" cy="583822"/>
           </a:xfrm>
           <a:prstGeom prst="bentConnector4">
@@ -7838,7 +7999,7 @@
         </p:nvGrpSpPr>
         <p:grpSpPr>
           <a:xfrm>
-            <a:off x="5239166" y="5974892"/>
+            <a:off x="6679029" y="8746685"/>
             <a:ext cx="943490" cy="645197"/>
             <a:chOff x="2011438" y="4562638"/>
             <a:chExt cx="943490" cy="645197"/>
@@ -8048,7 +8209,7 @@
         </p:nvCxnSpPr>
         <p:spPr>
           <a:xfrm flipH="1">
-            <a:off x="5710911" y="6507315"/>
+            <a:off x="7150774" y="9279108"/>
             <a:ext cx="0" cy="237293"/>
           </a:xfrm>
           <a:prstGeom prst="line">
@@ -8085,7 +8246,7 @@
         </p:nvCxnSpPr>
         <p:spPr>
           <a:xfrm rot="16200000" flipH="1">
-            <a:off x="4896158" y="5216174"/>
+            <a:off x="6336022" y="7987966"/>
             <a:ext cx="459237" cy="1058196"/>
           </a:xfrm>
           <a:prstGeom prst="bentConnector3">
@@ -8124,7 +8285,7 @@
         </p:nvCxnSpPr>
         <p:spPr>
           <a:xfrm rot="16200000" flipH="1">
-            <a:off x="5424599" y="5744616"/>
+            <a:off x="6864463" y="8516409"/>
             <a:ext cx="459237" cy="1313"/>
           </a:xfrm>
           <a:prstGeom prst="bentConnector3">
@@ -8163,7 +8324,7 @@
         </p:nvCxnSpPr>
         <p:spPr>
           <a:xfrm rot="5400000">
-            <a:off x="5953041" y="5217489"/>
+            <a:off x="7392905" y="7989282"/>
             <a:ext cx="459237" cy="1055569"/>
           </a:xfrm>
           <a:prstGeom prst="bentConnector3">
@@ -8200,7 +8361,7 @@
         </p:nvGrpSpPr>
         <p:grpSpPr>
           <a:xfrm>
-            <a:off x="818230" y="7497494"/>
+            <a:off x="2258094" y="10269286"/>
             <a:ext cx="3301179" cy="1427902"/>
             <a:chOff x="44000" y="5896824"/>
             <a:chExt cx="3301179" cy="1427902"/>
@@ -8542,7 +8703,7 @@
         </p:nvCxnSpPr>
         <p:spPr>
           <a:xfrm flipH="1" flipV="1">
-            <a:off x="2556895" y="5968345"/>
+            <a:off x="3996759" y="8740137"/>
             <a:ext cx="1422495" cy="138256"/>
           </a:xfrm>
           <a:prstGeom prst="line">
@@ -8580,7 +8741,7 @@
         </p:nvCxnSpPr>
         <p:spPr>
           <a:xfrm flipH="1" flipV="1">
-            <a:off x="4266594" y="6142672"/>
+            <a:off x="5706458" y="8914464"/>
             <a:ext cx="955997" cy="92916"/>
           </a:xfrm>
           <a:prstGeom prst="line">
@@ -8620,8 +8781,8 @@
         </p:nvSpPr>
         <p:spPr bwMode="auto">
           <a:xfrm>
-            <a:off x="7257143" y="89452"/>
-            <a:ext cx="4622120" cy="278295"/>
+            <a:off x="1726343" y="402649"/>
+            <a:ext cx="2076582" cy="324462"/>
           </a:xfrm>
           <a:prstGeom prst="rect">
             <a:avLst/>
@@ -8664,45 +8825,37 @@
           </a:bodyPr>
           <a:lstStyle/>
           <a:p>
-            <a:pPr marL="0" marR="0" lvl="0" indent="0" algn="l" defTabSz="914400" rtl="0" eaLnBrk="0" fontAlgn="base" latinLnBrk="0" hangingPunct="0">
-              <a:lnSpc>
-                <a:spcPct val="100000"/>
-              </a:lnSpc>
+            <a:pPr eaLnBrk="0" fontAlgn="base" latinLnBrk="0" hangingPunct="0">
               <a:spcBef>
                 <a:spcPct val="0"/>
               </a:spcBef>
               <a:spcAft>
                 <a:spcPct val="0"/>
               </a:spcAft>
-              <a:buClrTx/>
-              <a:buSzTx/>
-              <a:buFontTx/>
-              <a:buNone/>
-              <a:tabLst/>
             </a:pPr>
             <a:r>
-              <a:rPr kumimoji="0" lang="ko-KR" altLang="en-US" sz="2100" b="0" i="0" u="none" strike="noStrike" cap="none" normalizeH="0" baseline="0" dirty="0">
-                <a:ln>
-                  <a:noFill/>
-                </a:ln>
+              <a:rPr lang="en-US" altLang="ko-KR" sz="2400" dirty="0">
                 <a:solidFill>
                   <a:srgbClr val="202124"/>
                 </a:solidFill>
-                <a:effectLst/>
-                <a:latin typeface="Arial Unicode MS"/>
-                <a:ea typeface="inherit"/>
+                <a:latin typeface="강원교육튼튼" panose="02020603020101020101" pitchFamily="18" charset="-127"/>
+                <a:ea typeface="강원교육튼튼" panose="02020603020101020101" pitchFamily="18" charset="-127"/>
+              </a:rPr>
+              <a:t>- </a:t>
+            </a:r>
+            <a:r>
+              <a:rPr lang="ko-KR" altLang="en-US" sz="2400" dirty="0">
+                <a:solidFill>
+                  <a:srgbClr val="202124"/>
+                </a:solidFill>
+                <a:latin typeface="강원교육튼튼" panose="02020603020101020101" pitchFamily="18" charset="-127"/>
+                <a:ea typeface="강원교육튼튼" panose="02020603020101020101" pitchFamily="18" charset="-127"/>
               </a:rPr>
               <a:t>컴포넌트 상세</a:t>
             </a:r>
-            <a:endParaRPr kumimoji="0" lang="ko-KR" altLang="ko-KR" sz="1800" b="0" i="0" u="none" strike="noStrike" cap="none" normalizeH="0" baseline="0" dirty="0">
-              <a:ln>
-                <a:noFill/>
-              </a:ln>
-              <a:solidFill>
-                <a:schemeClr val="tx1"/>
-              </a:solidFill>
-              <a:effectLst/>
-              <a:latin typeface="Arial" panose="020B0604020202020204" pitchFamily="34" charset="0"/>
+            <a:endParaRPr lang="ko-KR" altLang="ko-KR" sz="2000" dirty="0">
+              <a:latin typeface="강원교육튼튼" panose="02020603020101020101" pitchFamily="18" charset="-127"/>
+              <a:ea typeface="강원교육튼튼" panose="02020603020101020101" pitchFamily="18" charset="-127"/>
             </a:endParaRPr>
           </a:p>
         </p:txBody>
@@ -8715,7 +8868,7 @@
         </p:nvSpPr>
         <p:spPr>
           <a:xfrm>
-            <a:off x="7351617" y="1918209"/>
+            <a:off x="9007902" y="1918210"/>
             <a:ext cx="831414" cy="521395"/>
           </a:xfrm>
           <a:prstGeom prst="roundRect">
@@ -8789,14 +8942,17 @@
         </p:nvSpPr>
         <p:spPr>
           <a:xfrm>
-            <a:off x="7351617" y="2813035"/>
+            <a:off x="9007902" y="2813036"/>
             <a:ext cx="831414" cy="521395"/>
           </a:xfrm>
           <a:prstGeom prst="roundRect">
             <a:avLst/>
           </a:prstGeom>
           <a:solidFill>
-            <a:schemeClr val="bg1"/>
+            <a:schemeClr val="accent1">
+              <a:lumMod val="60000"/>
+              <a:lumOff val="40000"/>
+            </a:schemeClr>
           </a:solidFill>
           <a:ln w="38100"/>
         </p:spPr>
@@ -8834,7 +8990,26 @@
                 <a:latin typeface="맑은 고딕" panose="020B0503020000020004" pitchFamily="50" charset="-127"/>
                 <a:ea typeface="맑은 고딕" panose="020B0503020000020004" pitchFamily="50" charset="-127"/>
               </a:rPr>
-              <a:t>쓴 리뷰</a:t>
+              <a:t>작성한 </a:t>
+            </a:r>
+            <a:br>
+              <a:rPr lang="en-US" altLang="ko-KR" sz="1125" b="1" dirty="0">
+                <a:solidFill>
+                  <a:schemeClr val="tx1"/>
+                </a:solidFill>
+                <a:latin typeface="맑은 고딕" panose="020B0503020000020004" pitchFamily="50" charset="-127"/>
+                <a:ea typeface="맑은 고딕" panose="020B0503020000020004" pitchFamily="50" charset="-127"/>
+              </a:rPr>
+            </a:br>
+            <a:r>
+              <a:rPr lang="ko-KR" altLang="en-US" sz="1125" b="1" dirty="0">
+                <a:solidFill>
+                  <a:schemeClr val="tx1"/>
+                </a:solidFill>
+                <a:latin typeface="맑은 고딕" panose="020B0503020000020004" pitchFamily="50" charset="-127"/>
+                <a:ea typeface="맑은 고딕" panose="020B0503020000020004" pitchFamily="50" charset="-127"/>
+              </a:rPr>
+              <a:t>리뷰</a:t>
             </a:r>
           </a:p>
         </p:txBody>
@@ -8847,13 +9022,18 @@
         </p:nvSpPr>
         <p:spPr>
           <a:xfrm>
-            <a:off x="8408499" y="2813035"/>
+            <a:off x="10064784" y="2813036"/>
             <a:ext cx="831414" cy="521395"/>
           </a:xfrm>
           <a:prstGeom prst="roundRect">
             <a:avLst/>
           </a:prstGeom>
-          <a:noFill/>
+          <a:solidFill>
+            <a:schemeClr val="accent1">
+              <a:lumMod val="60000"/>
+              <a:lumOff val="40000"/>
+            </a:schemeClr>
+          </a:solidFill>
           <a:ln w="38100"/>
         </p:spPr>
         <p:style>
@@ -8906,7 +9086,7 @@
         </p:nvCxnSpPr>
         <p:spPr>
           <a:xfrm rot="16200000" flipH="1">
-            <a:off x="8109051" y="2097877"/>
+            <a:off x="9765337" y="2097877"/>
             <a:ext cx="373431" cy="1056882"/>
           </a:xfrm>
           <a:prstGeom prst="bentConnector3">
@@ -8948,7 +9128,7 @@
         </p:nvCxnSpPr>
         <p:spPr>
           <a:xfrm>
-            <a:off x="7767324" y="2439604"/>
+            <a:off x="9423609" y="2439605"/>
             <a:ext cx="0" cy="373431"/>
           </a:xfrm>
           <a:prstGeom prst="line">
@@ -8985,7 +9165,7 @@
         </p:nvSpPr>
         <p:spPr>
           <a:xfrm>
-            <a:off x="9655621" y="1918209"/>
+            <a:off x="12630766" y="1918210"/>
             <a:ext cx="831414" cy="521395"/>
           </a:xfrm>
           <a:prstGeom prst="roundRect">
@@ -8993,8 +9173,8 @@
           </a:prstGeom>
           <a:solidFill>
             <a:schemeClr val="accent6">
-              <a:lumMod val="40000"/>
-              <a:lumOff val="60000"/>
+              <a:lumMod val="20000"/>
+              <a:lumOff val="80000"/>
             </a:schemeClr>
           </a:solidFill>
           <a:ln w="38100">
@@ -9078,16 +9258,25 @@
         </p:nvSpPr>
         <p:spPr>
           <a:xfrm>
-            <a:off x="9655621" y="2813035"/>
+            <a:off x="12630766" y="2813036"/>
             <a:ext cx="831414" cy="521395"/>
           </a:xfrm>
           <a:prstGeom prst="roundRect">
             <a:avLst/>
           </a:prstGeom>
           <a:solidFill>
-            <a:schemeClr val="bg1"/>
+            <a:schemeClr val="accent6">
+              <a:lumMod val="20000"/>
+              <a:lumOff val="80000"/>
+            </a:schemeClr>
           </a:solidFill>
-          <a:ln w="38100"/>
+          <a:ln w="38100">
+            <a:solidFill>
+              <a:schemeClr val="accent6">
+                <a:lumMod val="50000"/>
+              </a:schemeClr>
+            </a:solidFill>
+          </a:ln>
         </p:spPr>
         <p:style>
           <a:lnRef idx="2">
@@ -9162,14 +9351,25 @@
         </p:nvSpPr>
         <p:spPr>
           <a:xfrm>
-            <a:off x="10712503" y="2813035"/>
+            <a:off x="13687648" y="2813036"/>
             <a:ext cx="831414" cy="521395"/>
           </a:xfrm>
           <a:prstGeom prst="roundRect">
             <a:avLst/>
           </a:prstGeom>
-          <a:noFill/>
-          <a:ln w="38100"/>
+          <a:solidFill>
+            <a:schemeClr val="accent6">
+              <a:lumMod val="20000"/>
+              <a:lumOff val="80000"/>
+            </a:schemeClr>
+          </a:solidFill>
+          <a:ln w="38100">
+            <a:solidFill>
+              <a:schemeClr val="accent6">
+                <a:lumMod val="50000"/>
+              </a:schemeClr>
+            </a:solidFill>
+          </a:ln>
         </p:spPr>
         <p:style>
           <a:lnRef idx="2">
@@ -9247,7 +9447,7 @@
         </p:nvCxnSpPr>
         <p:spPr>
           <a:xfrm rot="16200000" flipH="1">
-            <a:off x="10413055" y="2097877"/>
+            <a:off x="13388201" y="2097877"/>
             <a:ext cx="373431" cy="1056882"/>
           </a:xfrm>
           <a:prstGeom prst="bentConnector3">
@@ -9289,7 +9489,7 @@
         </p:nvCxnSpPr>
         <p:spPr>
           <a:xfrm>
-            <a:off x="10071328" y="2439604"/>
+            <a:off x="13046473" y="2439605"/>
             <a:ext cx="0" cy="373431"/>
           </a:xfrm>
           <a:prstGeom prst="line">
@@ -9329,8 +9529,8 @@
         </p:nvCxnSpPr>
         <p:spPr>
           <a:xfrm rot="16200000" flipH="1">
-            <a:off x="5417522" y="-431593"/>
-            <a:ext cx="359338" cy="4340266"/>
+            <a:off x="6965596" y="-539803"/>
+            <a:ext cx="359338" cy="4556688"/>
           </a:xfrm>
           <a:prstGeom prst="bentConnector3">
             <a:avLst>
@@ -9371,8 +9571,8 @@
         </p:nvCxnSpPr>
         <p:spPr>
           <a:xfrm rot="16200000" flipH="1">
-            <a:off x="6569524" y="-1583595"/>
-            <a:ext cx="359338" cy="6644270"/>
+            <a:off x="8777028" y="-2351235"/>
+            <a:ext cx="359338" cy="8179552"/>
           </a:xfrm>
           <a:prstGeom prst="bentConnector3">
             <a:avLst>
@@ -9404,22 +9604,2682 @@
       </p:cxnSp>
       <p:sp>
         <p:nvSpPr>
-          <p:cNvPr id="84" name="모서리가 둥근 직사각형 83"/>
+          <p:cNvPr id="86" name="모서리가 둥근 직사각형 85"/>
           <p:cNvSpPr/>
           <p:nvPr/>
         </p:nvSpPr>
         <p:spPr>
           <a:xfrm>
-            <a:off x="756668" y="3497860"/>
+            <a:off x="8063754" y="2813036"/>
             <a:ext cx="831414" cy="521395"/>
           </a:xfrm>
           <a:prstGeom prst="roundRect">
             <a:avLst/>
           </a:prstGeom>
           <a:solidFill>
+            <a:schemeClr val="accent1">
+              <a:lumMod val="60000"/>
+              <a:lumOff val="40000"/>
+            </a:schemeClr>
+          </a:solidFill>
+          <a:ln w="38100"/>
+        </p:spPr>
+        <p:style>
+          <a:lnRef idx="2">
+            <a:schemeClr val="accent1">
+              <a:shade val="50000"/>
+            </a:schemeClr>
+          </a:lnRef>
+          <a:fillRef idx="1">
+            <a:schemeClr val="accent1"/>
+          </a:fillRef>
+          <a:effectRef idx="0">
+            <a:schemeClr val="accent1"/>
+          </a:effectRef>
+          <a:fontRef idx="minor">
+            <a:schemeClr val="lt1"/>
+          </a:fontRef>
+        </p:style>
+        <p:txBody>
+          <a:bodyPr rot="0" spcFirstLastPara="0" vertOverflow="overflow" horzOverflow="overflow" vert="horz" wrap="square" lIns="51435" tIns="25718" rIns="51435" bIns="25718" numCol="1" spcCol="0" rtlCol="0" fromWordArt="0" anchor="ctr" anchorCtr="0" forceAA="0" compatLnSpc="1">
+            <a:prstTxWarp prst="textNoShape">
+              <a:avLst/>
+            </a:prstTxWarp>
+            <a:noAutofit/>
+          </a:bodyPr>
+          <a:lstStyle/>
+          <a:p>
+            <a:pPr algn="ctr"/>
+            <a:r>
+              <a:rPr lang="ko-KR" altLang="en-US" sz="1125" b="1" dirty="0">
+                <a:solidFill>
+                  <a:schemeClr val="tx1"/>
+                </a:solidFill>
+                <a:latin typeface="맑은 고딕" panose="020B0503020000020004" pitchFamily="50" charset="-127"/>
+                <a:ea typeface="맑은 고딕" panose="020B0503020000020004" pitchFamily="50" charset="-127"/>
+              </a:rPr>
+              <a:t>팔로우</a:t>
+            </a:r>
+            <a:br>
+              <a:rPr lang="en-US" altLang="ko-KR" sz="1125" b="1" dirty="0">
+                <a:solidFill>
+                  <a:schemeClr val="tx1"/>
+                </a:solidFill>
+                <a:latin typeface="맑은 고딕" panose="020B0503020000020004" pitchFamily="50" charset="-127"/>
+                <a:ea typeface="맑은 고딕" panose="020B0503020000020004" pitchFamily="50" charset="-127"/>
+              </a:rPr>
+            </a:br>
+            <a:r>
+              <a:rPr lang="ko-KR" altLang="en-US" sz="1125" b="1" dirty="0">
+                <a:solidFill>
+                  <a:schemeClr val="tx1"/>
+                </a:solidFill>
+                <a:latin typeface="맑은 고딕" panose="020B0503020000020004" pitchFamily="50" charset="-127"/>
+                <a:ea typeface="맑은 고딕" panose="020B0503020000020004" pitchFamily="50" charset="-127"/>
+              </a:rPr>
+              <a:t>팔로워</a:t>
+            </a:r>
+          </a:p>
+        </p:txBody>
+      </p:sp>
+      <p:cxnSp>
+        <p:nvCxnSpPr>
+          <p:cNvPr id="88" name="꺾인 연결선 87"/>
+          <p:cNvCxnSpPr>
+            <a:stCxn id="60" idx="2"/>
+            <a:endCxn id="86" idx="0"/>
+          </p:cNvCxnSpPr>
+          <p:nvPr/>
+        </p:nvCxnSpPr>
+        <p:spPr>
+          <a:xfrm rot="5400000">
+            <a:off x="8764821" y="2154245"/>
+            <a:ext cx="373431" cy="944148"/>
+          </a:xfrm>
+          <a:prstGeom prst="bentConnector3">
+            <a:avLst>
+              <a:gd name="adj1" fmla="val 50000"/>
+            </a:avLst>
+          </a:prstGeom>
+          <a:ln w="38100">
+            <a:solidFill>
+              <a:schemeClr val="accent3">
+                <a:lumMod val="50000"/>
+              </a:schemeClr>
+            </a:solidFill>
+          </a:ln>
+        </p:spPr>
+        <p:style>
+          <a:lnRef idx="1">
+            <a:schemeClr val="accent1"/>
+          </a:lnRef>
+          <a:fillRef idx="0">
+            <a:schemeClr val="accent1"/>
+          </a:fillRef>
+          <a:effectRef idx="0">
+            <a:schemeClr val="accent1"/>
+          </a:effectRef>
+          <a:fontRef idx="minor">
+            <a:schemeClr val="tx1"/>
+          </a:fontRef>
+        </p:style>
+      </p:cxnSp>
+      <p:sp>
+        <p:nvSpPr>
+          <p:cNvPr id="9" name="모서리가 둥근 직사각형 88">
+            <a:extLst>
+              <a:ext uri="{FF2B5EF4-FFF2-40B4-BE49-F238E27FC236}">
+                <a16:creationId xmlns:a16="http://schemas.microsoft.com/office/drawing/2014/main" id="{945C5E34-877F-D004-E12A-98E089898D22}"/>
+              </a:ext>
+            </a:extLst>
+          </p:cNvPr>
+          <p:cNvSpPr/>
+          <p:nvPr/>
+        </p:nvSpPr>
+        <p:spPr>
+          <a:xfrm>
+            <a:off x="2875251" y="3554879"/>
+            <a:ext cx="831414" cy="521395"/>
+          </a:xfrm>
+          <a:prstGeom prst="roundRect">
+            <a:avLst/>
+          </a:prstGeom>
+          <a:solidFill>
+            <a:schemeClr val="accent2">
+              <a:lumMod val="60000"/>
+              <a:lumOff val="40000"/>
+            </a:schemeClr>
+          </a:solidFill>
+          <a:ln w="38100">
+            <a:solidFill>
+              <a:schemeClr val="accent2">
+                <a:lumMod val="50000"/>
+              </a:schemeClr>
+            </a:solidFill>
+          </a:ln>
+        </p:spPr>
+        <p:style>
+          <a:lnRef idx="2">
+            <a:schemeClr val="accent1">
+              <a:shade val="50000"/>
+            </a:schemeClr>
+          </a:lnRef>
+          <a:fillRef idx="1">
+            <a:schemeClr val="accent1"/>
+          </a:fillRef>
+          <a:effectRef idx="0">
+            <a:schemeClr val="accent1"/>
+          </a:effectRef>
+          <a:fontRef idx="minor">
+            <a:schemeClr val="lt1"/>
+          </a:fontRef>
+        </p:style>
+        <p:txBody>
+          <a:bodyPr rot="0" spcFirstLastPara="0" vertOverflow="overflow" horzOverflow="overflow" vert="horz" wrap="square" lIns="51435" tIns="25718" rIns="51435" bIns="25718" numCol="1" spcCol="0" rtlCol="0" fromWordArt="0" anchor="ctr" anchorCtr="0" forceAA="0" compatLnSpc="1">
+            <a:prstTxWarp prst="textNoShape">
+              <a:avLst/>
+            </a:prstTxWarp>
+            <a:noAutofit/>
+          </a:bodyPr>
+          <a:lstStyle/>
+          <a:p>
+            <a:pPr algn="ctr"/>
+            <a:r>
+              <a:rPr lang="ko-KR" altLang="en-US" sz="1125" b="1" dirty="0">
+                <a:solidFill>
+                  <a:schemeClr val="tx1"/>
+                </a:solidFill>
+                <a:latin typeface="맑은 고딕" panose="020B0503020000020004" pitchFamily="50" charset="-127"/>
+                <a:ea typeface="맑은 고딕" panose="020B0503020000020004" pitchFamily="50" charset="-127"/>
+              </a:rPr>
+              <a:t>영화 티저</a:t>
+            </a:r>
+          </a:p>
+        </p:txBody>
+      </p:sp>
+      <p:grpSp>
+        <p:nvGrpSpPr>
+          <p:cNvPr id="10" name="그룹 9">
+            <a:extLst>
+              <a:ext uri="{FF2B5EF4-FFF2-40B4-BE49-F238E27FC236}">
+                <a16:creationId xmlns:a16="http://schemas.microsoft.com/office/drawing/2014/main" id="{E8486CE3-5CAF-4F80-F37C-6E5411AA0857}"/>
+              </a:ext>
+            </a:extLst>
+          </p:cNvPr>
+          <p:cNvGrpSpPr/>
+          <p:nvPr/>
+        </p:nvGrpSpPr>
+        <p:grpSpPr>
+          <a:xfrm>
+            <a:off x="3504577" y="5133974"/>
+            <a:ext cx="943490" cy="645197"/>
+            <a:chOff x="2011438" y="4562638"/>
+            <a:chExt cx="943490" cy="645197"/>
+          </a:xfrm>
+          <a:solidFill>
+            <a:schemeClr val="accent2">
+              <a:lumMod val="60000"/>
+              <a:lumOff val="40000"/>
+            </a:schemeClr>
+          </a:solidFill>
+        </p:grpSpPr>
+        <p:sp>
+          <p:nvSpPr>
+            <p:cNvPr id="12" name="모서리가 둥근 직사각형 98">
+              <a:extLst>
+                <a:ext uri="{FF2B5EF4-FFF2-40B4-BE49-F238E27FC236}">
+                  <a16:creationId xmlns:a16="http://schemas.microsoft.com/office/drawing/2014/main" id="{A652E1CA-E73D-BE71-5CB9-54F6397A120D}"/>
+                </a:ext>
+              </a:extLst>
+            </p:cNvPr>
+            <p:cNvSpPr/>
+            <p:nvPr/>
+          </p:nvSpPr>
+          <p:spPr>
+            <a:xfrm>
+              <a:off x="2123514" y="4686440"/>
+              <a:ext cx="831414" cy="521395"/>
+            </a:xfrm>
+            <a:prstGeom prst="roundRect">
+              <a:avLst/>
+            </a:prstGeom>
+            <a:grpFill/>
+            <a:ln w="38100">
+              <a:solidFill>
+                <a:schemeClr val="accent2">
+                  <a:lumMod val="50000"/>
+                </a:schemeClr>
+              </a:solidFill>
+            </a:ln>
+          </p:spPr>
+          <p:style>
+            <a:lnRef idx="2">
+              <a:schemeClr val="accent1">
+                <a:shade val="50000"/>
+              </a:schemeClr>
+            </a:lnRef>
+            <a:fillRef idx="1">
+              <a:schemeClr val="accent1"/>
+            </a:fillRef>
+            <a:effectRef idx="0">
+              <a:schemeClr val="accent1"/>
+            </a:effectRef>
+            <a:fontRef idx="minor">
+              <a:schemeClr val="lt1"/>
+            </a:fontRef>
+          </p:style>
+          <p:txBody>
+            <a:bodyPr rot="0" spcFirstLastPara="0" vertOverflow="overflow" horzOverflow="overflow" vert="horz" wrap="square" lIns="51435" tIns="25718" rIns="51435" bIns="25718" numCol="1" spcCol="0" rtlCol="0" fromWordArt="0" anchor="ctr" anchorCtr="0" forceAA="0" compatLnSpc="1">
+              <a:prstTxWarp prst="textNoShape">
+                <a:avLst/>
+              </a:prstTxWarp>
+              <a:noAutofit/>
+            </a:bodyPr>
+            <a:lstStyle/>
+            <a:p>
+              <a:pPr algn="ctr"/>
+              <a:endParaRPr lang="ko-KR" altLang="en-US" sz="1125" b="1" dirty="0">
+                <a:solidFill>
+                  <a:schemeClr val="tx1"/>
+                </a:solidFill>
+                <a:latin typeface="맑은 고딕" panose="020B0503020000020004" pitchFamily="50" charset="-127"/>
+                <a:ea typeface="맑은 고딕" panose="020B0503020000020004" pitchFamily="50" charset="-127"/>
+              </a:endParaRPr>
+            </a:p>
+          </p:txBody>
+        </p:sp>
+        <p:sp>
+          <p:nvSpPr>
+            <p:cNvPr id="14" name="모서리가 둥근 직사각형 97">
+              <a:extLst>
+                <a:ext uri="{FF2B5EF4-FFF2-40B4-BE49-F238E27FC236}">
+                  <a16:creationId xmlns:a16="http://schemas.microsoft.com/office/drawing/2014/main" id="{3A25DF1E-1F41-5142-E787-AFB2F2081EBA}"/>
+                </a:ext>
+              </a:extLst>
+            </p:cNvPr>
+            <p:cNvSpPr/>
+            <p:nvPr/>
+          </p:nvSpPr>
+          <p:spPr>
+            <a:xfrm>
+              <a:off x="2067476" y="4622068"/>
+              <a:ext cx="831414" cy="521395"/>
+            </a:xfrm>
+            <a:prstGeom prst="roundRect">
+              <a:avLst/>
+            </a:prstGeom>
+            <a:grpFill/>
+            <a:ln w="38100">
+              <a:solidFill>
+                <a:schemeClr val="accent2">
+                  <a:lumMod val="50000"/>
+                </a:schemeClr>
+              </a:solidFill>
+            </a:ln>
+          </p:spPr>
+          <p:style>
+            <a:lnRef idx="2">
+              <a:schemeClr val="accent1">
+                <a:shade val="50000"/>
+              </a:schemeClr>
+            </a:lnRef>
+            <a:fillRef idx="1">
+              <a:schemeClr val="accent1"/>
+            </a:fillRef>
+            <a:effectRef idx="0">
+              <a:schemeClr val="accent1"/>
+            </a:effectRef>
+            <a:fontRef idx="minor">
+              <a:schemeClr val="lt1"/>
+            </a:fontRef>
+          </p:style>
+          <p:txBody>
+            <a:bodyPr rot="0" spcFirstLastPara="0" vertOverflow="overflow" horzOverflow="overflow" vert="horz" wrap="square" lIns="51435" tIns="25718" rIns="51435" bIns="25718" numCol="1" spcCol="0" rtlCol="0" fromWordArt="0" anchor="ctr" anchorCtr="0" forceAA="0" compatLnSpc="1">
+              <a:prstTxWarp prst="textNoShape">
+                <a:avLst/>
+              </a:prstTxWarp>
+              <a:noAutofit/>
+            </a:bodyPr>
+            <a:lstStyle/>
+            <a:p>
+              <a:pPr algn="ctr"/>
+              <a:endParaRPr lang="ko-KR" altLang="en-US" sz="1125" b="1" dirty="0">
+                <a:solidFill>
+                  <a:schemeClr val="tx1"/>
+                </a:solidFill>
+                <a:latin typeface="맑은 고딕" panose="020B0503020000020004" pitchFamily="50" charset="-127"/>
+                <a:ea typeface="맑은 고딕" panose="020B0503020000020004" pitchFamily="50" charset="-127"/>
+              </a:endParaRPr>
+            </a:p>
+          </p:txBody>
+        </p:sp>
+        <p:sp>
+          <p:nvSpPr>
+            <p:cNvPr id="17" name="모서리가 둥근 직사각형 89">
+              <a:extLst>
+                <a:ext uri="{FF2B5EF4-FFF2-40B4-BE49-F238E27FC236}">
+                  <a16:creationId xmlns:a16="http://schemas.microsoft.com/office/drawing/2014/main" id="{11863E7D-FBE3-7EDB-B2D6-824C3289EB59}"/>
+                </a:ext>
+              </a:extLst>
+            </p:cNvPr>
+            <p:cNvSpPr/>
+            <p:nvPr/>
+          </p:nvSpPr>
+          <p:spPr>
+            <a:xfrm>
+              <a:off x="2011438" y="4562638"/>
+              <a:ext cx="831414" cy="521395"/>
+            </a:xfrm>
+            <a:prstGeom prst="roundRect">
+              <a:avLst/>
+            </a:prstGeom>
+            <a:solidFill>
+              <a:srgbClr val="C7A1E3"/>
+            </a:solidFill>
+            <a:ln w="38100">
+              <a:solidFill>
+                <a:srgbClr val="7030A0"/>
+              </a:solidFill>
+            </a:ln>
+          </p:spPr>
+          <p:style>
+            <a:lnRef idx="2">
+              <a:schemeClr val="accent1">
+                <a:shade val="50000"/>
+              </a:schemeClr>
+            </a:lnRef>
+            <a:fillRef idx="1">
+              <a:schemeClr val="accent1"/>
+            </a:fillRef>
+            <a:effectRef idx="0">
+              <a:schemeClr val="accent1"/>
+            </a:effectRef>
+            <a:fontRef idx="minor">
+              <a:schemeClr val="lt1"/>
+            </a:fontRef>
+          </p:style>
+          <p:txBody>
+            <a:bodyPr rot="0" spcFirstLastPara="0" vertOverflow="overflow" horzOverflow="overflow" vert="horz" wrap="square" lIns="51435" tIns="25718" rIns="51435" bIns="25718" numCol="1" spcCol="0" rtlCol="0" fromWordArt="0" anchor="ctr" anchorCtr="0" forceAA="0" compatLnSpc="1">
+              <a:prstTxWarp prst="textNoShape">
+                <a:avLst/>
+              </a:prstTxWarp>
+              <a:noAutofit/>
+            </a:bodyPr>
+            <a:lstStyle/>
+            <a:p>
+              <a:pPr algn="ctr"/>
+              <a:r>
+                <a:rPr lang="ko-KR" altLang="en-US" sz="1125" b="1" dirty="0">
+                  <a:solidFill>
+                    <a:schemeClr val="tx1"/>
+                  </a:solidFill>
+                  <a:latin typeface="맑은 고딕" panose="020B0503020000020004" pitchFamily="50" charset="-127"/>
+                  <a:ea typeface="맑은 고딕" panose="020B0503020000020004" pitchFamily="50" charset="-127"/>
+                </a:rPr>
+                <a:t>추천 영화</a:t>
+              </a:r>
+            </a:p>
+          </p:txBody>
+        </p:sp>
+      </p:grpSp>
+      <p:cxnSp>
+        <p:nvCxnSpPr>
+          <p:cNvPr id="19" name="꺾인 연결선 94">
+            <a:extLst>
+              <a:ext uri="{FF2B5EF4-FFF2-40B4-BE49-F238E27FC236}">
+                <a16:creationId xmlns:a16="http://schemas.microsoft.com/office/drawing/2014/main" id="{B5754C8D-AC34-DD23-FD4D-31337F2341F0}"/>
+              </a:ext>
+            </a:extLst>
+          </p:cNvPr>
+          <p:cNvCxnSpPr>
+            <a:cxnSpLocks/>
+            <a:stCxn id="11" idx="2"/>
+            <a:endCxn id="9" idx="0"/>
+          </p:cNvCxnSpPr>
+          <p:nvPr/>
+        </p:nvCxnSpPr>
+        <p:spPr>
+          <a:xfrm rot="5400000">
+            <a:off x="3278581" y="3269305"/>
+            <a:ext cx="297952" cy="273197"/>
+          </a:xfrm>
+          <a:prstGeom prst="bentConnector3">
+            <a:avLst>
+              <a:gd name="adj1" fmla="val 50000"/>
+            </a:avLst>
+          </a:prstGeom>
+          <a:ln w="38100">
+            <a:solidFill>
+              <a:schemeClr val="accent3">
+                <a:lumMod val="50000"/>
+              </a:schemeClr>
+            </a:solidFill>
+          </a:ln>
+        </p:spPr>
+        <p:style>
+          <a:lnRef idx="1">
+            <a:schemeClr val="accent1"/>
+          </a:lnRef>
+          <a:fillRef idx="0">
+            <a:schemeClr val="accent1"/>
+          </a:fillRef>
+          <a:effectRef idx="0">
+            <a:schemeClr val="accent1"/>
+          </a:effectRef>
+          <a:fontRef idx="minor">
+            <a:schemeClr val="tx1"/>
+          </a:fontRef>
+        </p:style>
+      </p:cxnSp>
+      <p:grpSp>
+        <p:nvGrpSpPr>
+          <p:cNvPr id="23" name="그룹 22">
+            <a:extLst>
+              <a:ext uri="{FF2B5EF4-FFF2-40B4-BE49-F238E27FC236}">
+                <a16:creationId xmlns:a16="http://schemas.microsoft.com/office/drawing/2014/main" id="{9A3BBEFC-952A-7670-8A54-84B7C6144EAA}"/>
+              </a:ext>
+            </a:extLst>
+          </p:cNvPr>
+          <p:cNvGrpSpPr/>
+          <p:nvPr/>
+        </p:nvGrpSpPr>
+        <p:grpSpPr>
+          <a:xfrm>
+            <a:off x="2314873" y="5147379"/>
+            <a:ext cx="943490" cy="645197"/>
+            <a:chOff x="2011438" y="4562638"/>
+            <a:chExt cx="943490" cy="645197"/>
+          </a:xfrm>
+          <a:solidFill>
+            <a:schemeClr val="accent2">
+              <a:lumMod val="60000"/>
+              <a:lumOff val="40000"/>
+            </a:schemeClr>
+          </a:solidFill>
+        </p:grpSpPr>
+        <p:sp>
+          <p:nvSpPr>
+            <p:cNvPr id="24" name="모서리가 둥근 직사각형 98">
+              <a:extLst>
+                <a:ext uri="{FF2B5EF4-FFF2-40B4-BE49-F238E27FC236}">
+                  <a16:creationId xmlns:a16="http://schemas.microsoft.com/office/drawing/2014/main" id="{AED8BE8A-B916-4392-9E4E-72D641305791}"/>
+                </a:ext>
+              </a:extLst>
+            </p:cNvPr>
+            <p:cNvSpPr/>
+            <p:nvPr/>
+          </p:nvSpPr>
+          <p:spPr>
+            <a:xfrm>
+              <a:off x="2123514" y="4686440"/>
+              <a:ext cx="831414" cy="521395"/>
+            </a:xfrm>
+            <a:prstGeom prst="roundRect">
+              <a:avLst/>
+            </a:prstGeom>
+            <a:grpFill/>
+            <a:ln w="38100">
+              <a:solidFill>
+                <a:schemeClr val="accent2">
+                  <a:lumMod val="50000"/>
+                </a:schemeClr>
+              </a:solidFill>
+            </a:ln>
+          </p:spPr>
+          <p:style>
+            <a:lnRef idx="2">
+              <a:schemeClr val="accent1">
+                <a:shade val="50000"/>
+              </a:schemeClr>
+            </a:lnRef>
+            <a:fillRef idx="1">
+              <a:schemeClr val="accent1"/>
+            </a:fillRef>
+            <a:effectRef idx="0">
+              <a:schemeClr val="accent1"/>
+            </a:effectRef>
+            <a:fontRef idx="minor">
+              <a:schemeClr val="lt1"/>
+            </a:fontRef>
+          </p:style>
+          <p:txBody>
+            <a:bodyPr rot="0" spcFirstLastPara="0" vertOverflow="overflow" horzOverflow="overflow" vert="horz" wrap="square" lIns="51435" tIns="25718" rIns="51435" bIns="25718" numCol="1" spcCol="0" rtlCol="0" fromWordArt="0" anchor="ctr" anchorCtr="0" forceAA="0" compatLnSpc="1">
+              <a:prstTxWarp prst="textNoShape">
+                <a:avLst/>
+              </a:prstTxWarp>
+              <a:noAutofit/>
+            </a:bodyPr>
+            <a:lstStyle/>
+            <a:p>
+              <a:pPr algn="ctr"/>
+              <a:endParaRPr lang="ko-KR" altLang="en-US" sz="1125" b="1" dirty="0">
+                <a:solidFill>
+                  <a:schemeClr val="tx1"/>
+                </a:solidFill>
+                <a:latin typeface="맑은 고딕" panose="020B0503020000020004" pitchFamily="50" charset="-127"/>
+                <a:ea typeface="맑은 고딕" panose="020B0503020000020004" pitchFamily="50" charset="-127"/>
+              </a:endParaRPr>
+            </a:p>
+          </p:txBody>
+        </p:sp>
+        <p:sp>
+          <p:nvSpPr>
+            <p:cNvPr id="27" name="모서리가 둥근 직사각형 97">
+              <a:extLst>
+                <a:ext uri="{FF2B5EF4-FFF2-40B4-BE49-F238E27FC236}">
+                  <a16:creationId xmlns:a16="http://schemas.microsoft.com/office/drawing/2014/main" id="{38DAC6A2-C474-FB13-734D-F208F17E24A8}"/>
+                </a:ext>
+              </a:extLst>
+            </p:cNvPr>
+            <p:cNvSpPr/>
+            <p:nvPr/>
+          </p:nvSpPr>
+          <p:spPr>
+            <a:xfrm>
+              <a:off x="2067476" y="4622068"/>
+              <a:ext cx="831414" cy="521395"/>
+            </a:xfrm>
+            <a:prstGeom prst="roundRect">
+              <a:avLst/>
+            </a:prstGeom>
+            <a:grpFill/>
+            <a:ln w="38100">
+              <a:solidFill>
+                <a:schemeClr val="accent2">
+                  <a:lumMod val="50000"/>
+                </a:schemeClr>
+              </a:solidFill>
+            </a:ln>
+          </p:spPr>
+          <p:style>
+            <a:lnRef idx="2">
+              <a:schemeClr val="accent1">
+                <a:shade val="50000"/>
+              </a:schemeClr>
+            </a:lnRef>
+            <a:fillRef idx="1">
+              <a:schemeClr val="accent1"/>
+            </a:fillRef>
+            <a:effectRef idx="0">
+              <a:schemeClr val="accent1"/>
+            </a:effectRef>
+            <a:fontRef idx="minor">
+              <a:schemeClr val="lt1"/>
+            </a:fontRef>
+          </p:style>
+          <p:txBody>
+            <a:bodyPr rot="0" spcFirstLastPara="0" vertOverflow="overflow" horzOverflow="overflow" vert="horz" wrap="square" lIns="51435" tIns="25718" rIns="51435" bIns="25718" numCol="1" spcCol="0" rtlCol="0" fromWordArt="0" anchor="ctr" anchorCtr="0" forceAA="0" compatLnSpc="1">
+              <a:prstTxWarp prst="textNoShape">
+                <a:avLst/>
+              </a:prstTxWarp>
+              <a:noAutofit/>
+            </a:bodyPr>
+            <a:lstStyle/>
+            <a:p>
+              <a:pPr algn="ctr"/>
+              <a:endParaRPr lang="ko-KR" altLang="en-US" sz="1125" b="1" dirty="0">
+                <a:solidFill>
+                  <a:schemeClr val="tx1"/>
+                </a:solidFill>
+                <a:latin typeface="맑은 고딕" panose="020B0503020000020004" pitchFamily="50" charset="-127"/>
+                <a:ea typeface="맑은 고딕" panose="020B0503020000020004" pitchFamily="50" charset="-127"/>
+              </a:endParaRPr>
+            </a:p>
+          </p:txBody>
+        </p:sp>
+        <p:sp>
+          <p:nvSpPr>
+            <p:cNvPr id="28" name="모서리가 둥근 직사각형 89">
+              <a:extLst>
+                <a:ext uri="{FF2B5EF4-FFF2-40B4-BE49-F238E27FC236}">
+                  <a16:creationId xmlns:a16="http://schemas.microsoft.com/office/drawing/2014/main" id="{048EA639-0552-1658-C685-89ACCA06EA75}"/>
+                </a:ext>
+              </a:extLst>
+            </p:cNvPr>
+            <p:cNvSpPr/>
+            <p:nvPr/>
+          </p:nvSpPr>
+          <p:spPr>
+            <a:xfrm>
+              <a:off x="2011438" y="4562638"/>
+              <a:ext cx="831414" cy="521395"/>
+            </a:xfrm>
+            <a:prstGeom prst="roundRect">
+              <a:avLst/>
+            </a:prstGeom>
+            <a:solidFill>
+              <a:schemeClr val="accent1">
+                <a:lumMod val="60000"/>
+                <a:lumOff val="40000"/>
+              </a:schemeClr>
+            </a:solidFill>
+            <a:ln w="38100">
+              <a:solidFill>
+                <a:schemeClr val="accent1">
+                  <a:lumMod val="50000"/>
+                </a:schemeClr>
+              </a:solidFill>
+            </a:ln>
+          </p:spPr>
+          <p:style>
+            <a:lnRef idx="2">
+              <a:schemeClr val="accent1">
+                <a:shade val="50000"/>
+              </a:schemeClr>
+            </a:lnRef>
+            <a:fillRef idx="1">
+              <a:schemeClr val="accent1"/>
+            </a:fillRef>
+            <a:effectRef idx="0">
+              <a:schemeClr val="accent1"/>
+            </a:effectRef>
+            <a:fontRef idx="minor">
+              <a:schemeClr val="lt1"/>
+            </a:fontRef>
+          </p:style>
+          <p:txBody>
+            <a:bodyPr rot="0" spcFirstLastPara="0" vertOverflow="overflow" horzOverflow="overflow" vert="horz" wrap="square" lIns="51435" tIns="25718" rIns="51435" bIns="25718" numCol="1" spcCol="0" rtlCol="0" fromWordArt="0" anchor="ctr" anchorCtr="0" forceAA="0" compatLnSpc="1">
+              <a:prstTxWarp prst="textNoShape">
+                <a:avLst/>
+              </a:prstTxWarp>
+              <a:noAutofit/>
+            </a:bodyPr>
+            <a:lstStyle/>
+            <a:p>
+              <a:pPr algn="ctr"/>
+              <a:r>
+                <a:rPr lang="ko-KR" altLang="en-US" sz="1125" b="1" dirty="0">
+                  <a:solidFill>
+                    <a:schemeClr val="tx1"/>
+                  </a:solidFill>
+                  <a:latin typeface="맑은 고딕" panose="020B0503020000020004" pitchFamily="50" charset="-127"/>
+                  <a:ea typeface="맑은 고딕" panose="020B0503020000020004" pitchFamily="50" charset="-127"/>
+                </a:rPr>
+                <a:t>찜 한영화</a:t>
+              </a:r>
+            </a:p>
+          </p:txBody>
+        </p:sp>
+      </p:grpSp>
+      <p:cxnSp>
+        <p:nvCxnSpPr>
+          <p:cNvPr id="29" name="꺾인 연결선 90">
+            <a:extLst>
+              <a:ext uri="{FF2B5EF4-FFF2-40B4-BE49-F238E27FC236}">
+                <a16:creationId xmlns:a16="http://schemas.microsoft.com/office/drawing/2014/main" id="{C10A2939-A4F8-E407-48BF-B641D1A6CC05}"/>
+              </a:ext>
+            </a:extLst>
+          </p:cNvPr>
+          <p:cNvCxnSpPr>
+            <a:cxnSpLocks/>
+            <a:stCxn id="249" idx="2"/>
+            <a:endCxn id="28" idx="0"/>
+          </p:cNvCxnSpPr>
+          <p:nvPr/>
+        </p:nvCxnSpPr>
+        <p:spPr>
+          <a:xfrm rot="5400000">
+            <a:off x="3173982" y="4384289"/>
+            <a:ext cx="319688" cy="1206492"/>
+          </a:xfrm>
+          <a:prstGeom prst="bentConnector3">
+            <a:avLst>
+              <a:gd name="adj1" fmla="val 50000"/>
+            </a:avLst>
+          </a:prstGeom>
+          <a:ln w="38100">
+            <a:solidFill>
+              <a:schemeClr val="accent3">
+                <a:lumMod val="50000"/>
+              </a:schemeClr>
+            </a:solidFill>
+          </a:ln>
+        </p:spPr>
+        <p:style>
+          <a:lnRef idx="1">
+            <a:schemeClr val="accent1"/>
+          </a:lnRef>
+          <a:fillRef idx="0">
+            <a:schemeClr val="accent1"/>
+          </a:fillRef>
+          <a:effectRef idx="0">
+            <a:schemeClr val="accent1"/>
+          </a:effectRef>
+          <a:fontRef idx="minor">
+            <a:schemeClr val="tx1"/>
+          </a:fontRef>
+        </p:style>
+      </p:cxnSp>
+      <p:sp>
+        <p:nvSpPr>
+          <p:cNvPr id="58" name="모서리가 둥근 직사각형 72">
+            <a:extLst>
+              <a:ext uri="{FF2B5EF4-FFF2-40B4-BE49-F238E27FC236}">
+                <a16:creationId xmlns:a16="http://schemas.microsoft.com/office/drawing/2014/main" id="{DC918EDA-E1C1-5A28-2C91-1F8E45230C20}"/>
+              </a:ext>
+            </a:extLst>
+          </p:cNvPr>
+          <p:cNvSpPr/>
+          <p:nvPr/>
+        </p:nvSpPr>
+        <p:spPr>
+          <a:xfrm>
+            <a:off x="4986368" y="3528037"/>
+            <a:ext cx="831414" cy="521395"/>
+          </a:xfrm>
+          <a:prstGeom prst="roundRect">
+            <a:avLst/>
+          </a:prstGeom>
+          <a:solidFill>
             <a:schemeClr val="accent6">
-              <a:lumMod val="40000"/>
-              <a:lumOff val="60000"/>
+              <a:lumMod val="20000"/>
+              <a:lumOff val="80000"/>
+            </a:schemeClr>
+          </a:solidFill>
+          <a:ln w="38100">
+            <a:solidFill>
+              <a:schemeClr val="accent6">
+                <a:lumMod val="50000"/>
+              </a:schemeClr>
+            </a:solidFill>
+          </a:ln>
+        </p:spPr>
+        <p:style>
+          <a:lnRef idx="2">
+            <a:schemeClr val="accent1">
+              <a:shade val="50000"/>
+            </a:schemeClr>
+          </a:lnRef>
+          <a:fillRef idx="1">
+            <a:schemeClr val="accent1"/>
+          </a:fillRef>
+          <a:effectRef idx="0">
+            <a:schemeClr val="accent1"/>
+          </a:effectRef>
+          <a:fontRef idx="minor">
+            <a:schemeClr val="lt1"/>
+          </a:fontRef>
+        </p:style>
+        <p:txBody>
+          <a:bodyPr rot="0" spcFirstLastPara="0" vertOverflow="overflow" horzOverflow="overflow" vert="horz" wrap="square" lIns="51435" tIns="25718" rIns="51435" bIns="25718" numCol="1" spcCol="0" rtlCol="0" fromWordArt="0" anchor="ctr" anchorCtr="0" forceAA="0" compatLnSpc="1">
+            <a:prstTxWarp prst="textNoShape">
+              <a:avLst/>
+            </a:prstTxWarp>
+            <a:noAutofit/>
+          </a:bodyPr>
+          <a:lstStyle/>
+          <a:p>
+            <a:pPr algn="ctr"/>
+            <a:r>
+              <a:rPr lang="en-US" altLang="ko-KR" sz="1125" b="1" dirty="0">
+                <a:solidFill>
+                  <a:schemeClr val="tx1"/>
+                </a:solidFill>
+                <a:latin typeface="맑은 고딕" panose="020B0503020000020004" pitchFamily="50" charset="-127"/>
+                <a:ea typeface="맑은 고딕" panose="020B0503020000020004" pitchFamily="50" charset="-127"/>
+              </a:rPr>
+              <a:t>Modal</a:t>
+            </a:r>
+            <a:br>
+              <a:rPr lang="en-US" altLang="ko-KR" sz="1125" b="1" dirty="0">
+                <a:solidFill>
+                  <a:schemeClr val="tx1"/>
+                </a:solidFill>
+                <a:latin typeface="맑은 고딕" panose="020B0503020000020004" pitchFamily="50" charset="-127"/>
+                <a:ea typeface="맑은 고딕" panose="020B0503020000020004" pitchFamily="50" charset="-127"/>
+              </a:rPr>
+            </a:br>
+            <a:r>
+              <a:rPr lang="en-US" altLang="ko-KR" sz="1125" b="1" dirty="0">
+                <a:solidFill>
+                  <a:schemeClr val="tx1"/>
+                </a:solidFill>
+                <a:latin typeface="맑은 고딕" panose="020B0503020000020004" pitchFamily="50" charset="-127"/>
+                <a:ea typeface="맑은 고딕" panose="020B0503020000020004" pitchFamily="50" charset="-127"/>
+              </a:rPr>
+              <a:t>Butten</a:t>
+            </a:r>
+            <a:endParaRPr lang="ko-KR" altLang="en-US" sz="1125" b="1" dirty="0">
+              <a:solidFill>
+                <a:schemeClr val="tx1"/>
+              </a:solidFill>
+              <a:latin typeface="맑은 고딕" panose="020B0503020000020004" pitchFamily="50" charset="-127"/>
+              <a:ea typeface="맑은 고딕" panose="020B0503020000020004" pitchFamily="50" charset="-127"/>
+            </a:endParaRPr>
+          </a:p>
+        </p:txBody>
+      </p:sp>
+      <p:sp>
+        <p:nvSpPr>
+          <p:cNvPr id="59" name="모서리가 둥근 직사각형 73">
+            <a:extLst>
+              <a:ext uri="{FF2B5EF4-FFF2-40B4-BE49-F238E27FC236}">
+                <a16:creationId xmlns:a16="http://schemas.microsoft.com/office/drawing/2014/main" id="{29016AC9-F133-3899-8859-52AD3A0CC6EB}"/>
+              </a:ext>
+            </a:extLst>
+          </p:cNvPr>
+          <p:cNvSpPr/>
+          <p:nvPr/>
+        </p:nvSpPr>
+        <p:spPr>
+          <a:xfrm>
+            <a:off x="6091014" y="2813036"/>
+            <a:ext cx="831414" cy="521395"/>
+          </a:xfrm>
+          <a:prstGeom prst="roundRect">
+            <a:avLst/>
+          </a:prstGeom>
+          <a:solidFill>
+            <a:schemeClr val="accent6">
+              <a:lumMod val="20000"/>
+              <a:lumOff val="80000"/>
+            </a:schemeClr>
+          </a:solidFill>
+          <a:ln w="38100">
+            <a:solidFill>
+              <a:schemeClr val="accent6">
+                <a:lumMod val="50000"/>
+              </a:schemeClr>
+            </a:solidFill>
+          </a:ln>
+        </p:spPr>
+        <p:style>
+          <a:lnRef idx="2">
+            <a:schemeClr val="accent1">
+              <a:shade val="50000"/>
+            </a:schemeClr>
+          </a:lnRef>
+          <a:fillRef idx="1">
+            <a:schemeClr val="accent1"/>
+          </a:fillRef>
+          <a:effectRef idx="0">
+            <a:schemeClr val="accent1"/>
+          </a:effectRef>
+          <a:fontRef idx="minor">
+            <a:schemeClr val="lt1"/>
+          </a:fontRef>
+        </p:style>
+        <p:txBody>
+          <a:bodyPr rot="0" spcFirstLastPara="0" vertOverflow="overflow" horzOverflow="overflow" vert="horz" wrap="square" lIns="51435" tIns="25718" rIns="51435" bIns="25718" numCol="1" spcCol="0" rtlCol="0" fromWordArt="0" anchor="ctr" anchorCtr="0" forceAA="0" compatLnSpc="1">
+            <a:prstTxWarp prst="textNoShape">
+              <a:avLst/>
+            </a:prstTxWarp>
+            <a:noAutofit/>
+          </a:bodyPr>
+          <a:lstStyle/>
+          <a:p>
+            <a:pPr algn="ctr"/>
+            <a:r>
+              <a:rPr lang="en-US" altLang="ko-KR" sz="1125" b="1" dirty="0">
+                <a:solidFill>
+                  <a:schemeClr val="tx1"/>
+                </a:solidFill>
+                <a:latin typeface="맑은 고딕" panose="020B0503020000020004" pitchFamily="50" charset="-127"/>
+                <a:ea typeface="맑은 고딕" panose="020B0503020000020004" pitchFamily="50" charset="-127"/>
+              </a:rPr>
+              <a:t>Modal</a:t>
+            </a:r>
+            <a:br>
+              <a:rPr lang="en-US" altLang="ko-KR" sz="1125" b="1" dirty="0">
+                <a:solidFill>
+                  <a:schemeClr val="tx1"/>
+                </a:solidFill>
+                <a:latin typeface="맑은 고딕" panose="020B0503020000020004" pitchFamily="50" charset="-127"/>
+                <a:ea typeface="맑은 고딕" panose="020B0503020000020004" pitchFamily="50" charset="-127"/>
+              </a:rPr>
+            </a:br>
+            <a:r>
+              <a:rPr lang="en-US" altLang="ko-KR" sz="1125" b="1" dirty="0">
+                <a:solidFill>
+                  <a:schemeClr val="tx1"/>
+                </a:solidFill>
+                <a:latin typeface="맑은 고딕" panose="020B0503020000020004" pitchFamily="50" charset="-127"/>
+                <a:ea typeface="맑은 고딕" panose="020B0503020000020004" pitchFamily="50" charset="-127"/>
+              </a:rPr>
+              <a:t>Dialog</a:t>
+            </a:r>
+            <a:endParaRPr lang="ko-KR" altLang="en-US" sz="1125" b="1" dirty="0">
+              <a:solidFill>
+                <a:schemeClr val="tx1"/>
+              </a:solidFill>
+              <a:latin typeface="맑은 고딕" panose="020B0503020000020004" pitchFamily="50" charset="-127"/>
+              <a:ea typeface="맑은 고딕" panose="020B0503020000020004" pitchFamily="50" charset="-127"/>
+            </a:endParaRPr>
+          </a:p>
+        </p:txBody>
+      </p:sp>
+      <p:cxnSp>
+        <p:nvCxnSpPr>
+          <p:cNvPr id="85" name="직선 연결선 84">
+            <a:extLst>
+              <a:ext uri="{FF2B5EF4-FFF2-40B4-BE49-F238E27FC236}">
+                <a16:creationId xmlns:a16="http://schemas.microsoft.com/office/drawing/2014/main" id="{AC284198-FE70-5685-40D2-B6E3F32ECD31}"/>
+              </a:ext>
+            </a:extLst>
+          </p:cNvPr>
+          <p:cNvCxnSpPr>
+            <a:cxnSpLocks/>
+            <a:stCxn id="59" idx="1"/>
+            <a:endCxn id="13" idx="3"/>
+          </p:cNvCxnSpPr>
+          <p:nvPr/>
+        </p:nvCxnSpPr>
+        <p:spPr>
+          <a:xfrm flipH="1">
+            <a:off x="5670154" y="3073733"/>
+            <a:ext cx="420861" cy="0"/>
+          </a:xfrm>
+          <a:prstGeom prst="line">
+            <a:avLst/>
+          </a:prstGeom>
+          <a:ln w="38100">
+            <a:solidFill>
+              <a:schemeClr val="accent3">
+                <a:lumMod val="50000"/>
+              </a:schemeClr>
+            </a:solidFill>
+          </a:ln>
+        </p:spPr>
+        <p:style>
+          <a:lnRef idx="1">
+            <a:schemeClr val="accent1"/>
+          </a:lnRef>
+          <a:fillRef idx="0">
+            <a:schemeClr val="accent1"/>
+          </a:fillRef>
+          <a:effectRef idx="0">
+            <a:schemeClr val="accent1"/>
+          </a:effectRef>
+          <a:fontRef idx="minor">
+            <a:schemeClr val="tx1"/>
+          </a:fontRef>
+        </p:style>
+      </p:cxnSp>
+      <p:sp>
+        <p:nvSpPr>
+          <p:cNvPr id="96" name="모서리가 둥근 직사각형 72">
+            <a:extLst>
+              <a:ext uri="{FF2B5EF4-FFF2-40B4-BE49-F238E27FC236}">
+                <a16:creationId xmlns:a16="http://schemas.microsoft.com/office/drawing/2014/main" id="{E2574024-C81F-9F3B-1B09-58797527945D}"/>
+              </a:ext>
+            </a:extLst>
+          </p:cNvPr>
+          <p:cNvSpPr/>
+          <p:nvPr/>
+        </p:nvSpPr>
+        <p:spPr>
+          <a:xfrm>
+            <a:off x="6124055" y="4229257"/>
+            <a:ext cx="831414" cy="521395"/>
+          </a:xfrm>
+          <a:prstGeom prst="roundRect">
+            <a:avLst/>
+          </a:prstGeom>
+          <a:solidFill>
+            <a:schemeClr val="accent2">
+              <a:lumMod val="60000"/>
+              <a:lumOff val="40000"/>
+            </a:schemeClr>
+          </a:solidFill>
+          <a:ln w="38100">
+            <a:solidFill>
+              <a:schemeClr val="accent2">
+                <a:lumMod val="50000"/>
+              </a:schemeClr>
+            </a:solidFill>
+          </a:ln>
+        </p:spPr>
+        <p:style>
+          <a:lnRef idx="2">
+            <a:schemeClr val="accent1">
+              <a:shade val="50000"/>
+            </a:schemeClr>
+          </a:lnRef>
+          <a:fillRef idx="1">
+            <a:schemeClr val="accent1"/>
+          </a:fillRef>
+          <a:effectRef idx="0">
+            <a:schemeClr val="accent1"/>
+          </a:effectRef>
+          <a:fontRef idx="minor">
+            <a:schemeClr val="lt1"/>
+          </a:fontRef>
+        </p:style>
+        <p:txBody>
+          <a:bodyPr rot="0" spcFirstLastPara="0" vertOverflow="overflow" horzOverflow="overflow" vert="horz" wrap="square" lIns="51435" tIns="25718" rIns="51435" bIns="25718" numCol="1" spcCol="0" rtlCol="0" fromWordArt="0" anchor="ctr" anchorCtr="0" forceAA="0" compatLnSpc="1">
+            <a:prstTxWarp prst="textNoShape">
+              <a:avLst/>
+            </a:prstTxWarp>
+            <a:noAutofit/>
+          </a:bodyPr>
+          <a:lstStyle/>
+          <a:p>
+            <a:pPr algn="ctr"/>
+            <a:r>
+              <a:rPr lang="ko-KR" altLang="en-US" sz="1125" b="1">
+                <a:solidFill>
+                  <a:schemeClr val="tx1"/>
+                </a:solidFill>
+                <a:latin typeface="맑은 고딕" panose="020B0503020000020004" pitchFamily="50" charset="-127"/>
+                <a:ea typeface="맑은 고딕" panose="020B0503020000020004" pitchFamily="50" charset="-127"/>
+              </a:rPr>
+              <a:t>영화 상세</a:t>
+            </a:r>
+            <a:endParaRPr lang="ko-KR" altLang="en-US" sz="1125" b="1" dirty="0">
+              <a:solidFill>
+                <a:schemeClr val="tx1"/>
+              </a:solidFill>
+              <a:latin typeface="맑은 고딕" panose="020B0503020000020004" pitchFamily="50" charset="-127"/>
+              <a:ea typeface="맑은 고딕" panose="020B0503020000020004" pitchFamily="50" charset="-127"/>
+            </a:endParaRPr>
+          </a:p>
+        </p:txBody>
+      </p:sp>
+      <p:cxnSp>
+        <p:nvCxnSpPr>
+          <p:cNvPr id="97" name="직선 연결선 96">
+            <a:extLst>
+              <a:ext uri="{FF2B5EF4-FFF2-40B4-BE49-F238E27FC236}">
+                <a16:creationId xmlns:a16="http://schemas.microsoft.com/office/drawing/2014/main" id="{A3E79E61-3CEC-F191-8589-1D3A3CAE0334}"/>
+              </a:ext>
+            </a:extLst>
+          </p:cNvPr>
+          <p:cNvCxnSpPr>
+            <a:cxnSpLocks/>
+            <a:endCxn id="96" idx="0"/>
+          </p:cNvCxnSpPr>
+          <p:nvPr/>
+        </p:nvCxnSpPr>
+        <p:spPr>
+          <a:xfrm flipH="1">
+            <a:off x="6539763" y="3334430"/>
+            <a:ext cx="409" cy="894826"/>
+          </a:xfrm>
+          <a:prstGeom prst="line">
+            <a:avLst/>
+          </a:prstGeom>
+          <a:ln w="38100">
+            <a:solidFill>
+              <a:schemeClr val="accent3">
+                <a:lumMod val="50000"/>
+              </a:schemeClr>
+            </a:solidFill>
+          </a:ln>
+        </p:spPr>
+        <p:style>
+          <a:lnRef idx="1">
+            <a:schemeClr val="accent1"/>
+          </a:lnRef>
+          <a:fillRef idx="0">
+            <a:schemeClr val="accent1"/>
+          </a:fillRef>
+          <a:effectRef idx="0">
+            <a:schemeClr val="accent1"/>
+          </a:effectRef>
+          <a:fontRef idx="minor">
+            <a:schemeClr val="tx1"/>
+          </a:fontRef>
+        </p:style>
+      </p:cxnSp>
+      <p:sp>
+        <p:nvSpPr>
+          <p:cNvPr id="103" name="모서리가 둥근 직사각형 72">
+            <a:extLst>
+              <a:ext uri="{FF2B5EF4-FFF2-40B4-BE49-F238E27FC236}">
+                <a16:creationId xmlns:a16="http://schemas.microsoft.com/office/drawing/2014/main" id="{6D32FDEF-F3EA-5FF9-2E56-599691A67A39}"/>
+              </a:ext>
+            </a:extLst>
+          </p:cNvPr>
+          <p:cNvSpPr/>
+          <p:nvPr/>
+        </p:nvSpPr>
+        <p:spPr>
+          <a:xfrm>
+            <a:off x="4988479" y="4229257"/>
+            <a:ext cx="831414" cy="521395"/>
+          </a:xfrm>
+          <a:prstGeom prst="roundRect">
+            <a:avLst/>
+          </a:prstGeom>
+          <a:solidFill>
+            <a:schemeClr val="accent2">
+              <a:lumMod val="60000"/>
+              <a:lumOff val="40000"/>
+            </a:schemeClr>
+          </a:solidFill>
+          <a:ln w="38100">
+            <a:solidFill>
+              <a:schemeClr val="accent2">
+                <a:lumMod val="50000"/>
+              </a:schemeClr>
+            </a:solidFill>
+          </a:ln>
+        </p:spPr>
+        <p:style>
+          <a:lnRef idx="2">
+            <a:schemeClr val="accent1">
+              <a:shade val="50000"/>
+            </a:schemeClr>
+          </a:lnRef>
+          <a:fillRef idx="1">
+            <a:schemeClr val="accent1"/>
+          </a:fillRef>
+          <a:effectRef idx="0">
+            <a:schemeClr val="accent1"/>
+          </a:effectRef>
+          <a:fontRef idx="minor">
+            <a:schemeClr val="lt1"/>
+          </a:fontRef>
+        </p:style>
+        <p:txBody>
+          <a:bodyPr rot="0" spcFirstLastPara="0" vertOverflow="overflow" horzOverflow="overflow" vert="horz" wrap="square" lIns="51435" tIns="25718" rIns="51435" bIns="25718" numCol="1" spcCol="0" rtlCol="0" fromWordArt="0" anchor="ctr" anchorCtr="0" forceAA="0" compatLnSpc="1">
+            <a:prstTxWarp prst="textNoShape">
+              <a:avLst/>
+            </a:prstTxWarp>
+            <a:noAutofit/>
+          </a:bodyPr>
+          <a:lstStyle/>
+          <a:p>
+            <a:pPr algn="ctr"/>
+            <a:r>
+              <a:rPr lang="ko-KR" altLang="en-US" sz="1125" b="1" dirty="0">
+                <a:solidFill>
+                  <a:schemeClr val="tx1"/>
+                </a:solidFill>
+                <a:latin typeface="맑은 고딕" panose="020B0503020000020004" pitchFamily="50" charset="-127"/>
+                <a:ea typeface="맑은 고딕" panose="020B0503020000020004" pitchFamily="50" charset="-127"/>
+              </a:rPr>
+              <a:t>포스터</a:t>
+            </a:r>
+          </a:p>
+        </p:txBody>
+      </p:sp>
+      <p:cxnSp>
+        <p:nvCxnSpPr>
+          <p:cNvPr id="104" name="직선 연결선 103">
+            <a:extLst>
+              <a:ext uri="{FF2B5EF4-FFF2-40B4-BE49-F238E27FC236}">
+                <a16:creationId xmlns:a16="http://schemas.microsoft.com/office/drawing/2014/main" id="{A00437F7-0F3B-BACC-FA6E-F0AD1FB6C386}"/>
+              </a:ext>
+            </a:extLst>
+          </p:cNvPr>
+          <p:cNvCxnSpPr>
+            <a:cxnSpLocks/>
+            <a:stCxn id="58" idx="2"/>
+            <a:endCxn id="103" idx="0"/>
+          </p:cNvCxnSpPr>
+          <p:nvPr/>
+        </p:nvCxnSpPr>
+        <p:spPr>
+          <a:xfrm>
+            <a:off x="5402076" y="4049432"/>
+            <a:ext cx="2111" cy="179825"/>
+          </a:xfrm>
+          <a:prstGeom prst="line">
+            <a:avLst/>
+          </a:prstGeom>
+          <a:ln w="38100">
+            <a:solidFill>
+              <a:schemeClr val="accent3">
+                <a:lumMod val="50000"/>
+              </a:schemeClr>
+            </a:solidFill>
+          </a:ln>
+        </p:spPr>
+        <p:style>
+          <a:lnRef idx="1">
+            <a:schemeClr val="accent1"/>
+          </a:lnRef>
+          <a:fillRef idx="0">
+            <a:schemeClr val="accent1"/>
+          </a:fillRef>
+          <a:effectRef idx="0">
+            <a:schemeClr val="accent1"/>
+          </a:effectRef>
+          <a:fontRef idx="minor">
+            <a:schemeClr val="tx1"/>
+          </a:fontRef>
+        </p:style>
+      </p:cxnSp>
+      <p:sp>
+        <p:nvSpPr>
+          <p:cNvPr id="140" name="모서리가 둥근 직사각형 73">
+            <a:extLst>
+              <a:ext uri="{FF2B5EF4-FFF2-40B4-BE49-F238E27FC236}">
+                <a16:creationId xmlns:a16="http://schemas.microsoft.com/office/drawing/2014/main" id="{39042D27-13B4-7C0D-D43D-C6A6A447BEB3}"/>
+              </a:ext>
+            </a:extLst>
+          </p:cNvPr>
+          <p:cNvSpPr/>
+          <p:nvPr/>
+        </p:nvSpPr>
+        <p:spPr>
+          <a:xfrm>
+            <a:off x="13147412" y="3622600"/>
+            <a:ext cx="831414" cy="521395"/>
+          </a:xfrm>
+          <a:prstGeom prst="roundRect">
+            <a:avLst/>
+          </a:prstGeom>
+          <a:solidFill>
+            <a:schemeClr val="accent6">
+              <a:lumMod val="20000"/>
+              <a:lumOff val="80000"/>
+            </a:schemeClr>
+          </a:solidFill>
+          <a:ln w="38100">
+            <a:solidFill>
+              <a:schemeClr val="accent6">
+                <a:lumMod val="50000"/>
+              </a:schemeClr>
+            </a:solidFill>
+          </a:ln>
+        </p:spPr>
+        <p:style>
+          <a:lnRef idx="2">
+            <a:schemeClr val="accent1">
+              <a:shade val="50000"/>
+            </a:schemeClr>
+          </a:lnRef>
+          <a:fillRef idx="1">
+            <a:schemeClr val="accent1"/>
+          </a:fillRef>
+          <a:effectRef idx="0">
+            <a:schemeClr val="accent1"/>
+          </a:effectRef>
+          <a:fontRef idx="minor">
+            <a:schemeClr val="lt1"/>
+          </a:fontRef>
+        </p:style>
+        <p:txBody>
+          <a:bodyPr rot="0" spcFirstLastPara="0" vertOverflow="overflow" horzOverflow="overflow" vert="horz" wrap="square" lIns="51435" tIns="25718" rIns="51435" bIns="25718" numCol="1" spcCol="0" rtlCol="0" fromWordArt="0" anchor="ctr" anchorCtr="0" forceAA="0" compatLnSpc="1">
+            <a:prstTxWarp prst="textNoShape">
+              <a:avLst/>
+            </a:prstTxWarp>
+            <a:noAutofit/>
+          </a:bodyPr>
+          <a:lstStyle/>
+          <a:p>
+            <a:pPr algn="ctr"/>
+            <a:r>
+              <a:rPr lang="en-US" altLang="ko-KR" sz="1125" b="1" dirty="0">
+                <a:solidFill>
+                  <a:schemeClr val="tx1"/>
+                </a:solidFill>
+                <a:latin typeface="맑은 고딕" panose="020B0503020000020004" pitchFamily="50" charset="-127"/>
+                <a:ea typeface="맑은 고딕" panose="020B0503020000020004" pitchFamily="50" charset="-127"/>
+              </a:rPr>
+              <a:t>Password</a:t>
+            </a:r>
+            <a:br>
+              <a:rPr lang="en-US" altLang="ko-KR" sz="1125" b="1" dirty="0">
+                <a:solidFill>
+                  <a:schemeClr val="tx1"/>
+                </a:solidFill>
+                <a:latin typeface="맑은 고딕" panose="020B0503020000020004" pitchFamily="50" charset="-127"/>
+                <a:ea typeface="맑은 고딕" panose="020B0503020000020004" pitchFamily="50" charset="-127"/>
+              </a:rPr>
+            </a:br>
+            <a:r>
+              <a:rPr lang="en-US" altLang="ko-KR" sz="1125" b="1" dirty="0">
+                <a:solidFill>
+                  <a:schemeClr val="tx1"/>
+                </a:solidFill>
+                <a:latin typeface="맑은 고딕" panose="020B0503020000020004" pitchFamily="50" charset="-127"/>
+                <a:ea typeface="맑은 고딕" panose="020B0503020000020004" pitchFamily="50" charset="-127"/>
+              </a:rPr>
+              <a:t>Modal</a:t>
+            </a:r>
+            <a:endParaRPr lang="ko-KR" altLang="en-US" sz="1125" b="1" dirty="0">
+              <a:solidFill>
+                <a:schemeClr val="tx1"/>
+              </a:solidFill>
+              <a:latin typeface="맑은 고딕" panose="020B0503020000020004" pitchFamily="50" charset="-127"/>
+              <a:ea typeface="맑은 고딕" panose="020B0503020000020004" pitchFamily="50" charset="-127"/>
+            </a:endParaRPr>
+          </a:p>
+        </p:txBody>
+      </p:sp>
+      <p:cxnSp>
+        <p:nvCxnSpPr>
+          <p:cNvPr id="150" name="직선 연결선 149">
+            <a:extLst>
+              <a:ext uri="{FF2B5EF4-FFF2-40B4-BE49-F238E27FC236}">
+                <a16:creationId xmlns:a16="http://schemas.microsoft.com/office/drawing/2014/main" id="{7EF76827-B0EE-4B4C-BBD5-2509E61E1E0F}"/>
+              </a:ext>
+            </a:extLst>
+          </p:cNvPr>
+          <p:cNvCxnSpPr>
+            <a:cxnSpLocks/>
+            <a:endCxn id="140" idx="0"/>
+          </p:cNvCxnSpPr>
+          <p:nvPr/>
+        </p:nvCxnSpPr>
+        <p:spPr>
+          <a:xfrm flipH="1">
+            <a:off x="13563119" y="2640409"/>
+            <a:ext cx="0" cy="982191"/>
+          </a:xfrm>
+          <a:prstGeom prst="line">
+            <a:avLst/>
+          </a:prstGeom>
+          <a:ln w="38100">
+            <a:solidFill>
+              <a:schemeClr val="accent3">
+                <a:lumMod val="50000"/>
+              </a:schemeClr>
+            </a:solidFill>
+          </a:ln>
+        </p:spPr>
+        <p:style>
+          <a:lnRef idx="1">
+            <a:schemeClr val="accent1"/>
+          </a:lnRef>
+          <a:fillRef idx="0">
+            <a:schemeClr val="accent1"/>
+          </a:fillRef>
+          <a:effectRef idx="0">
+            <a:schemeClr val="accent1"/>
+          </a:effectRef>
+          <a:fontRef idx="minor">
+            <a:schemeClr val="tx1"/>
+          </a:fontRef>
+        </p:style>
+      </p:cxnSp>
+      <p:cxnSp>
+        <p:nvCxnSpPr>
+          <p:cNvPr id="154" name="직선 연결선 153">
+            <a:extLst>
+              <a:ext uri="{FF2B5EF4-FFF2-40B4-BE49-F238E27FC236}">
+                <a16:creationId xmlns:a16="http://schemas.microsoft.com/office/drawing/2014/main" id="{FEB0A5DB-C7E0-DD44-A01D-135A57292EFA}"/>
+              </a:ext>
+            </a:extLst>
+          </p:cNvPr>
+          <p:cNvCxnSpPr/>
+          <p:nvPr/>
+        </p:nvCxnSpPr>
+        <p:spPr>
+          <a:xfrm>
+            <a:off x="5307334" y="3321734"/>
+            <a:ext cx="0" cy="190243"/>
+          </a:xfrm>
+          <a:prstGeom prst="line">
+            <a:avLst/>
+          </a:prstGeom>
+          <a:ln w="38100">
+            <a:solidFill>
+              <a:schemeClr val="accent3">
+                <a:lumMod val="50000"/>
+              </a:schemeClr>
+            </a:solidFill>
+          </a:ln>
+        </p:spPr>
+        <p:style>
+          <a:lnRef idx="1">
+            <a:schemeClr val="accent1"/>
+          </a:lnRef>
+          <a:fillRef idx="0">
+            <a:schemeClr val="accent1"/>
+          </a:fillRef>
+          <a:effectRef idx="0">
+            <a:schemeClr val="accent1"/>
+          </a:effectRef>
+          <a:fontRef idx="minor">
+            <a:schemeClr val="tx1"/>
+          </a:fontRef>
+        </p:style>
+      </p:cxnSp>
+      <p:sp>
+        <p:nvSpPr>
+          <p:cNvPr id="189" name="모서리가 둥근 직사각형 12">
+            <a:extLst>
+              <a:ext uri="{FF2B5EF4-FFF2-40B4-BE49-F238E27FC236}">
+                <a16:creationId xmlns:a16="http://schemas.microsoft.com/office/drawing/2014/main" id="{F667900D-231A-22FC-E1E6-8C82733E3FA2}"/>
+              </a:ext>
+            </a:extLst>
+          </p:cNvPr>
+          <p:cNvSpPr/>
+          <p:nvPr/>
+        </p:nvSpPr>
+        <p:spPr>
+          <a:xfrm>
+            <a:off x="10064784" y="3536138"/>
+            <a:ext cx="831414" cy="521395"/>
+          </a:xfrm>
+          <a:prstGeom prst="roundRect">
+            <a:avLst/>
+          </a:prstGeom>
+          <a:solidFill>
+            <a:schemeClr val="accent2">
+              <a:lumMod val="60000"/>
+              <a:lumOff val="40000"/>
+            </a:schemeClr>
+          </a:solidFill>
+          <a:ln w="38100">
+            <a:solidFill>
+              <a:schemeClr val="accent2">
+                <a:lumMod val="50000"/>
+              </a:schemeClr>
+            </a:solidFill>
+          </a:ln>
+        </p:spPr>
+        <p:style>
+          <a:lnRef idx="2">
+            <a:schemeClr val="accent1">
+              <a:shade val="50000"/>
+            </a:schemeClr>
+          </a:lnRef>
+          <a:fillRef idx="1">
+            <a:schemeClr val="accent1"/>
+          </a:fillRef>
+          <a:effectRef idx="0">
+            <a:schemeClr val="accent1"/>
+          </a:effectRef>
+          <a:fontRef idx="minor">
+            <a:schemeClr val="lt1"/>
+          </a:fontRef>
+        </p:style>
+        <p:txBody>
+          <a:bodyPr rot="0" spcFirstLastPara="0" vertOverflow="overflow" horzOverflow="overflow" vert="horz" wrap="square" lIns="51435" tIns="25718" rIns="51435" bIns="25718" numCol="1" spcCol="0" rtlCol="0" fromWordArt="0" anchor="ctr" anchorCtr="0" forceAA="0" compatLnSpc="1">
+            <a:prstTxWarp prst="textNoShape">
+              <a:avLst/>
+            </a:prstTxWarp>
+            <a:noAutofit/>
+          </a:bodyPr>
+          <a:lstStyle/>
+          <a:p>
+            <a:pPr algn="ctr"/>
+            <a:r>
+              <a:rPr lang="ko-KR" altLang="en-US" sz="1125" b="1" dirty="0">
+                <a:solidFill>
+                  <a:schemeClr val="tx1"/>
+                </a:solidFill>
+                <a:latin typeface="맑은 고딕" panose="020B0503020000020004" pitchFamily="50" charset="-127"/>
+                <a:ea typeface="맑은 고딕" panose="020B0503020000020004" pitchFamily="50" charset="-127"/>
+              </a:rPr>
+              <a:t>영화 목록</a:t>
+            </a:r>
+          </a:p>
+        </p:txBody>
+      </p:sp>
+      <p:cxnSp>
+        <p:nvCxnSpPr>
+          <p:cNvPr id="190" name="직선 연결선 189">
+            <a:extLst>
+              <a:ext uri="{FF2B5EF4-FFF2-40B4-BE49-F238E27FC236}">
+                <a16:creationId xmlns:a16="http://schemas.microsoft.com/office/drawing/2014/main" id="{029F195C-19FC-E25B-F91C-27A0F48BE55C}"/>
+              </a:ext>
+            </a:extLst>
+          </p:cNvPr>
+          <p:cNvCxnSpPr/>
+          <p:nvPr/>
+        </p:nvCxnSpPr>
+        <p:spPr>
+          <a:xfrm>
+            <a:off x="10487940" y="3340163"/>
+            <a:ext cx="0" cy="190243"/>
+          </a:xfrm>
+          <a:prstGeom prst="line">
+            <a:avLst/>
+          </a:prstGeom>
+          <a:ln w="38100">
+            <a:solidFill>
+              <a:schemeClr val="accent3">
+                <a:lumMod val="50000"/>
+              </a:schemeClr>
+            </a:solidFill>
+          </a:ln>
+        </p:spPr>
+        <p:style>
+          <a:lnRef idx="1">
+            <a:schemeClr val="accent1"/>
+          </a:lnRef>
+          <a:fillRef idx="0">
+            <a:schemeClr val="accent1"/>
+          </a:fillRef>
+          <a:effectRef idx="0">
+            <a:schemeClr val="accent1"/>
+          </a:effectRef>
+          <a:fontRef idx="minor">
+            <a:schemeClr val="tx1"/>
+          </a:fontRef>
+        </p:style>
+      </p:cxnSp>
+      <p:sp>
+        <p:nvSpPr>
+          <p:cNvPr id="192" name="모서리가 둥근 직사각형 88">
+            <a:extLst>
+              <a:ext uri="{FF2B5EF4-FFF2-40B4-BE49-F238E27FC236}">
+                <a16:creationId xmlns:a16="http://schemas.microsoft.com/office/drawing/2014/main" id="{B7E493D5-F935-431D-451D-3CE648C17CC7}"/>
+              </a:ext>
+            </a:extLst>
+          </p:cNvPr>
+          <p:cNvSpPr/>
+          <p:nvPr/>
+        </p:nvSpPr>
+        <p:spPr>
+          <a:xfrm>
+            <a:off x="5559272" y="4944258"/>
+            <a:ext cx="831414" cy="521395"/>
+          </a:xfrm>
+          <a:prstGeom prst="roundRect">
+            <a:avLst/>
+          </a:prstGeom>
+          <a:solidFill>
+            <a:schemeClr val="accent2">
+              <a:lumMod val="60000"/>
+              <a:lumOff val="40000"/>
+            </a:schemeClr>
+          </a:solidFill>
+          <a:ln w="38100">
+            <a:solidFill>
+              <a:schemeClr val="accent2">
+                <a:lumMod val="50000"/>
+              </a:schemeClr>
+            </a:solidFill>
+          </a:ln>
+        </p:spPr>
+        <p:style>
+          <a:lnRef idx="2">
+            <a:schemeClr val="accent1">
+              <a:shade val="50000"/>
+            </a:schemeClr>
+          </a:lnRef>
+          <a:fillRef idx="1">
+            <a:schemeClr val="accent1"/>
+          </a:fillRef>
+          <a:effectRef idx="0">
+            <a:schemeClr val="accent1"/>
+          </a:effectRef>
+          <a:fontRef idx="minor">
+            <a:schemeClr val="lt1"/>
+          </a:fontRef>
+        </p:style>
+        <p:txBody>
+          <a:bodyPr rot="0" spcFirstLastPara="0" vertOverflow="overflow" horzOverflow="overflow" vert="horz" wrap="square" lIns="51435" tIns="25718" rIns="51435" bIns="25718" numCol="1" spcCol="0" rtlCol="0" fromWordArt="0" anchor="ctr" anchorCtr="0" forceAA="0" compatLnSpc="1">
+            <a:prstTxWarp prst="textNoShape">
+              <a:avLst/>
+            </a:prstTxWarp>
+            <a:noAutofit/>
+          </a:bodyPr>
+          <a:lstStyle/>
+          <a:p>
+            <a:pPr algn="ctr"/>
+            <a:r>
+              <a:rPr lang="ko-KR" altLang="en-US" sz="1125" b="1" dirty="0">
+                <a:solidFill>
+                  <a:schemeClr val="tx1"/>
+                </a:solidFill>
+                <a:latin typeface="맑은 고딕" panose="020B0503020000020004" pitchFamily="50" charset="-127"/>
+                <a:ea typeface="맑은 고딕" panose="020B0503020000020004" pitchFamily="50" charset="-127"/>
+              </a:rPr>
+              <a:t>영화 티저</a:t>
+            </a:r>
+          </a:p>
+        </p:txBody>
+      </p:sp>
+      <p:cxnSp>
+        <p:nvCxnSpPr>
+          <p:cNvPr id="193" name="꺾인 연결선 90">
+            <a:extLst>
+              <a:ext uri="{FF2B5EF4-FFF2-40B4-BE49-F238E27FC236}">
+                <a16:creationId xmlns:a16="http://schemas.microsoft.com/office/drawing/2014/main" id="{70537753-A246-32E9-A33D-F3AA7DDBB428}"/>
+              </a:ext>
+            </a:extLst>
+          </p:cNvPr>
+          <p:cNvCxnSpPr>
+            <a:cxnSpLocks/>
+            <a:stCxn id="7" idx="3"/>
+          </p:cNvCxnSpPr>
+          <p:nvPr/>
+        </p:nvCxnSpPr>
+        <p:spPr>
+          <a:xfrm>
+            <a:off x="5670153" y="2178908"/>
+            <a:ext cx="247008" cy="817321"/>
+          </a:xfrm>
+          <a:prstGeom prst="bentConnector2">
+            <a:avLst/>
+          </a:prstGeom>
+          <a:ln w="38100">
+            <a:solidFill>
+              <a:schemeClr val="accent3">
+                <a:lumMod val="50000"/>
+              </a:schemeClr>
+            </a:solidFill>
+          </a:ln>
+        </p:spPr>
+        <p:style>
+          <a:lnRef idx="1">
+            <a:schemeClr val="accent1"/>
+          </a:lnRef>
+          <a:fillRef idx="0">
+            <a:schemeClr val="accent1"/>
+          </a:fillRef>
+          <a:effectRef idx="0">
+            <a:schemeClr val="accent1"/>
+          </a:effectRef>
+          <a:fontRef idx="minor">
+            <a:schemeClr val="tx1"/>
+          </a:fontRef>
+        </p:style>
+      </p:cxnSp>
+      <p:cxnSp>
+        <p:nvCxnSpPr>
+          <p:cNvPr id="197" name="직선 연결선 196">
+            <a:extLst>
+              <a:ext uri="{FF2B5EF4-FFF2-40B4-BE49-F238E27FC236}">
+                <a16:creationId xmlns:a16="http://schemas.microsoft.com/office/drawing/2014/main" id="{32B24FDB-3332-D377-9C6E-7066AB6A5951}"/>
+              </a:ext>
+            </a:extLst>
+          </p:cNvPr>
+          <p:cNvCxnSpPr>
+            <a:cxnSpLocks/>
+          </p:cNvCxnSpPr>
+          <p:nvPr/>
+        </p:nvCxnSpPr>
+        <p:spPr>
+          <a:xfrm>
+            <a:off x="5918377" y="3131504"/>
+            <a:ext cx="0" cy="1787447"/>
+          </a:xfrm>
+          <a:prstGeom prst="line">
+            <a:avLst/>
+          </a:prstGeom>
+          <a:ln w="38100">
+            <a:solidFill>
+              <a:schemeClr val="accent3">
+                <a:lumMod val="50000"/>
+              </a:schemeClr>
+            </a:solidFill>
+          </a:ln>
+        </p:spPr>
+        <p:style>
+          <a:lnRef idx="1">
+            <a:schemeClr val="accent1"/>
+          </a:lnRef>
+          <a:fillRef idx="0">
+            <a:schemeClr val="accent1"/>
+          </a:fillRef>
+          <a:effectRef idx="0">
+            <a:schemeClr val="accent1"/>
+          </a:effectRef>
+          <a:fontRef idx="minor">
+            <a:schemeClr val="tx1"/>
+          </a:fontRef>
+        </p:style>
+      </p:cxnSp>
+      <p:cxnSp>
+        <p:nvCxnSpPr>
+          <p:cNvPr id="201" name="직선 연결선 200">
+            <a:extLst>
+              <a:ext uri="{FF2B5EF4-FFF2-40B4-BE49-F238E27FC236}">
+                <a16:creationId xmlns:a16="http://schemas.microsoft.com/office/drawing/2014/main" id="{BF8640CD-F118-2203-C22D-2D6FF009392C}"/>
+              </a:ext>
+            </a:extLst>
+          </p:cNvPr>
+          <p:cNvCxnSpPr>
+            <a:cxnSpLocks/>
+          </p:cNvCxnSpPr>
+          <p:nvPr/>
+        </p:nvCxnSpPr>
+        <p:spPr>
+          <a:xfrm>
+            <a:off x="7392633" y="1738540"/>
+            <a:ext cx="0" cy="190243"/>
+          </a:xfrm>
+          <a:prstGeom prst="line">
+            <a:avLst/>
+          </a:prstGeom>
+          <a:ln w="38100">
+            <a:solidFill>
+              <a:schemeClr val="accent3">
+                <a:lumMod val="50000"/>
+              </a:schemeClr>
+            </a:solidFill>
+          </a:ln>
+        </p:spPr>
+        <p:style>
+          <a:lnRef idx="1">
+            <a:schemeClr val="accent1"/>
+          </a:lnRef>
+          <a:fillRef idx="0">
+            <a:schemeClr val="accent1"/>
+          </a:fillRef>
+          <a:effectRef idx="0">
+            <a:schemeClr val="accent1"/>
+          </a:effectRef>
+          <a:fontRef idx="minor">
+            <a:schemeClr val="tx1"/>
+          </a:fontRef>
+        </p:style>
+      </p:cxnSp>
+      <p:sp>
+        <p:nvSpPr>
+          <p:cNvPr id="207" name="모서리가 둥근 직사각형 59">
+            <a:extLst>
+              <a:ext uri="{FF2B5EF4-FFF2-40B4-BE49-F238E27FC236}">
+                <a16:creationId xmlns:a16="http://schemas.microsoft.com/office/drawing/2014/main" id="{0CBEBEE4-7F46-C554-208D-B923FD661423}"/>
+              </a:ext>
+            </a:extLst>
+          </p:cNvPr>
+          <p:cNvSpPr/>
+          <p:nvPr/>
+        </p:nvSpPr>
+        <p:spPr>
+          <a:xfrm>
+            <a:off x="6986158" y="1918210"/>
+            <a:ext cx="831414" cy="521395"/>
+          </a:xfrm>
+          <a:prstGeom prst="roundRect">
+            <a:avLst/>
+          </a:prstGeom>
+          <a:solidFill>
+            <a:schemeClr val="accent4">
+              <a:lumMod val="60000"/>
+              <a:lumOff val="40000"/>
+            </a:schemeClr>
+          </a:solidFill>
+          <a:ln w="38100">
+            <a:solidFill>
+              <a:schemeClr val="accent4">
+                <a:lumMod val="50000"/>
+              </a:schemeClr>
+            </a:solidFill>
+          </a:ln>
+        </p:spPr>
+        <p:style>
+          <a:lnRef idx="2">
+            <a:schemeClr val="accent1">
+              <a:shade val="50000"/>
+            </a:schemeClr>
+          </a:lnRef>
+          <a:fillRef idx="1">
+            <a:schemeClr val="accent1"/>
+          </a:fillRef>
+          <a:effectRef idx="0">
+            <a:schemeClr val="accent1"/>
+          </a:effectRef>
+          <a:fontRef idx="minor">
+            <a:schemeClr val="lt1"/>
+          </a:fontRef>
+        </p:style>
+        <p:txBody>
+          <a:bodyPr rot="0" spcFirstLastPara="0" vertOverflow="overflow" horzOverflow="overflow" vert="horz" wrap="square" lIns="51435" tIns="25718" rIns="51435" bIns="25718" numCol="1" spcCol="0" rtlCol="0" fromWordArt="0" anchor="ctr" anchorCtr="0" forceAA="0" compatLnSpc="1">
+            <a:prstTxWarp prst="textNoShape">
+              <a:avLst/>
+            </a:prstTxWarp>
+            <a:noAutofit/>
+          </a:bodyPr>
+          <a:lstStyle/>
+          <a:p>
+            <a:pPr algn="ctr"/>
+            <a:r>
+              <a:rPr lang="en-US" altLang="ko-KR" sz="1100" b="1" dirty="0">
+                <a:solidFill>
+                  <a:schemeClr val="tx1"/>
+                </a:solidFill>
+                <a:latin typeface="HY궁서B" panose="02030600000101010101" pitchFamily="18" charset="-127"/>
+                <a:ea typeface="HY궁서B" panose="02030600000101010101" pitchFamily="18" charset="-127"/>
+              </a:rPr>
+              <a:t>Commu-nity</a:t>
+            </a:r>
+            <a:endParaRPr lang="ko-KR" altLang="en-US" sz="1100" b="1" dirty="0">
+              <a:solidFill>
+                <a:schemeClr val="tx1"/>
+              </a:solidFill>
+              <a:latin typeface="HY궁서B" panose="02030600000101010101" pitchFamily="18" charset="-127"/>
+              <a:ea typeface="HY궁서B" panose="02030600000101010101" pitchFamily="18" charset="-127"/>
+            </a:endParaRPr>
+          </a:p>
+        </p:txBody>
+      </p:sp>
+      <p:sp>
+        <p:nvSpPr>
+          <p:cNvPr id="210" name="모서리가 둥근 직사각형 72">
+            <a:extLst>
+              <a:ext uri="{FF2B5EF4-FFF2-40B4-BE49-F238E27FC236}">
+                <a16:creationId xmlns:a16="http://schemas.microsoft.com/office/drawing/2014/main" id="{EE9DBB38-B73B-768C-06B5-81349EB7FB62}"/>
+              </a:ext>
+            </a:extLst>
+          </p:cNvPr>
+          <p:cNvSpPr/>
+          <p:nvPr/>
+        </p:nvSpPr>
+        <p:spPr>
+          <a:xfrm>
+            <a:off x="7093423" y="4229257"/>
+            <a:ext cx="831414" cy="521395"/>
+          </a:xfrm>
+          <a:prstGeom prst="roundRect">
+            <a:avLst/>
+          </a:prstGeom>
+          <a:solidFill>
+            <a:schemeClr val="accent4">
+              <a:lumMod val="60000"/>
+              <a:lumOff val="40000"/>
+            </a:schemeClr>
+          </a:solidFill>
+          <a:ln w="38100">
+            <a:solidFill>
+              <a:schemeClr val="accent4">
+                <a:lumMod val="50000"/>
+              </a:schemeClr>
+            </a:solidFill>
+          </a:ln>
+        </p:spPr>
+        <p:style>
+          <a:lnRef idx="2">
+            <a:schemeClr val="accent1">
+              <a:shade val="50000"/>
+            </a:schemeClr>
+          </a:lnRef>
+          <a:fillRef idx="1">
+            <a:schemeClr val="accent1"/>
+          </a:fillRef>
+          <a:effectRef idx="0">
+            <a:schemeClr val="accent1"/>
+          </a:effectRef>
+          <a:fontRef idx="minor">
+            <a:schemeClr val="lt1"/>
+          </a:fontRef>
+        </p:style>
+        <p:txBody>
+          <a:bodyPr rot="0" spcFirstLastPara="0" vertOverflow="overflow" horzOverflow="overflow" vert="horz" wrap="square" lIns="51435" tIns="25718" rIns="51435" bIns="25718" numCol="1" spcCol="0" rtlCol="0" fromWordArt="0" anchor="ctr" anchorCtr="0" forceAA="0" compatLnSpc="1">
+            <a:prstTxWarp prst="textNoShape">
+              <a:avLst/>
+            </a:prstTxWarp>
+            <a:noAutofit/>
+          </a:bodyPr>
+          <a:lstStyle/>
+          <a:p>
+            <a:pPr algn="ctr"/>
+            <a:r>
+              <a:rPr lang="ko-KR" altLang="en-US" sz="1125" b="1" dirty="0">
+                <a:solidFill>
+                  <a:schemeClr val="tx1"/>
+                </a:solidFill>
+                <a:latin typeface="맑은 고딕" panose="020B0503020000020004" pitchFamily="50" charset="-127"/>
+                <a:ea typeface="맑은 고딕" panose="020B0503020000020004" pitchFamily="50" charset="-127"/>
+              </a:rPr>
+              <a:t>영화 리뷰</a:t>
+            </a:r>
+          </a:p>
+        </p:txBody>
+      </p:sp>
+      <p:sp>
+        <p:nvSpPr>
+          <p:cNvPr id="211" name="모서리가 둥근 직사각형 88">
+            <a:extLst>
+              <a:ext uri="{FF2B5EF4-FFF2-40B4-BE49-F238E27FC236}">
+                <a16:creationId xmlns:a16="http://schemas.microsoft.com/office/drawing/2014/main" id="{396037BB-2860-9E94-A571-D70CAE7542E7}"/>
+              </a:ext>
+            </a:extLst>
+          </p:cNvPr>
+          <p:cNvSpPr/>
+          <p:nvPr/>
+        </p:nvSpPr>
+        <p:spPr>
+          <a:xfrm>
+            <a:off x="6903183" y="4944258"/>
+            <a:ext cx="831414" cy="521395"/>
+          </a:xfrm>
+          <a:prstGeom prst="roundRect">
+            <a:avLst/>
+          </a:prstGeom>
+          <a:solidFill>
+            <a:schemeClr val="accent4">
+              <a:lumMod val="60000"/>
+              <a:lumOff val="40000"/>
+            </a:schemeClr>
+          </a:solidFill>
+          <a:ln w="38100">
+            <a:solidFill>
+              <a:schemeClr val="accent4">
+                <a:lumMod val="50000"/>
+              </a:schemeClr>
+            </a:solidFill>
+          </a:ln>
+        </p:spPr>
+        <p:style>
+          <a:lnRef idx="2">
+            <a:schemeClr val="accent1">
+              <a:shade val="50000"/>
+            </a:schemeClr>
+          </a:lnRef>
+          <a:fillRef idx="1">
+            <a:schemeClr val="accent1"/>
+          </a:fillRef>
+          <a:effectRef idx="0">
+            <a:schemeClr val="accent1"/>
+          </a:effectRef>
+          <a:fontRef idx="minor">
+            <a:schemeClr val="lt1"/>
+          </a:fontRef>
+        </p:style>
+        <p:txBody>
+          <a:bodyPr rot="0" spcFirstLastPara="0" vertOverflow="overflow" horzOverflow="overflow" vert="horz" wrap="square" lIns="51435" tIns="25718" rIns="51435" bIns="25718" numCol="1" spcCol="0" rtlCol="0" fromWordArt="0" anchor="ctr" anchorCtr="0" forceAA="0" compatLnSpc="1">
+            <a:prstTxWarp prst="textNoShape">
+              <a:avLst/>
+            </a:prstTxWarp>
+            <a:noAutofit/>
+          </a:bodyPr>
+          <a:lstStyle/>
+          <a:p>
+            <a:pPr algn="ctr"/>
+            <a:r>
+              <a:rPr lang="ko-KR" altLang="en-US" sz="1125" b="1" dirty="0">
+                <a:solidFill>
+                  <a:schemeClr val="tx1"/>
+                </a:solidFill>
+                <a:latin typeface="맑은 고딕" panose="020B0503020000020004" pitchFamily="50" charset="-127"/>
+                <a:ea typeface="맑은 고딕" panose="020B0503020000020004" pitchFamily="50" charset="-127"/>
+              </a:rPr>
+              <a:t>덧글</a:t>
+            </a:r>
+          </a:p>
+        </p:txBody>
+      </p:sp>
+      <p:cxnSp>
+        <p:nvCxnSpPr>
+          <p:cNvPr id="213" name="직선 연결선 212">
+            <a:extLst>
+              <a:ext uri="{FF2B5EF4-FFF2-40B4-BE49-F238E27FC236}">
+                <a16:creationId xmlns:a16="http://schemas.microsoft.com/office/drawing/2014/main" id="{18BB0CC2-A60C-0552-A826-C8DE42243528}"/>
+              </a:ext>
+            </a:extLst>
+          </p:cNvPr>
+          <p:cNvCxnSpPr>
+            <a:cxnSpLocks/>
+          </p:cNvCxnSpPr>
+          <p:nvPr/>
+        </p:nvCxnSpPr>
+        <p:spPr>
+          <a:xfrm>
+            <a:off x="7489113" y="2450166"/>
+            <a:ext cx="0" cy="1779091"/>
+          </a:xfrm>
+          <a:prstGeom prst="line">
+            <a:avLst/>
+          </a:prstGeom>
+          <a:ln w="38100">
+            <a:solidFill>
+              <a:schemeClr val="accent3">
+                <a:lumMod val="50000"/>
+              </a:schemeClr>
+            </a:solidFill>
+          </a:ln>
+        </p:spPr>
+        <p:style>
+          <a:lnRef idx="1">
+            <a:schemeClr val="accent1"/>
+          </a:lnRef>
+          <a:fillRef idx="0">
+            <a:schemeClr val="accent1"/>
+          </a:fillRef>
+          <a:effectRef idx="0">
+            <a:schemeClr val="accent1"/>
+          </a:effectRef>
+          <a:fontRef idx="minor">
+            <a:schemeClr val="tx1"/>
+          </a:fontRef>
+        </p:style>
+      </p:cxnSp>
+      <p:sp>
+        <p:nvSpPr>
+          <p:cNvPr id="218" name="모서리가 둥근 직사각형 72">
+            <a:extLst>
+              <a:ext uri="{FF2B5EF4-FFF2-40B4-BE49-F238E27FC236}">
+                <a16:creationId xmlns:a16="http://schemas.microsoft.com/office/drawing/2014/main" id="{7887CF2D-3D2E-BFEC-C2EB-71F5C31D640F}"/>
+              </a:ext>
+            </a:extLst>
+          </p:cNvPr>
+          <p:cNvSpPr/>
+          <p:nvPr/>
+        </p:nvSpPr>
+        <p:spPr>
+          <a:xfrm>
+            <a:off x="9007902" y="3546767"/>
+            <a:ext cx="831414" cy="521395"/>
+          </a:xfrm>
+          <a:prstGeom prst="roundRect">
+            <a:avLst/>
+          </a:prstGeom>
+          <a:solidFill>
+            <a:schemeClr val="accent4">
+              <a:lumMod val="60000"/>
+              <a:lumOff val="40000"/>
+            </a:schemeClr>
+          </a:solidFill>
+          <a:ln w="38100">
+            <a:solidFill>
+              <a:schemeClr val="accent4">
+                <a:lumMod val="50000"/>
+              </a:schemeClr>
+            </a:solidFill>
+          </a:ln>
+        </p:spPr>
+        <p:style>
+          <a:lnRef idx="2">
+            <a:schemeClr val="accent1">
+              <a:shade val="50000"/>
+            </a:schemeClr>
+          </a:lnRef>
+          <a:fillRef idx="1">
+            <a:schemeClr val="accent1"/>
+          </a:fillRef>
+          <a:effectRef idx="0">
+            <a:schemeClr val="accent1"/>
+          </a:effectRef>
+          <a:fontRef idx="minor">
+            <a:schemeClr val="lt1"/>
+          </a:fontRef>
+        </p:style>
+        <p:txBody>
+          <a:bodyPr rot="0" spcFirstLastPara="0" vertOverflow="overflow" horzOverflow="overflow" vert="horz" wrap="square" lIns="51435" tIns="25718" rIns="51435" bIns="25718" numCol="1" spcCol="0" rtlCol="0" fromWordArt="0" anchor="ctr" anchorCtr="0" forceAA="0" compatLnSpc="1">
+            <a:prstTxWarp prst="textNoShape">
+              <a:avLst/>
+            </a:prstTxWarp>
+            <a:noAutofit/>
+          </a:bodyPr>
+          <a:lstStyle/>
+          <a:p>
+            <a:pPr algn="ctr"/>
+            <a:r>
+              <a:rPr lang="ko-KR" altLang="en-US" sz="1125" b="1" dirty="0">
+                <a:solidFill>
+                  <a:schemeClr val="tx1"/>
+                </a:solidFill>
+                <a:latin typeface="맑은 고딕" panose="020B0503020000020004" pitchFamily="50" charset="-127"/>
+                <a:ea typeface="맑은 고딕" panose="020B0503020000020004" pitchFamily="50" charset="-127"/>
+              </a:rPr>
+              <a:t>영화 리뷰</a:t>
+            </a:r>
+          </a:p>
+        </p:txBody>
+      </p:sp>
+      <p:cxnSp>
+        <p:nvCxnSpPr>
+          <p:cNvPr id="219" name="직선 연결선 218">
+            <a:extLst>
+              <a:ext uri="{FF2B5EF4-FFF2-40B4-BE49-F238E27FC236}">
+                <a16:creationId xmlns:a16="http://schemas.microsoft.com/office/drawing/2014/main" id="{3B8B31AC-BF9E-0C19-1C14-7B575CA7720C}"/>
+              </a:ext>
+            </a:extLst>
+          </p:cNvPr>
+          <p:cNvCxnSpPr/>
+          <p:nvPr/>
+        </p:nvCxnSpPr>
+        <p:spPr>
+          <a:xfrm>
+            <a:off x="9435114" y="3340163"/>
+            <a:ext cx="0" cy="190243"/>
+          </a:xfrm>
+          <a:prstGeom prst="line">
+            <a:avLst/>
+          </a:prstGeom>
+          <a:ln w="38100">
+            <a:solidFill>
+              <a:schemeClr val="accent3">
+                <a:lumMod val="50000"/>
+              </a:schemeClr>
+            </a:solidFill>
+          </a:ln>
+        </p:spPr>
+        <p:style>
+          <a:lnRef idx="1">
+            <a:schemeClr val="accent1"/>
+          </a:lnRef>
+          <a:fillRef idx="0">
+            <a:schemeClr val="accent1"/>
+          </a:fillRef>
+          <a:effectRef idx="0">
+            <a:schemeClr val="accent1"/>
+          </a:effectRef>
+          <a:fontRef idx="minor">
+            <a:schemeClr val="tx1"/>
+          </a:fontRef>
+        </p:style>
+      </p:cxnSp>
+      <p:sp>
+        <p:nvSpPr>
+          <p:cNvPr id="220" name="모서리가 둥근 직사각형 72">
+            <a:extLst>
+              <a:ext uri="{FF2B5EF4-FFF2-40B4-BE49-F238E27FC236}">
+                <a16:creationId xmlns:a16="http://schemas.microsoft.com/office/drawing/2014/main" id="{8561ACDC-E06E-5884-9C05-D9B16FEF8689}"/>
+              </a:ext>
+            </a:extLst>
+          </p:cNvPr>
+          <p:cNvSpPr/>
+          <p:nvPr/>
+        </p:nvSpPr>
+        <p:spPr>
+          <a:xfrm>
+            <a:off x="6976926" y="3435284"/>
+            <a:ext cx="831414" cy="521395"/>
+          </a:xfrm>
+          <a:prstGeom prst="roundRect">
+            <a:avLst/>
+          </a:prstGeom>
+          <a:solidFill>
+            <a:schemeClr val="accent4">
+              <a:lumMod val="60000"/>
+              <a:lumOff val="40000"/>
+            </a:schemeClr>
+          </a:solidFill>
+          <a:ln w="38100">
+            <a:solidFill>
+              <a:schemeClr val="accent4">
+                <a:lumMod val="50000"/>
+              </a:schemeClr>
+            </a:solidFill>
+          </a:ln>
+        </p:spPr>
+        <p:style>
+          <a:lnRef idx="2">
+            <a:schemeClr val="accent1">
+              <a:shade val="50000"/>
+            </a:schemeClr>
+          </a:lnRef>
+          <a:fillRef idx="1">
+            <a:schemeClr val="accent1"/>
+          </a:fillRef>
+          <a:effectRef idx="0">
+            <a:schemeClr val="accent1"/>
+          </a:effectRef>
+          <a:fontRef idx="minor">
+            <a:schemeClr val="lt1"/>
+          </a:fontRef>
+        </p:style>
+        <p:txBody>
+          <a:bodyPr rot="0" spcFirstLastPara="0" vertOverflow="overflow" horzOverflow="overflow" vert="horz" wrap="square" lIns="51435" tIns="25718" rIns="51435" bIns="25718" numCol="1" spcCol="0" rtlCol="0" fromWordArt="0" anchor="ctr" anchorCtr="0" forceAA="0" compatLnSpc="1">
+            <a:prstTxWarp prst="textNoShape">
+              <a:avLst/>
+            </a:prstTxWarp>
+            <a:noAutofit/>
+          </a:bodyPr>
+          <a:lstStyle/>
+          <a:p>
+            <a:pPr algn="ctr"/>
+            <a:r>
+              <a:rPr lang="ko-KR" altLang="en-US" sz="1125" b="1">
+                <a:solidFill>
+                  <a:schemeClr val="tx1"/>
+                </a:solidFill>
+                <a:latin typeface="맑은 고딕" panose="020B0503020000020004" pitchFamily="50" charset="-127"/>
+                <a:ea typeface="맑은 고딕" panose="020B0503020000020004" pitchFamily="50" charset="-127"/>
+              </a:rPr>
+              <a:t>커뮤니티 </a:t>
+            </a:r>
+            <a:br>
+              <a:rPr lang="en-US" altLang="ko-KR" sz="1125" b="1" dirty="0">
+                <a:solidFill>
+                  <a:schemeClr val="tx1"/>
+                </a:solidFill>
+                <a:latin typeface="맑은 고딕" panose="020B0503020000020004" pitchFamily="50" charset="-127"/>
+                <a:ea typeface="맑은 고딕" panose="020B0503020000020004" pitchFamily="50" charset="-127"/>
+              </a:rPr>
+            </a:br>
+            <a:r>
+              <a:rPr lang="ko-KR" altLang="en-US" sz="1125" b="1" dirty="0">
+                <a:solidFill>
+                  <a:schemeClr val="tx1"/>
+                </a:solidFill>
+                <a:latin typeface="맑은 고딕" panose="020B0503020000020004" pitchFamily="50" charset="-127"/>
+                <a:ea typeface="맑은 고딕" panose="020B0503020000020004" pitchFamily="50" charset="-127"/>
+              </a:rPr>
+              <a:t>페이지</a:t>
+            </a:r>
+          </a:p>
+        </p:txBody>
+      </p:sp>
+      <p:sp>
+        <p:nvSpPr>
+          <p:cNvPr id="231" name="모서리가 둥근 직사각형 59">
+            <a:extLst>
+              <a:ext uri="{FF2B5EF4-FFF2-40B4-BE49-F238E27FC236}">
+                <a16:creationId xmlns:a16="http://schemas.microsoft.com/office/drawing/2014/main" id="{F9CAD32D-9FD2-9917-657A-9084C777A6F8}"/>
+              </a:ext>
+            </a:extLst>
+          </p:cNvPr>
+          <p:cNvSpPr/>
+          <p:nvPr/>
+        </p:nvSpPr>
+        <p:spPr>
+          <a:xfrm>
+            <a:off x="11113898" y="1918210"/>
+            <a:ext cx="831414" cy="521395"/>
+          </a:xfrm>
+          <a:prstGeom prst="roundRect">
+            <a:avLst/>
+          </a:prstGeom>
+          <a:solidFill>
+            <a:srgbClr val="C7A1E3"/>
+          </a:solidFill>
+          <a:ln w="38100">
+            <a:solidFill>
+              <a:srgbClr val="7030A0"/>
+            </a:solidFill>
+          </a:ln>
+        </p:spPr>
+        <p:style>
+          <a:lnRef idx="2">
+            <a:schemeClr val="accent1">
+              <a:shade val="50000"/>
+            </a:schemeClr>
+          </a:lnRef>
+          <a:fillRef idx="1">
+            <a:schemeClr val="accent1"/>
+          </a:fillRef>
+          <a:effectRef idx="0">
+            <a:schemeClr val="accent1"/>
+          </a:effectRef>
+          <a:fontRef idx="minor">
+            <a:schemeClr val="lt1"/>
+          </a:fontRef>
+        </p:style>
+        <p:txBody>
+          <a:bodyPr rot="0" spcFirstLastPara="0" vertOverflow="overflow" horzOverflow="overflow" vert="horz" wrap="square" lIns="51435" tIns="25718" rIns="51435" bIns="25718" numCol="1" spcCol="0" rtlCol="0" fromWordArt="0" anchor="ctr" anchorCtr="0" forceAA="0" compatLnSpc="1">
+            <a:prstTxWarp prst="textNoShape">
+              <a:avLst/>
+            </a:prstTxWarp>
+            <a:noAutofit/>
+          </a:bodyPr>
+          <a:lstStyle/>
+          <a:p>
+            <a:pPr algn="ctr"/>
+            <a:r>
+              <a:rPr lang="en-US" altLang="ko-KR" sz="1200" b="1" dirty="0">
+                <a:solidFill>
+                  <a:schemeClr val="tx1"/>
+                </a:solidFill>
+                <a:latin typeface="HY궁서B" panose="02030600000101010101" pitchFamily="18" charset="-127"/>
+                <a:ea typeface="HY궁서B" panose="02030600000101010101" pitchFamily="18" charset="-127"/>
+              </a:rPr>
+              <a:t>Search</a:t>
+            </a:r>
+            <a:endParaRPr lang="ko-KR" altLang="en-US" sz="1200" b="1" dirty="0">
+              <a:solidFill>
+                <a:schemeClr val="tx1"/>
+              </a:solidFill>
+              <a:latin typeface="HY궁서B" panose="02030600000101010101" pitchFamily="18" charset="-127"/>
+              <a:ea typeface="HY궁서B" panose="02030600000101010101" pitchFamily="18" charset="-127"/>
+            </a:endParaRPr>
+          </a:p>
+        </p:txBody>
+      </p:sp>
+      <p:cxnSp>
+        <p:nvCxnSpPr>
+          <p:cNvPr id="232" name="직선 연결선 231">
+            <a:extLst>
+              <a:ext uri="{FF2B5EF4-FFF2-40B4-BE49-F238E27FC236}">
+                <a16:creationId xmlns:a16="http://schemas.microsoft.com/office/drawing/2014/main" id="{1E0B31B2-7321-886A-08C8-108B3FF8F1A8}"/>
+              </a:ext>
+            </a:extLst>
+          </p:cNvPr>
+          <p:cNvCxnSpPr/>
+          <p:nvPr/>
+        </p:nvCxnSpPr>
+        <p:spPr>
+          <a:xfrm>
+            <a:off x="11529605" y="1747445"/>
+            <a:ext cx="0" cy="190243"/>
+          </a:xfrm>
+          <a:prstGeom prst="line">
+            <a:avLst/>
+          </a:prstGeom>
+          <a:ln w="38100">
+            <a:solidFill>
+              <a:schemeClr val="accent3">
+                <a:lumMod val="50000"/>
+              </a:schemeClr>
+            </a:solidFill>
+          </a:ln>
+        </p:spPr>
+        <p:style>
+          <a:lnRef idx="1">
+            <a:schemeClr val="accent1"/>
+          </a:lnRef>
+          <a:fillRef idx="0">
+            <a:schemeClr val="accent1"/>
+          </a:fillRef>
+          <a:effectRef idx="0">
+            <a:schemeClr val="accent1"/>
+          </a:effectRef>
+          <a:fontRef idx="minor">
+            <a:schemeClr val="tx1"/>
+          </a:fontRef>
+        </p:style>
+      </p:cxnSp>
+      <p:sp>
+        <p:nvSpPr>
+          <p:cNvPr id="235" name="모서리가 둥근 직사각형 63">
+            <a:extLst>
+              <a:ext uri="{FF2B5EF4-FFF2-40B4-BE49-F238E27FC236}">
+                <a16:creationId xmlns:a16="http://schemas.microsoft.com/office/drawing/2014/main" id="{08CB0858-6939-3866-E1C7-B055448A4F93}"/>
+              </a:ext>
+            </a:extLst>
+          </p:cNvPr>
+          <p:cNvSpPr/>
+          <p:nvPr/>
+        </p:nvSpPr>
+        <p:spPr>
+          <a:xfrm>
+            <a:off x="11110770" y="2813036"/>
+            <a:ext cx="831414" cy="521395"/>
+          </a:xfrm>
+          <a:prstGeom prst="roundRect">
+            <a:avLst/>
+          </a:prstGeom>
+          <a:solidFill>
+            <a:srgbClr val="C7A1E3"/>
+          </a:solidFill>
+          <a:ln w="38100">
+            <a:solidFill>
+              <a:srgbClr val="7030A0"/>
+            </a:solidFill>
+          </a:ln>
+        </p:spPr>
+        <p:style>
+          <a:lnRef idx="2">
+            <a:schemeClr val="accent1">
+              <a:shade val="50000"/>
+            </a:schemeClr>
+          </a:lnRef>
+          <a:fillRef idx="1">
+            <a:schemeClr val="accent1"/>
+          </a:fillRef>
+          <a:effectRef idx="0">
+            <a:schemeClr val="accent1"/>
+          </a:effectRef>
+          <a:fontRef idx="minor">
+            <a:schemeClr val="lt1"/>
+          </a:fontRef>
+        </p:style>
+        <p:txBody>
+          <a:bodyPr rot="0" spcFirstLastPara="0" vertOverflow="overflow" horzOverflow="overflow" vert="horz" wrap="square" lIns="51435" tIns="25718" rIns="51435" bIns="25718" numCol="1" spcCol="0" rtlCol="0" fromWordArt="0" anchor="ctr" anchorCtr="0" forceAA="0" compatLnSpc="1">
+            <a:prstTxWarp prst="textNoShape">
+              <a:avLst/>
+            </a:prstTxWarp>
+            <a:noAutofit/>
+          </a:bodyPr>
+          <a:lstStyle/>
+          <a:p>
+            <a:pPr algn="ctr"/>
+            <a:r>
+              <a:rPr lang="ko-KR" altLang="en-US" sz="1125" b="1" dirty="0">
+                <a:solidFill>
+                  <a:schemeClr val="tx1"/>
+                </a:solidFill>
+                <a:latin typeface="맑은 고딕" panose="020B0503020000020004" pitchFamily="50" charset="-127"/>
+                <a:ea typeface="맑은 고딕" panose="020B0503020000020004" pitchFamily="50" charset="-127"/>
+              </a:rPr>
+              <a:t>검색 내용</a:t>
+            </a:r>
+          </a:p>
+        </p:txBody>
+      </p:sp>
+      <p:cxnSp>
+        <p:nvCxnSpPr>
+          <p:cNvPr id="236" name="직선 연결선 235">
+            <a:extLst>
+              <a:ext uri="{FF2B5EF4-FFF2-40B4-BE49-F238E27FC236}">
+                <a16:creationId xmlns:a16="http://schemas.microsoft.com/office/drawing/2014/main" id="{6BCF0272-A7F2-B9D6-C6DA-81F5270F6D1E}"/>
+              </a:ext>
+            </a:extLst>
+          </p:cNvPr>
+          <p:cNvCxnSpPr>
+            <a:cxnSpLocks/>
+            <a:endCxn id="235" idx="0"/>
+          </p:cNvCxnSpPr>
+          <p:nvPr/>
+        </p:nvCxnSpPr>
+        <p:spPr>
+          <a:xfrm>
+            <a:off x="11526477" y="2450165"/>
+            <a:ext cx="0" cy="362871"/>
+          </a:xfrm>
+          <a:prstGeom prst="line">
+            <a:avLst/>
+          </a:prstGeom>
+          <a:ln w="38100">
+            <a:solidFill>
+              <a:schemeClr val="accent3">
+                <a:lumMod val="50000"/>
+              </a:schemeClr>
+            </a:solidFill>
+          </a:ln>
+        </p:spPr>
+        <p:style>
+          <a:lnRef idx="1">
+            <a:schemeClr val="accent1"/>
+          </a:lnRef>
+          <a:fillRef idx="0">
+            <a:schemeClr val="accent1"/>
+          </a:fillRef>
+          <a:effectRef idx="0">
+            <a:schemeClr val="accent1"/>
+          </a:effectRef>
+          <a:fontRef idx="minor">
+            <a:schemeClr val="tx1"/>
+          </a:fontRef>
+        </p:style>
+      </p:cxnSp>
+      <p:sp>
+        <p:nvSpPr>
+          <p:cNvPr id="242" name="모서리가 둥근 직사각형 12">
+            <a:extLst>
+              <a:ext uri="{FF2B5EF4-FFF2-40B4-BE49-F238E27FC236}">
+                <a16:creationId xmlns:a16="http://schemas.microsoft.com/office/drawing/2014/main" id="{0B49B70A-5A8C-6B60-3D53-1DF44EFBAC29}"/>
+              </a:ext>
+            </a:extLst>
+          </p:cNvPr>
+          <p:cNvSpPr/>
+          <p:nvPr/>
+        </p:nvSpPr>
+        <p:spPr>
+          <a:xfrm>
+            <a:off x="11241696" y="3536138"/>
+            <a:ext cx="831414" cy="521395"/>
+          </a:xfrm>
+          <a:prstGeom prst="roundRect">
+            <a:avLst/>
+          </a:prstGeom>
+          <a:solidFill>
+            <a:srgbClr val="C7A1E3"/>
+          </a:solidFill>
+          <a:ln w="38100">
+            <a:solidFill>
+              <a:srgbClr val="7030A0"/>
+            </a:solidFill>
+          </a:ln>
+        </p:spPr>
+        <p:style>
+          <a:lnRef idx="2">
+            <a:schemeClr val="accent1">
+              <a:shade val="50000"/>
+            </a:schemeClr>
+          </a:lnRef>
+          <a:fillRef idx="1">
+            <a:schemeClr val="accent1"/>
+          </a:fillRef>
+          <a:effectRef idx="0">
+            <a:schemeClr val="accent1"/>
+          </a:effectRef>
+          <a:fontRef idx="minor">
+            <a:schemeClr val="lt1"/>
+          </a:fontRef>
+        </p:style>
+        <p:txBody>
+          <a:bodyPr rot="0" spcFirstLastPara="0" vertOverflow="overflow" horzOverflow="overflow" vert="horz" wrap="square" lIns="51435" tIns="25718" rIns="51435" bIns="25718" numCol="1" spcCol="0" rtlCol="0" fromWordArt="0" anchor="ctr" anchorCtr="0" forceAA="0" compatLnSpc="1">
+            <a:prstTxWarp prst="textNoShape">
+              <a:avLst/>
+            </a:prstTxWarp>
+            <a:noAutofit/>
+          </a:bodyPr>
+          <a:lstStyle/>
+          <a:p>
+            <a:pPr algn="ctr"/>
+            <a:r>
+              <a:rPr lang="ko-KR" altLang="en-US" sz="1125" b="1">
+                <a:solidFill>
+                  <a:schemeClr val="tx1"/>
+                </a:solidFill>
+                <a:latin typeface="맑은 고딕" panose="020B0503020000020004" pitchFamily="50" charset="-127"/>
+                <a:ea typeface="맑은 고딕" panose="020B0503020000020004" pitchFamily="50" charset="-127"/>
+              </a:rPr>
+              <a:t>추천 영화</a:t>
+            </a:r>
+            <a:endParaRPr lang="ko-KR" altLang="en-US" sz="1125" b="1" dirty="0">
+              <a:solidFill>
+                <a:schemeClr val="tx1"/>
+              </a:solidFill>
+              <a:latin typeface="맑은 고딕" panose="020B0503020000020004" pitchFamily="50" charset="-127"/>
+              <a:ea typeface="맑은 고딕" panose="020B0503020000020004" pitchFamily="50" charset="-127"/>
+            </a:endParaRPr>
+          </a:p>
+        </p:txBody>
+      </p:sp>
+      <p:sp>
+        <p:nvSpPr>
+          <p:cNvPr id="243" name="모서리가 둥근 직사각형 12">
+            <a:extLst>
+              <a:ext uri="{FF2B5EF4-FFF2-40B4-BE49-F238E27FC236}">
+                <a16:creationId xmlns:a16="http://schemas.microsoft.com/office/drawing/2014/main" id="{70DBD923-18BD-BE1C-5745-0C9BADFCD962}"/>
+              </a:ext>
+            </a:extLst>
+          </p:cNvPr>
+          <p:cNvSpPr/>
+          <p:nvPr/>
+        </p:nvSpPr>
+        <p:spPr>
+          <a:xfrm>
+            <a:off x="11241073" y="4257569"/>
+            <a:ext cx="831414" cy="521395"/>
+          </a:xfrm>
+          <a:prstGeom prst="roundRect">
+            <a:avLst/>
+          </a:prstGeom>
+          <a:solidFill>
+            <a:schemeClr val="accent2">
+              <a:lumMod val="60000"/>
+              <a:lumOff val="40000"/>
+            </a:schemeClr>
+          </a:solidFill>
+          <a:ln w="38100">
+            <a:solidFill>
+              <a:schemeClr val="accent2">
+                <a:lumMod val="50000"/>
+              </a:schemeClr>
+            </a:solidFill>
+          </a:ln>
+        </p:spPr>
+        <p:style>
+          <a:lnRef idx="2">
+            <a:schemeClr val="accent1">
+              <a:shade val="50000"/>
+            </a:schemeClr>
+          </a:lnRef>
+          <a:fillRef idx="1">
+            <a:schemeClr val="accent1"/>
+          </a:fillRef>
+          <a:effectRef idx="0">
+            <a:schemeClr val="accent1"/>
+          </a:effectRef>
+          <a:fontRef idx="minor">
+            <a:schemeClr val="lt1"/>
+          </a:fontRef>
+        </p:style>
+        <p:txBody>
+          <a:bodyPr rot="0" spcFirstLastPara="0" vertOverflow="overflow" horzOverflow="overflow" vert="horz" wrap="square" lIns="51435" tIns="25718" rIns="51435" bIns="25718" numCol="1" spcCol="0" rtlCol="0" fromWordArt="0" anchor="ctr" anchorCtr="0" forceAA="0" compatLnSpc="1">
+            <a:prstTxWarp prst="textNoShape">
+              <a:avLst/>
+            </a:prstTxWarp>
+            <a:noAutofit/>
+          </a:bodyPr>
+          <a:lstStyle/>
+          <a:p>
+            <a:pPr algn="ctr"/>
+            <a:r>
+              <a:rPr lang="ko-KR" altLang="en-US" sz="1125" b="1" dirty="0">
+                <a:solidFill>
+                  <a:schemeClr val="tx1"/>
+                </a:solidFill>
+                <a:latin typeface="맑은 고딕" panose="020B0503020000020004" pitchFamily="50" charset="-127"/>
+                <a:ea typeface="맑은 고딕" panose="020B0503020000020004" pitchFamily="50" charset="-127"/>
+              </a:rPr>
+              <a:t>영화 목록</a:t>
+            </a:r>
+          </a:p>
+        </p:txBody>
+      </p:sp>
+      <p:cxnSp>
+        <p:nvCxnSpPr>
+          <p:cNvPr id="244" name="직선 연결선 243">
+            <a:extLst>
+              <a:ext uri="{FF2B5EF4-FFF2-40B4-BE49-F238E27FC236}">
+                <a16:creationId xmlns:a16="http://schemas.microsoft.com/office/drawing/2014/main" id="{0DCB100D-1279-51DF-5025-B7E04C4A56F2}"/>
+              </a:ext>
+            </a:extLst>
+          </p:cNvPr>
+          <p:cNvCxnSpPr/>
+          <p:nvPr/>
+        </p:nvCxnSpPr>
+        <p:spPr>
+          <a:xfrm>
+            <a:off x="11665951" y="4057533"/>
+            <a:ext cx="0" cy="190243"/>
+          </a:xfrm>
+          <a:prstGeom prst="line">
+            <a:avLst/>
+          </a:prstGeom>
+          <a:ln w="38100">
+            <a:solidFill>
+              <a:schemeClr val="accent3">
+                <a:lumMod val="50000"/>
+              </a:schemeClr>
+            </a:solidFill>
+          </a:ln>
+        </p:spPr>
+        <p:style>
+          <a:lnRef idx="1">
+            <a:schemeClr val="accent1"/>
+          </a:lnRef>
+          <a:fillRef idx="0">
+            <a:schemeClr val="accent1"/>
+          </a:fillRef>
+          <a:effectRef idx="0">
+            <a:schemeClr val="accent1"/>
+          </a:effectRef>
+          <a:fontRef idx="minor">
+            <a:schemeClr val="tx1"/>
+          </a:fontRef>
+        </p:style>
+      </p:cxnSp>
+      <p:sp>
+        <p:nvSpPr>
+          <p:cNvPr id="249" name="모서리가 둥근 직사각형 68">
+            <a:extLst>
+              <a:ext uri="{FF2B5EF4-FFF2-40B4-BE49-F238E27FC236}">
+                <a16:creationId xmlns:a16="http://schemas.microsoft.com/office/drawing/2014/main" id="{FB4E1DA9-DB95-8CDA-DE92-0A56651091F2}"/>
+              </a:ext>
+            </a:extLst>
+          </p:cNvPr>
+          <p:cNvSpPr/>
+          <p:nvPr/>
+        </p:nvSpPr>
+        <p:spPr>
+          <a:xfrm>
+            <a:off x="3521365" y="4306296"/>
+            <a:ext cx="831414" cy="521395"/>
+          </a:xfrm>
+          <a:prstGeom prst="roundRect">
+            <a:avLst/>
+          </a:prstGeom>
+          <a:solidFill>
+            <a:schemeClr val="accent6">
+              <a:lumMod val="20000"/>
+              <a:lumOff val="80000"/>
             </a:schemeClr>
           </a:solidFill>
           <a:ln w="38100">
@@ -9495,22 +12355,267 @@
           </a:p>
         </p:txBody>
       </p:sp>
+      <p:cxnSp>
+        <p:nvCxnSpPr>
+          <p:cNvPr id="251" name="직선 연결선 250">
+            <a:extLst>
+              <a:ext uri="{FF2B5EF4-FFF2-40B4-BE49-F238E27FC236}">
+                <a16:creationId xmlns:a16="http://schemas.microsoft.com/office/drawing/2014/main" id="{B79B416A-ADA7-E07F-C433-A08D252BE83F}"/>
+              </a:ext>
+            </a:extLst>
+          </p:cNvPr>
+          <p:cNvCxnSpPr>
+            <a:cxnSpLocks/>
+          </p:cNvCxnSpPr>
+          <p:nvPr/>
+        </p:nvCxnSpPr>
+        <p:spPr>
+          <a:xfrm>
+            <a:off x="3940247" y="4943731"/>
+            <a:ext cx="0" cy="190243"/>
+          </a:xfrm>
+          <a:prstGeom prst="line">
+            <a:avLst/>
+          </a:prstGeom>
+          <a:ln w="38100">
+            <a:solidFill>
+              <a:schemeClr val="accent3">
+                <a:lumMod val="50000"/>
+              </a:schemeClr>
+            </a:solidFill>
+          </a:ln>
+        </p:spPr>
+        <p:style>
+          <a:lnRef idx="1">
+            <a:schemeClr val="accent1"/>
+          </a:lnRef>
+          <a:fillRef idx="0">
+            <a:schemeClr val="accent1"/>
+          </a:fillRef>
+          <a:effectRef idx="0">
+            <a:schemeClr val="accent1"/>
+          </a:effectRef>
+          <a:fontRef idx="minor">
+            <a:schemeClr val="tx1"/>
+          </a:fontRef>
+        </p:style>
+      </p:cxnSp>
+      <p:cxnSp>
+        <p:nvCxnSpPr>
+          <p:cNvPr id="252" name="꺾인 연결선 38">
+            <a:extLst>
+              <a:ext uri="{FF2B5EF4-FFF2-40B4-BE49-F238E27FC236}">
+                <a16:creationId xmlns:a16="http://schemas.microsoft.com/office/drawing/2014/main" id="{01FE9CB3-CB5E-1047-F6A9-E5A4EAAF14DA}"/>
+              </a:ext>
+            </a:extLst>
+          </p:cNvPr>
+          <p:cNvCxnSpPr>
+            <a:cxnSpLocks/>
+            <a:stCxn id="11" idx="2"/>
+            <a:endCxn id="249" idx="0"/>
+          </p:cNvCxnSpPr>
+          <p:nvPr/>
+        </p:nvCxnSpPr>
+        <p:spPr>
+          <a:xfrm rot="16200000" flipH="1">
+            <a:off x="3225929" y="3595152"/>
+            <a:ext cx="1049369" cy="372917"/>
+          </a:xfrm>
+          <a:prstGeom prst="bentConnector3">
+            <a:avLst>
+              <a:gd name="adj1" fmla="val 13693"/>
+            </a:avLst>
+          </a:prstGeom>
+          <a:ln w="38100">
+            <a:solidFill>
+              <a:schemeClr val="accent3">
+                <a:lumMod val="50000"/>
+              </a:schemeClr>
+            </a:solidFill>
+          </a:ln>
+        </p:spPr>
+        <p:style>
+          <a:lnRef idx="1">
+            <a:schemeClr val="accent1"/>
+          </a:lnRef>
+          <a:fillRef idx="0">
+            <a:schemeClr val="accent1"/>
+          </a:fillRef>
+          <a:effectRef idx="0">
+            <a:schemeClr val="accent1"/>
+          </a:effectRef>
+          <a:fontRef idx="minor">
+            <a:schemeClr val="tx1"/>
+          </a:fontRef>
+        </p:style>
+      </p:cxnSp>
+      <p:cxnSp>
+        <p:nvCxnSpPr>
+          <p:cNvPr id="262" name="꺾인 연결선 66">
+            <a:extLst>
+              <a:ext uri="{FF2B5EF4-FFF2-40B4-BE49-F238E27FC236}">
+                <a16:creationId xmlns:a16="http://schemas.microsoft.com/office/drawing/2014/main" id="{D23AA62B-C4CF-85B1-2B46-7A77264BB4C1}"/>
+              </a:ext>
+            </a:extLst>
+          </p:cNvPr>
+          <p:cNvCxnSpPr>
+            <a:cxnSpLocks/>
+            <a:stCxn id="231" idx="2"/>
+            <a:endCxn id="242" idx="3"/>
+          </p:cNvCxnSpPr>
+          <p:nvPr/>
+        </p:nvCxnSpPr>
+        <p:spPr>
+          <a:xfrm rot="16200000" flipH="1">
+            <a:off x="11122742" y="2846467"/>
+            <a:ext cx="1357231" cy="543505"/>
+          </a:xfrm>
+          <a:prstGeom prst="bentConnector4">
+            <a:avLst>
+              <a:gd name="adj1" fmla="val 17939"/>
+              <a:gd name="adj2" fmla="val 142060"/>
+            </a:avLst>
+          </a:prstGeom>
+          <a:ln w="38100">
+            <a:solidFill>
+              <a:schemeClr val="accent3">
+                <a:lumMod val="50000"/>
+              </a:schemeClr>
+            </a:solidFill>
+          </a:ln>
+        </p:spPr>
+        <p:style>
+          <a:lnRef idx="1">
+            <a:schemeClr val="accent1"/>
+          </a:lnRef>
+          <a:fillRef idx="0">
+            <a:schemeClr val="accent1"/>
+          </a:fillRef>
+          <a:effectRef idx="0">
+            <a:schemeClr val="accent1"/>
+          </a:effectRef>
+          <a:fontRef idx="minor">
+            <a:schemeClr val="tx1"/>
+          </a:fontRef>
+        </p:style>
+      </p:cxnSp>
+      <p:cxnSp>
+        <p:nvCxnSpPr>
+          <p:cNvPr id="267" name="직선 연결선 266">
+            <a:extLst>
+              <a:ext uri="{FF2B5EF4-FFF2-40B4-BE49-F238E27FC236}">
+                <a16:creationId xmlns:a16="http://schemas.microsoft.com/office/drawing/2014/main" id="{448ADA6B-65E9-2201-5E15-345318757545}"/>
+              </a:ext>
+            </a:extLst>
+          </p:cNvPr>
+          <p:cNvCxnSpPr>
+            <a:cxnSpLocks/>
+            <a:stCxn id="210" idx="1"/>
+            <a:endCxn id="96" idx="3"/>
+          </p:cNvCxnSpPr>
+          <p:nvPr/>
+        </p:nvCxnSpPr>
+        <p:spPr>
+          <a:xfrm flipH="1">
+            <a:off x="6955469" y="4489955"/>
+            <a:ext cx="137954" cy="0"/>
+          </a:xfrm>
+          <a:prstGeom prst="line">
+            <a:avLst/>
+          </a:prstGeom>
+          <a:ln w="38100">
+            <a:solidFill>
+              <a:schemeClr val="accent3">
+                <a:lumMod val="50000"/>
+              </a:schemeClr>
+            </a:solidFill>
+          </a:ln>
+        </p:spPr>
+        <p:style>
+          <a:lnRef idx="1">
+            <a:schemeClr val="accent1"/>
+          </a:lnRef>
+          <a:fillRef idx="0">
+            <a:schemeClr val="accent1"/>
+          </a:fillRef>
+          <a:effectRef idx="0">
+            <a:schemeClr val="accent1"/>
+          </a:effectRef>
+          <a:fontRef idx="minor">
+            <a:schemeClr val="tx1"/>
+          </a:fontRef>
+        </p:style>
+      </p:cxnSp>
+      <p:cxnSp>
+        <p:nvCxnSpPr>
+          <p:cNvPr id="270" name="직선 연결선 269">
+            <a:extLst>
+              <a:ext uri="{FF2B5EF4-FFF2-40B4-BE49-F238E27FC236}">
+                <a16:creationId xmlns:a16="http://schemas.microsoft.com/office/drawing/2014/main" id="{7EF0E826-F210-FA9A-943B-1091806B7E6F}"/>
+              </a:ext>
+            </a:extLst>
+          </p:cNvPr>
+          <p:cNvCxnSpPr>
+            <a:cxnSpLocks/>
+          </p:cNvCxnSpPr>
+          <p:nvPr/>
+        </p:nvCxnSpPr>
+        <p:spPr>
+          <a:xfrm>
+            <a:off x="9952052" y="2640409"/>
+            <a:ext cx="0" cy="1665886"/>
+          </a:xfrm>
+          <a:prstGeom prst="line">
+            <a:avLst/>
+          </a:prstGeom>
+          <a:ln w="38100">
+            <a:solidFill>
+              <a:schemeClr val="accent3">
+                <a:lumMod val="50000"/>
+              </a:schemeClr>
+            </a:solidFill>
+          </a:ln>
+        </p:spPr>
+        <p:style>
+          <a:lnRef idx="1">
+            <a:schemeClr val="accent1"/>
+          </a:lnRef>
+          <a:fillRef idx="0">
+            <a:schemeClr val="accent1"/>
+          </a:fillRef>
+          <a:effectRef idx="0">
+            <a:schemeClr val="accent1"/>
+          </a:effectRef>
+          <a:fontRef idx="minor">
+            <a:schemeClr val="tx1"/>
+          </a:fontRef>
+        </p:style>
+      </p:cxnSp>
       <p:sp>
         <p:nvSpPr>
-          <p:cNvPr id="86" name="모서리가 둥근 직사각형 85"/>
+          <p:cNvPr id="272" name="모서리가 둥근 직사각형 63">
+            <a:extLst>
+              <a:ext uri="{FF2B5EF4-FFF2-40B4-BE49-F238E27FC236}">
+                <a16:creationId xmlns:a16="http://schemas.microsoft.com/office/drawing/2014/main" id="{D4F5D612-29FA-F6C6-91BA-38E3B86C977A}"/>
+              </a:ext>
+            </a:extLst>
+          </p:cNvPr>
           <p:cNvSpPr/>
           <p:nvPr/>
         </p:nvSpPr>
         <p:spPr>
           <a:xfrm>
-            <a:off x="6407469" y="2813035"/>
+            <a:off x="9517444" y="4286782"/>
             <a:ext cx="831414" cy="521395"/>
           </a:xfrm>
           <a:prstGeom prst="roundRect">
             <a:avLst/>
           </a:prstGeom>
           <a:solidFill>
-            <a:schemeClr val="bg1"/>
+            <a:schemeClr val="accent1">
+              <a:lumMod val="60000"/>
+              <a:lumOff val="40000"/>
+            </a:schemeClr>
           </a:solidFill>
           <a:ln w="38100"/>
         </p:spPr>
@@ -9541,14 +12646,87 @@
           <a:p>
             <a:pPr algn="ctr"/>
             <a:r>
-              <a:rPr lang="ko-KR" altLang="en-US" sz="1125" b="1" dirty="0" err="1">
+              <a:rPr lang="ko-KR" altLang="en-US" sz="1125" b="1" dirty="0">
                 <a:solidFill>
                   <a:schemeClr val="tx1"/>
                 </a:solidFill>
                 <a:latin typeface="맑은 고딕" panose="020B0503020000020004" pitchFamily="50" charset="-127"/>
                 <a:ea typeface="맑은 고딕" panose="020B0503020000020004" pitchFamily="50" charset="-127"/>
               </a:rPr>
-              <a:t>팔로우</a:t>
+              <a:t>비밀번호 수정</a:t>
+            </a:r>
+          </a:p>
+        </p:txBody>
+      </p:sp>
+      <p:sp>
+        <p:nvSpPr>
+          <p:cNvPr id="273" name="모서리가 둥근 직사각형 73">
+            <a:extLst>
+              <a:ext uri="{FF2B5EF4-FFF2-40B4-BE49-F238E27FC236}">
+                <a16:creationId xmlns:a16="http://schemas.microsoft.com/office/drawing/2014/main" id="{B4361E1F-0EF7-AE4B-26D7-F4FA38B19030}"/>
+              </a:ext>
+            </a:extLst>
+          </p:cNvPr>
+          <p:cNvSpPr/>
+          <p:nvPr/>
+        </p:nvSpPr>
+        <p:spPr>
+          <a:xfrm>
+            <a:off x="9536345" y="5068139"/>
+            <a:ext cx="831414" cy="521395"/>
+          </a:xfrm>
+          <a:prstGeom prst="roundRect">
+            <a:avLst/>
+          </a:prstGeom>
+          <a:solidFill>
+            <a:schemeClr val="accent6">
+              <a:lumMod val="20000"/>
+              <a:lumOff val="80000"/>
+            </a:schemeClr>
+          </a:solidFill>
+          <a:ln w="38100">
+            <a:solidFill>
+              <a:schemeClr val="accent6">
+                <a:lumMod val="50000"/>
+              </a:schemeClr>
+            </a:solidFill>
+          </a:ln>
+        </p:spPr>
+        <p:style>
+          <a:lnRef idx="2">
+            <a:schemeClr val="accent1">
+              <a:shade val="50000"/>
+            </a:schemeClr>
+          </a:lnRef>
+          <a:fillRef idx="1">
+            <a:schemeClr val="accent1"/>
+          </a:fillRef>
+          <a:effectRef idx="0">
+            <a:schemeClr val="accent1"/>
+          </a:effectRef>
+          <a:fontRef idx="minor">
+            <a:schemeClr val="lt1"/>
+          </a:fontRef>
+        </p:style>
+        <p:txBody>
+          <a:bodyPr rot="0" spcFirstLastPara="0" vertOverflow="overflow" horzOverflow="overflow" vert="horz" wrap="square" lIns="51435" tIns="25718" rIns="51435" bIns="25718" numCol="1" spcCol="0" rtlCol="0" fromWordArt="0" anchor="ctr" anchorCtr="0" forceAA="0" compatLnSpc="1">
+            <a:prstTxWarp prst="textNoShape">
+              <a:avLst/>
+            </a:prstTxWarp>
+            <a:noAutofit/>
+          </a:bodyPr>
+          <a:lstStyle/>
+          <a:p>
+            <a:pPr algn="ctr"/>
+            <a:r>
+              <a:rPr lang="en-US" altLang="ko-KR" sz="1125" b="1" dirty="0">
+                <a:solidFill>
+                  <a:schemeClr val="tx1"/>
+                </a:solidFill>
+                <a:latin typeface="맑은 고딕" panose="020B0503020000020004" pitchFamily="50" charset="-127"/>
+                <a:ea typeface="맑은 고딕" panose="020B0503020000020004" pitchFamily="50" charset="-127"/>
+              </a:rPr>
+              <a:t>Password</a:t>
             </a:r>
             <a:br>
               <a:rPr lang="en-US" altLang="ko-KR" sz="1125" b="1" dirty="0">
@@ -9560,14 +12738,14 @@
               </a:rPr>
             </a:br>
             <a:r>
-              <a:rPr lang="ko-KR" altLang="en-US" sz="1125" b="1" dirty="0" err="1">
+              <a:rPr lang="en-US" altLang="ko-KR" sz="1125" b="1" dirty="0">
                 <a:solidFill>
                   <a:schemeClr val="tx1"/>
                 </a:solidFill>
                 <a:latin typeface="맑은 고딕" panose="020B0503020000020004" pitchFamily="50" charset="-127"/>
                 <a:ea typeface="맑은 고딕" panose="020B0503020000020004" pitchFamily="50" charset="-127"/>
               </a:rPr>
-              <a:t>팔로워</a:t>
+              <a:t>Modal</a:t>
             </a:r>
             <a:endParaRPr lang="ko-KR" altLang="en-US" sz="1125" b="1" dirty="0">
               <a:solidFill>
@@ -9581,16 +12759,22 @@
       </p:sp>
       <p:cxnSp>
         <p:nvCxnSpPr>
-          <p:cNvPr id="87" name="직선 연결선 86"/>
+          <p:cNvPr id="274" name="직선 연결선 273">
+            <a:extLst>
+              <a:ext uri="{FF2B5EF4-FFF2-40B4-BE49-F238E27FC236}">
+                <a16:creationId xmlns:a16="http://schemas.microsoft.com/office/drawing/2014/main" id="{1833574D-B1DE-E1D9-DB98-F4C9A8BBAC03}"/>
+              </a:ext>
+            </a:extLst>
+          </p:cNvPr>
           <p:cNvCxnSpPr>
-            <a:endCxn id="84" idx="0"/>
+            <a:cxnSpLocks/>
           </p:cNvCxnSpPr>
           <p:nvPr/>
         </p:nvCxnSpPr>
         <p:spPr>
-          <a:xfrm>
-            <a:off x="1160908" y="3256926"/>
-            <a:ext cx="0" cy="240934"/>
+          <a:xfrm flipH="1">
+            <a:off x="9961577" y="4809602"/>
+            <a:ext cx="0" cy="258537"/>
           </a:xfrm>
           <a:prstGeom prst="line">
             <a:avLst/>
@@ -9618,24 +12802,95 @@
           </a:fontRef>
         </p:style>
       </p:cxnSp>
+      <p:sp>
+        <p:nvSpPr>
+          <p:cNvPr id="276" name="모서리가 둥근 직사각형 63">
+            <a:extLst>
+              <a:ext uri="{FF2B5EF4-FFF2-40B4-BE49-F238E27FC236}">
+                <a16:creationId xmlns:a16="http://schemas.microsoft.com/office/drawing/2014/main" id="{54E62149-4E0E-F8C9-993C-69A00607D386}"/>
+              </a:ext>
+            </a:extLst>
+          </p:cNvPr>
+          <p:cNvSpPr/>
+          <p:nvPr/>
+        </p:nvSpPr>
+        <p:spPr>
+          <a:xfrm>
+            <a:off x="8479461" y="4286782"/>
+            <a:ext cx="831414" cy="521395"/>
+          </a:xfrm>
+          <a:prstGeom prst="roundRect">
+            <a:avLst/>
+          </a:prstGeom>
+          <a:solidFill>
+            <a:schemeClr val="accent1">
+              <a:lumMod val="60000"/>
+              <a:lumOff val="40000"/>
+            </a:schemeClr>
+          </a:solidFill>
+          <a:ln w="38100"/>
+        </p:spPr>
+        <p:style>
+          <a:lnRef idx="2">
+            <a:schemeClr val="accent1">
+              <a:shade val="50000"/>
+            </a:schemeClr>
+          </a:lnRef>
+          <a:fillRef idx="1">
+            <a:schemeClr val="accent1"/>
+          </a:fillRef>
+          <a:effectRef idx="0">
+            <a:schemeClr val="accent1"/>
+          </a:effectRef>
+          <a:fontRef idx="minor">
+            <a:schemeClr val="lt1"/>
+          </a:fontRef>
+        </p:style>
+        <p:txBody>
+          <a:bodyPr rot="0" spcFirstLastPara="0" vertOverflow="overflow" horzOverflow="overflow" vert="horz" wrap="square" lIns="51435" tIns="25718" rIns="51435" bIns="25718" numCol="1" spcCol="0" rtlCol="0" fromWordArt="0" anchor="ctr" anchorCtr="0" forceAA="0" compatLnSpc="1">
+            <a:prstTxWarp prst="textNoShape">
+              <a:avLst/>
+            </a:prstTxWarp>
+            <a:noAutofit/>
+          </a:bodyPr>
+          <a:lstStyle/>
+          <a:p>
+            <a:pPr algn="ctr"/>
+            <a:r>
+              <a:rPr lang="ko-KR" altLang="en-US" sz="1125" b="1" dirty="0">
+                <a:solidFill>
+                  <a:schemeClr val="tx1"/>
+                </a:solidFill>
+                <a:latin typeface="맑은 고딕" panose="020B0503020000020004" pitchFamily="50" charset="-127"/>
+                <a:ea typeface="맑은 고딕" panose="020B0503020000020004" pitchFamily="50" charset="-127"/>
+              </a:rPr>
+              <a:t>회원 탈퇴</a:t>
+            </a:r>
+          </a:p>
+        </p:txBody>
+      </p:sp>
       <p:cxnSp>
         <p:nvCxnSpPr>
-          <p:cNvPr id="88" name="꺾인 연결선 87"/>
+          <p:cNvPr id="277" name="꺾인 연결선 94">
+            <a:extLst>
+              <a:ext uri="{FF2B5EF4-FFF2-40B4-BE49-F238E27FC236}">
+                <a16:creationId xmlns:a16="http://schemas.microsoft.com/office/drawing/2014/main" id="{AF9BE1D1-15E1-F1D5-DC8B-2679B2D43D99}"/>
+              </a:ext>
+            </a:extLst>
+          </p:cNvPr>
           <p:cNvCxnSpPr>
-            <a:stCxn id="60" idx="2"/>
-            <a:endCxn id="86" idx="0"/>
+            <a:cxnSpLocks/>
+            <a:endCxn id="276" idx="0"/>
           </p:cNvCxnSpPr>
           <p:nvPr/>
         </p:nvCxnSpPr>
         <p:spPr>
-          <a:xfrm rot="5400000">
-            <a:off x="7108535" y="2154245"/>
-            <a:ext cx="373431" cy="944148"/>
-          </a:xfrm>
-          <a:prstGeom prst="bentConnector3">
-            <a:avLst>
-              <a:gd name="adj1" fmla="val 50000"/>
-            </a:avLst>
+          <a:xfrm rot="10800000" flipV="1">
+            <a:off x="8895169" y="4183710"/>
+            <a:ext cx="1066409" cy="103072"/>
+          </a:xfrm>
+          <a:prstGeom prst="bentConnector2">
+            <a:avLst/>
           </a:prstGeom>
           <a:ln w="38100">
             <a:solidFill>
@@ -9660,6 +12915,88 @@
           </a:fontRef>
         </p:style>
       </p:cxnSp>
+      <p:sp>
+        <p:nvSpPr>
+          <p:cNvPr id="280" name="Rectangle 1">
+            <a:extLst>
+              <a:ext uri="{FF2B5EF4-FFF2-40B4-BE49-F238E27FC236}">
+                <a16:creationId xmlns:a16="http://schemas.microsoft.com/office/drawing/2014/main" id="{6F60312B-A053-DA74-8F32-115BFFA8D537}"/>
+              </a:ext>
+            </a:extLst>
+          </p:cNvPr>
+          <p:cNvSpPr>
+            <a:spLocks noChangeArrowheads="1"/>
+          </p:cNvSpPr>
+          <p:nvPr/>
+        </p:nvSpPr>
+        <p:spPr bwMode="auto">
+          <a:xfrm>
+            <a:off x="1740255" y="730099"/>
+            <a:ext cx="2306646" cy="170574"/>
+          </a:xfrm>
+          <a:prstGeom prst="rect">
+            <a:avLst/>
+          </a:prstGeom>
+          <a:solidFill>
+            <a:srgbClr val="F8F9FA"/>
+          </a:solidFill>
+          <a:ln>
+            <a:noFill/>
+          </a:ln>
+          <a:effectLst/>
+          <a:extLst>
+            <a:ext uri="{91240B29-F687-4F45-9708-019B960494DF}">
+              <a14:hiddenLine xmlns:a14="http://schemas.microsoft.com/office/drawing/2010/main" w="9525">
+                <a:solidFill>
+                  <a:schemeClr val="tx1"/>
+                </a:solidFill>
+                <a:miter lim="800000"/>
+                <a:headEnd/>
+                <a:tailEnd/>
+              </a14:hiddenLine>
+            </a:ext>
+            <a:ext uri="{AF507438-7753-43E0-B8FC-AC1667EBCBE1}">
+              <a14:hiddenEffects xmlns:a14="http://schemas.microsoft.com/office/drawing/2010/main">
+                <a:effectLst>
+                  <a:outerShdw dist="35921" dir="2700000" algn="ctr" rotWithShape="0">
+                    <a:schemeClr val="bg2"/>
+                  </a:outerShdw>
+                </a:effectLst>
+              </a14:hiddenEffects>
+            </a:ext>
+          </a:extLst>
+        </p:spPr>
+        <p:txBody>
+          <a:bodyPr vert="horz" wrap="square" lIns="0" tIns="-22218" rIns="0" bIns="-22218" numCol="1" anchor="ctr" anchorCtr="0" compatLnSpc="1">
+            <a:prstTxWarp prst="textNoShape">
+              <a:avLst/>
+            </a:prstTxWarp>
+            <a:spAutoFit/>
+          </a:bodyPr>
+          <a:lstStyle/>
+          <a:p>
+            <a:pPr eaLnBrk="0" fontAlgn="base" latinLnBrk="0" hangingPunct="0">
+              <a:spcBef>
+                <a:spcPct val="0"/>
+              </a:spcBef>
+              <a:spcAft>
+                <a:spcPct val="0"/>
+              </a:spcAft>
+            </a:pPr>
+            <a:r>
+              <a:rPr lang="ko-KR" altLang="en-US" sz="1400" dirty="0">
+                <a:latin typeface="12롯데마트드림Bold" panose="02020603020101020101" pitchFamily="18" charset="-127"/>
+                <a:ea typeface="12롯데마트드림Bold" panose="02020603020101020101" pitchFamily="18" charset="-127"/>
+              </a:rPr>
+              <a:t>각 컴포넌트간 연결성 중심으로</a:t>
+            </a:r>
+            <a:endParaRPr lang="ko-KR" altLang="ko-KR" sz="1400" dirty="0">
+              <a:latin typeface="12롯데마트드림Bold" panose="02020603020101020101" pitchFamily="18" charset="-127"/>
+              <a:ea typeface="12롯데마트드림Bold" panose="02020603020101020101" pitchFamily="18" charset="-127"/>
+            </a:endParaRPr>
+          </a:p>
+        </p:txBody>
+      </p:sp>
     </p:spTree>
     <p:extLst>
       <p:ext uri="{BB962C8B-B14F-4D97-AF65-F5344CB8AC3E}">
@@ -9690,7 +13027,7 @@
         <a:srgbClr val="E7E6E6"/>
       </a:lt2>
       <a:accent1>
-        <a:srgbClr val="5B9BD5"/>
+        <a:srgbClr val="4472C4"/>
       </a:accent1>
       <a:accent2>
         <a:srgbClr val="ED7D31"/>
@@ -9702,7 +13039,7 @@
         <a:srgbClr val="FFC000"/>
       </a:accent4>
       <a:accent5>
-        <a:srgbClr val="4472C4"/>
+        <a:srgbClr val="5B9BD5"/>
       </a:accent5>
       <a:accent6>
         <a:srgbClr val="70AD47"/>
@@ -9928,7 +13265,7 @@
   <a:extraClrSchemeLst/>
   <a:extLst>
     <a:ext uri="{05A4C25C-085E-4340-85A3-A5531E510DB2}">
-      <thm15:themeFamily xmlns:thm15="http://schemas.microsoft.com/office/thememl/2012/main" name="Office Theme" id="{62F939B6-93AF-4DB8-9C6B-D6C7DFDC589F}" vid="{4A3C46E8-61CC-4603-A589-7422A47A8E4A}"/>
+      <thm15:themeFamily xmlns:thm15="http://schemas.microsoft.com/office/thememl/2012/main" name="Office Theme 2013 - 2022" id="{62F939B6-93AF-4DB8-9C6B-D6C7DFDC589F}" vid="{4A3C46E8-61CC-4603-A589-7422A47A8E4A}"/>
     </a:ext>
   </a:extLst>
 </a:theme>
